--- a/Documents/Presentation.pptx
+++ b/Documents/Presentation.pptx
@@ -241,6 +241,3601 @@
     </pc:docChg>
   </pc:docChgLst>
 </pc:chgInfo>
+</file>
+
+<file path=ppt/diagrams/colors1.xml><?xml version="1.0" encoding="utf-8"?>
+<dgm:colorsDef xmlns:dgm="http://schemas.openxmlformats.org/drawingml/2006/diagram" xmlns:a="http://schemas.openxmlformats.org/drawingml/2006/main" uniqueId="urn:microsoft.com/office/officeart/2005/8/colors/accent1_2">
+  <dgm:title val=""/>
+  <dgm:desc val=""/>
+  <dgm:catLst>
+    <dgm:cat type="accent1" pri="11200"/>
+  </dgm:catLst>
+  <dgm:styleLbl name="node0">
+    <dgm:fillClrLst meth="repeat">
+      <a:schemeClr val="accent1"/>
+    </dgm:fillClrLst>
+    <dgm:linClrLst meth="repeat">
+      <a:schemeClr val="lt1"/>
+    </dgm:linClrLst>
+    <dgm:effectClrLst/>
+    <dgm:txLinClrLst/>
+    <dgm:txFillClrLst/>
+    <dgm:txEffectClrLst/>
+  </dgm:styleLbl>
+  <dgm:styleLbl name="alignNode1">
+    <dgm:fillClrLst meth="repeat">
+      <a:schemeClr val="accent1"/>
+    </dgm:fillClrLst>
+    <dgm:linClrLst meth="repeat">
+      <a:schemeClr val="accent1"/>
+    </dgm:linClrLst>
+    <dgm:effectClrLst/>
+    <dgm:txLinClrLst/>
+    <dgm:txFillClrLst/>
+    <dgm:txEffectClrLst/>
+  </dgm:styleLbl>
+  <dgm:styleLbl name="node1">
+    <dgm:fillClrLst meth="repeat">
+      <a:schemeClr val="accent1"/>
+    </dgm:fillClrLst>
+    <dgm:linClrLst meth="repeat">
+      <a:schemeClr val="lt1"/>
+    </dgm:linClrLst>
+    <dgm:effectClrLst/>
+    <dgm:txLinClrLst/>
+    <dgm:txFillClrLst/>
+    <dgm:txEffectClrLst/>
+  </dgm:styleLbl>
+  <dgm:styleLbl name="lnNode1">
+    <dgm:fillClrLst meth="repeat">
+      <a:schemeClr val="accent1"/>
+    </dgm:fillClrLst>
+    <dgm:linClrLst meth="repeat">
+      <a:schemeClr val="lt1"/>
+    </dgm:linClrLst>
+    <dgm:effectClrLst/>
+    <dgm:txLinClrLst/>
+    <dgm:txFillClrLst/>
+    <dgm:txEffectClrLst/>
+  </dgm:styleLbl>
+  <dgm:styleLbl name="vennNode1">
+    <dgm:fillClrLst meth="repeat">
+      <a:schemeClr val="accent1">
+        <a:alpha val="50000"/>
+      </a:schemeClr>
+    </dgm:fillClrLst>
+    <dgm:linClrLst meth="repeat">
+      <a:schemeClr val="lt1"/>
+    </dgm:linClrLst>
+    <dgm:effectClrLst/>
+    <dgm:txLinClrLst/>
+    <dgm:txFillClrLst/>
+    <dgm:txEffectClrLst/>
+  </dgm:styleLbl>
+  <dgm:styleLbl name="node2">
+    <dgm:fillClrLst meth="repeat">
+      <a:schemeClr val="accent1"/>
+    </dgm:fillClrLst>
+    <dgm:linClrLst meth="repeat">
+      <a:schemeClr val="lt1"/>
+    </dgm:linClrLst>
+    <dgm:effectClrLst/>
+    <dgm:txLinClrLst/>
+    <dgm:txFillClrLst/>
+    <dgm:txEffectClrLst/>
+  </dgm:styleLbl>
+  <dgm:styleLbl name="node3">
+    <dgm:fillClrLst meth="repeat">
+      <a:schemeClr val="accent1"/>
+    </dgm:fillClrLst>
+    <dgm:linClrLst meth="repeat">
+      <a:schemeClr val="lt1"/>
+    </dgm:linClrLst>
+    <dgm:effectClrLst/>
+    <dgm:txLinClrLst/>
+    <dgm:txFillClrLst/>
+    <dgm:txEffectClrLst/>
+  </dgm:styleLbl>
+  <dgm:styleLbl name="node4">
+    <dgm:fillClrLst meth="repeat">
+      <a:schemeClr val="accent1"/>
+    </dgm:fillClrLst>
+    <dgm:linClrLst meth="repeat">
+      <a:schemeClr val="lt1"/>
+    </dgm:linClrLst>
+    <dgm:effectClrLst/>
+    <dgm:txLinClrLst/>
+    <dgm:txFillClrLst/>
+    <dgm:txEffectClrLst/>
+  </dgm:styleLbl>
+  <dgm:styleLbl name="fgImgPlace1">
+    <dgm:fillClrLst meth="repeat">
+      <a:schemeClr val="accent1">
+        <a:tint val="50000"/>
+      </a:schemeClr>
+    </dgm:fillClrLst>
+    <dgm:linClrLst meth="repeat">
+      <a:schemeClr val="lt1"/>
+    </dgm:linClrLst>
+    <dgm:effectClrLst/>
+    <dgm:txLinClrLst/>
+    <dgm:txFillClrLst meth="repeat">
+      <a:schemeClr val="lt1"/>
+    </dgm:txFillClrLst>
+    <dgm:txEffectClrLst/>
+  </dgm:styleLbl>
+  <dgm:styleLbl name="alignImgPlace1">
+    <dgm:fillClrLst meth="repeat">
+      <a:schemeClr val="accent1">
+        <a:tint val="50000"/>
+      </a:schemeClr>
+    </dgm:fillClrLst>
+    <dgm:linClrLst meth="repeat">
+      <a:schemeClr val="lt1"/>
+    </dgm:linClrLst>
+    <dgm:effectClrLst/>
+    <dgm:txLinClrLst/>
+    <dgm:txFillClrLst meth="repeat">
+      <a:schemeClr val="lt1"/>
+    </dgm:txFillClrLst>
+    <dgm:txEffectClrLst/>
+  </dgm:styleLbl>
+  <dgm:styleLbl name="bgImgPlace1">
+    <dgm:fillClrLst meth="repeat">
+      <a:schemeClr val="accent1">
+        <a:tint val="50000"/>
+      </a:schemeClr>
+    </dgm:fillClrLst>
+    <dgm:linClrLst meth="repeat">
+      <a:schemeClr val="lt1"/>
+    </dgm:linClrLst>
+    <dgm:effectClrLst/>
+    <dgm:txLinClrLst/>
+    <dgm:txFillClrLst meth="repeat">
+      <a:schemeClr val="lt1"/>
+    </dgm:txFillClrLst>
+    <dgm:txEffectClrLst/>
+  </dgm:styleLbl>
+  <dgm:styleLbl name="sibTrans2D1">
+    <dgm:fillClrLst meth="repeat">
+      <a:schemeClr val="accent1">
+        <a:tint val="60000"/>
+      </a:schemeClr>
+    </dgm:fillClrLst>
+    <dgm:linClrLst meth="repeat">
+      <a:schemeClr val="accent1">
+        <a:tint val="60000"/>
+      </a:schemeClr>
+    </dgm:linClrLst>
+    <dgm:effectClrLst/>
+    <dgm:txLinClrLst/>
+    <dgm:txFillClrLst/>
+    <dgm:txEffectClrLst/>
+  </dgm:styleLbl>
+  <dgm:styleLbl name="fgSibTrans2D1">
+    <dgm:fillClrLst meth="repeat">
+      <a:schemeClr val="accent1">
+        <a:tint val="60000"/>
+      </a:schemeClr>
+    </dgm:fillClrLst>
+    <dgm:linClrLst meth="repeat">
+      <a:schemeClr val="accent1">
+        <a:tint val="60000"/>
+      </a:schemeClr>
+    </dgm:linClrLst>
+    <dgm:effectClrLst/>
+    <dgm:txLinClrLst/>
+    <dgm:txFillClrLst/>
+    <dgm:txEffectClrLst/>
+  </dgm:styleLbl>
+  <dgm:styleLbl name="bgSibTrans2D1">
+    <dgm:fillClrLst meth="repeat">
+      <a:schemeClr val="accent1">
+        <a:tint val="60000"/>
+      </a:schemeClr>
+    </dgm:fillClrLst>
+    <dgm:linClrLst meth="repeat">
+      <a:schemeClr val="accent1">
+        <a:tint val="60000"/>
+      </a:schemeClr>
+    </dgm:linClrLst>
+    <dgm:effectClrLst/>
+    <dgm:txLinClrLst/>
+    <dgm:txFillClrLst/>
+    <dgm:txEffectClrLst/>
+  </dgm:styleLbl>
+  <dgm:styleLbl name="sibTrans1D1">
+    <dgm:fillClrLst meth="repeat">
+      <a:schemeClr val="accent1"/>
+    </dgm:fillClrLst>
+    <dgm:linClrLst meth="repeat">
+      <a:schemeClr val="accent1"/>
+    </dgm:linClrLst>
+    <dgm:effectClrLst/>
+    <dgm:txLinClrLst/>
+    <dgm:txFillClrLst meth="repeat">
+      <a:schemeClr val="tx1"/>
+    </dgm:txFillClrLst>
+    <dgm:txEffectClrLst/>
+  </dgm:styleLbl>
+  <dgm:styleLbl name="callout">
+    <dgm:fillClrLst meth="repeat">
+      <a:schemeClr val="accent1"/>
+    </dgm:fillClrLst>
+    <dgm:linClrLst meth="repeat">
+      <a:schemeClr val="accent1">
+        <a:tint val="50000"/>
+      </a:schemeClr>
+    </dgm:linClrLst>
+    <dgm:effectClrLst/>
+    <dgm:txLinClrLst/>
+    <dgm:txFillClrLst meth="repeat">
+      <a:schemeClr val="tx1"/>
+    </dgm:txFillClrLst>
+    <dgm:txEffectClrLst/>
+  </dgm:styleLbl>
+  <dgm:styleLbl name="asst0">
+    <dgm:fillClrLst meth="repeat">
+      <a:schemeClr val="accent1"/>
+    </dgm:fillClrLst>
+    <dgm:linClrLst meth="repeat">
+      <a:schemeClr val="lt1"/>
+    </dgm:linClrLst>
+    <dgm:effectClrLst/>
+    <dgm:txLinClrLst/>
+    <dgm:txFillClrLst/>
+    <dgm:txEffectClrLst/>
+  </dgm:styleLbl>
+  <dgm:styleLbl name="asst1">
+    <dgm:fillClrLst meth="repeat">
+      <a:schemeClr val="accent1"/>
+    </dgm:fillClrLst>
+    <dgm:linClrLst meth="repeat">
+      <a:schemeClr val="lt1"/>
+    </dgm:linClrLst>
+    <dgm:effectClrLst/>
+    <dgm:txLinClrLst/>
+    <dgm:txFillClrLst/>
+    <dgm:txEffectClrLst/>
+  </dgm:styleLbl>
+  <dgm:styleLbl name="asst2">
+    <dgm:fillClrLst meth="repeat">
+      <a:schemeClr val="accent1"/>
+    </dgm:fillClrLst>
+    <dgm:linClrLst meth="repeat">
+      <a:schemeClr val="lt1"/>
+    </dgm:linClrLst>
+    <dgm:effectClrLst/>
+    <dgm:txLinClrLst/>
+    <dgm:txFillClrLst/>
+    <dgm:txEffectClrLst/>
+  </dgm:styleLbl>
+  <dgm:styleLbl name="asst3">
+    <dgm:fillClrLst meth="repeat">
+      <a:schemeClr val="accent1"/>
+    </dgm:fillClrLst>
+    <dgm:linClrLst meth="repeat">
+      <a:schemeClr val="lt1"/>
+    </dgm:linClrLst>
+    <dgm:effectClrLst/>
+    <dgm:txLinClrLst/>
+    <dgm:txFillClrLst/>
+    <dgm:txEffectClrLst/>
+  </dgm:styleLbl>
+  <dgm:styleLbl name="asst4">
+    <dgm:fillClrLst meth="repeat">
+      <a:schemeClr val="accent1"/>
+    </dgm:fillClrLst>
+    <dgm:linClrLst meth="repeat">
+      <a:schemeClr val="lt1"/>
+    </dgm:linClrLst>
+    <dgm:effectClrLst/>
+    <dgm:txLinClrLst/>
+    <dgm:txFillClrLst/>
+    <dgm:txEffectClrLst/>
+  </dgm:styleLbl>
+  <dgm:styleLbl name="parChTrans2D1">
+    <dgm:fillClrLst meth="repeat">
+      <a:schemeClr val="accent1">
+        <a:tint val="60000"/>
+      </a:schemeClr>
+    </dgm:fillClrLst>
+    <dgm:linClrLst meth="repeat">
+      <a:schemeClr val="accent1">
+        <a:tint val="60000"/>
+      </a:schemeClr>
+    </dgm:linClrLst>
+    <dgm:effectClrLst/>
+    <dgm:txLinClrLst/>
+    <dgm:txFillClrLst meth="repeat">
+      <a:schemeClr val="lt1"/>
+    </dgm:txFillClrLst>
+    <dgm:txEffectClrLst/>
+  </dgm:styleLbl>
+  <dgm:styleLbl name="parChTrans2D2">
+    <dgm:fillClrLst meth="repeat">
+      <a:schemeClr val="accent1"/>
+    </dgm:fillClrLst>
+    <dgm:linClrLst meth="repeat">
+      <a:schemeClr val="accent1"/>
+    </dgm:linClrLst>
+    <dgm:effectClrLst/>
+    <dgm:txLinClrLst/>
+    <dgm:txFillClrLst meth="repeat">
+      <a:schemeClr val="lt1"/>
+    </dgm:txFillClrLst>
+    <dgm:txEffectClrLst/>
+  </dgm:styleLbl>
+  <dgm:styleLbl name="parChTrans2D3">
+    <dgm:fillClrLst meth="repeat">
+      <a:schemeClr val="accent1"/>
+    </dgm:fillClrLst>
+    <dgm:linClrLst meth="repeat">
+      <a:schemeClr val="accent1"/>
+    </dgm:linClrLst>
+    <dgm:effectClrLst/>
+    <dgm:txLinClrLst/>
+    <dgm:txFillClrLst meth="repeat">
+      <a:schemeClr val="lt1"/>
+    </dgm:txFillClrLst>
+    <dgm:txEffectClrLst/>
+  </dgm:styleLbl>
+  <dgm:styleLbl name="parChTrans2D4">
+    <dgm:fillClrLst meth="repeat">
+      <a:schemeClr val="accent1"/>
+    </dgm:fillClrLst>
+    <dgm:linClrLst meth="repeat">
+      <a:schemeClr val="accent1"/>
+    </dgm:linClrLst>
+    <dgm:effectClrLst/>
+    <dgm:txLinClrLst/>
+    <dgm:txFillClrLst meth="repeat">
+      <a:schemeClr val="lt1"/>
+    </dgm:txFillClrLst>
+    <dgm:txEffectClrLst/>
+  </dgm:styleLbl>
+  <dgm:styleLbl name="parChTrans1D1">
+    <dgm:fillClrLst meth="repeat">
+      <a:schemeClr val="accent1"/>
+    </dgm:fillClrLst>
+    <dgm:linClrLst meth="repeat">
+      <a:schemeClr val="accent1">
+        <a:shade val="60000"/>
+      </a:schemeClr>
+    </dgm:linClrLst>
+    <dgm:effectClrLst/>
+    <dgm:txLinClrLst/>
+    <dgm:txFillClrLst meth="repeat">
+      <a:schemeClr val="tx1"/>
+    </dgm:txFillClrLst>
+    <dgm:txEffectClrLst/>
+  </dgm:styleLbl>
+  <dgm:styleLbl name="parChTrans1D2">
+    <dgm:fillClrLst meth="repeat">
+      <a:schemeClr val="accent1"/>
+    </dgm:fillClrLst>
+    <dgm:linClrLst meth="repeat">
+      <a:schemeClr val="accent1">
+        <a:shade val="60000"/>
+      </a:schemeClr>
+    </dgm:linClrLst>
+    <dgm:effectClrLst/>
+    <dgm:txLinClrLst/>
+    <dgm:txFillClrLst meth="repeat">
+      <a:schemeClr val="tx1"/>
+    </dgm:txFillClrLst>
+    <dgm:txEffectClrLst/>
+  </dgm:styleLbl>
+  <dgm:styleLbl name="parChTrans1D3">
+    <dgm:fillClrLst meth="repeat">
+      <a:schemeClr val="accent1"/>
+    </dgm:fillClrLst>
+    <dgm:linClrLst meth="repeat">
+      <a:schemeClr val="accent1">
+        <a:shade val="80000"/>
+      </a:schemeClr>
+    </dgm:linClrLst>
+    <dgm:effectClrLst/>
+    <dgm:txLinClrLst/>
+    <dgm:txFillClrLst meth="repeat">
+      <a:schemeClr val="tx1"/>
+    </dgm:txFillClrLst>
+    <dgm:txEffectClrLst/>
+  </dgm:styleLbl>
+  <dgm:styleLbl name="parChTrans1D4">
+    <dgm:fillClrLst meth="repeat">
+      <a:schemeClr val="accent1"/>
+    </dgm:fillClrLst>
+    <dgm:linClrLst meth="repeat">
+      <a:schemeClr val="accent1">
+        <a:shade val="80000"/>
+      </a:schemeClr>
+    </dgm:linClrLst>
+    <dgm:effectClrLst/>
+    <dgm:txLinClrLst/>
+    <dgm:txFillClrLst meth="repeat">
+      <a:schemeClr val="tx1"/>
+    </dgm:txFillClrLst>
+    <dgm:txEffectClrLst/>
+  </dgm:styleLbl>
+  <dgm:styleLbl name="fgAcc1">
+    <dgm:fillClrLst meth="repeat">
+      <a:schemeClr val="lt1">
+        <a:alpha val="90000"/>
+      </a:schemeClr>
+    </dgm:fillClrLst>
+    <dgm:linClrLst meth="repeat">
+      <a:schemeClr val="accent1"/>
+    </dgm:linClrLst>
+    <dgm:effectClrLst/>
+    <dgm:txLinClrLst/>
+    <dgm:txFillClrLst meth="repeat">
+      <a:schemeClr val="dk1"/>
+    </dgm:txFillClrLst>
+    <dgm:txEffectClrLst/>
+  </dgm:styleLbl>
+  <dgm:styleLbl name="conFgAcc1">
+    <dgm:fillClrLst meth="repeat">
+      <a:schemeClr val="lt1">
+        <a:alpha val="90000"/>
+      </a:schemeClr>
+    </dgm:fillClrLst>
+    <dgm:linClrLst meth="repeat">
+      <a:schemeClr val="accent1"/>
+    </dgm:linClrLst>
+    <dgm:effectClrLst/>
+    <dgm:txLinClrLst/>
+    <dgm:txFillClrLst meth="repeat">
+      <a:schemeClr val="dk1"/>
+    </dgm:txFillClrLst>
+    <dgm:txEffectClrLst/>
+  </dgm:styleLbl>
+  <dgm:styleLbl name="alignAcc1">
+    <dgm:fillClrLst meth="repeat">
+      <a:schemeClr val="lt1">
+        <a:alpha val="90000"/>
+      </a:schemeClr>
+    </dgm:fillClrLst>
+    <dgm:linClrLst meth="repeat">
+      <a:schemeClr val="accent1"/>
+    </dgm:linClrLst>
+    <dgm:effectClrLst/>
+    <dgm:txLinClrLst/>
+    <dgm:txFillClrLst meth="repeat">
+      <a:schemeClr val="dk1"/>
+    </dgm:txFillClrLst>
+    <dgm:txEffectClrLst/>
+  </dgm:styleLbl>
+  <dgm:styleLbl name="trAlignAcc1">
+    <dgm:fillClrLst meth="repeat">
+      <a:schemeClr val="lt1">
+        <a:alpha val="40000"/>
+      </a:schemeClr>
+    </dgm:fillClrLst>
+    <dgm:linClrLst meth="repeat">
+      <a:schemeClr val="accent1"/>
+    </dgm:linClrLst>
+    <dgm:effectClrLst/>
+    <dgm:txLinClrLst/>
+    <dgm:txFillClrLst meth="repeat">
+      <a:schemeClr val="dk1"/>
+    </dgm:txFillClrLst>
+    <dgm:txEffectClrLst/>
+  </dgm:styleLbl>
+  <dgm:styleLbl name="bgAcc1">
+    <dgm:fillClrLst meth="repeat">
+      <a:schemeClr val="lt1">
+        <a:alpha val="90000"/>
+      </a:schemeClr>
+    </dgm:fillClrLst>
+    <dgm:linClrLst meth="repeat">
+      <a:schemeClr val="accent1"/>
+    </dgm:linClrLst>
+    <dgm:effectClrLst/>
+    <dgm:txLinClrLst/>
+    <dgm:txFillClrLst meth="repeat">
+      <a:schemeClr val="dk1"/>
+    </dgm:txFillClrLst>
+    <dgm:txEffectClrLst/>
+  </dgm:styleLbl>
+  <dgm:styleLbl name="solidFgAcc1">
+    <dgm:fillClrLst meth="repeat">
+      <a:schemeClr val="lt1"/>
+    </dgm:fillClrLst>
+    <dgm:linClrLst meth="repeat">
+      <a:schemeClr val="accent1"/>
+    </dgm:linClrLst>
+    <dgm:effectClrLst/>
+    <dgm:txLinClrLst/>
+    <dgm:txFillClrLst meth="repeat">
+      <a:schemeClr val="dk1"/>
+    </dgm:txFillClrLst>
+    <dgm:txEffectClrLst/>
+  </dgm:styleLbl>
+  <dgm:styleLbl name="solidAlignAcc1">
+    <dgm:fillClrLst meth="repeat">
+      <a:schemeClr val="lt1"/>
+    </dgm:fillClrLst>
+    <dgm:linClrLst meth="repeat">
+      <a:schemeClr val="accent1"/>
+    </dgm:linClrLst>
+    <dgm:effectClrLst/>
+    <dgm:txLinClrLst/>
+    <dgm:txFillClrLst meth="repeat">
+      <a:schemeClr val="dk1"/>
+    </dgm:txFillClrLst>
+    <dgm:txEffectClrLst/>
+  </dgm:styleLbl>
+  <dgm:styleLbl name="solidBgAcc1">
+    <dgm:fillClrLst meth="repeat">
+      <a:schemeClr val="lt1"/>
+    </dgm:fillClrLst>
+    <dgm:linClrLst meth="repeat">
+      <a:schemeClr val="accent1"/>
+    </dgm:linClrLst>
+    <dgm:effectClrLst/>
+    <dgm:txLinClrLst/>
+    <dgm:txFillClrLst meth="repeat">
+      <a:schemeClr val="dk1"/>
+    </dgm:txFillClrLst>
+    <dgm:txEffectClrLst/>
+  </dgm:styleLbl>
+  <dgm:styleLbl name="fgAccFollowNode1">
+    <dgm:fillClrLst meth="repeat">
+      <a:schemeClr val="accent1">
+        <a:alpha val="90000"/>
+        <a:tint val="40000"/>
+      </a:schemeClr>
+    </dgm:fillClrLst>
+    <dgm:linClrLst meth="repeat">
+      <a:schemeClr val="accent1">
+        <a:alpha val="90000"/>
+        <a:tint val="40000"/>
+      </a:schemeClr>
+    </dgm:linClrLst>
+    <dgm:effectClrLst/>
+    <dgm:txLinClrLst/>
+    <dgm:txFillClrLst meth="repeat">
+      <a:schemeClr val="dk1"/>
+    </dgm:txFillClrLst>
+    <dgm:txEffectClrLst/>
+  </dgm:styleLbl>
+  <dgm:styleLbl name="alignAccFollowNode1">
+    <dgm:fillClrLst meth="repeat">
+      <a:schemeClr val="accent1">
+        <a:alpha val="90000"/>
+        <a:tint val="40000"/>
+      </a:schemeClr>
+    </dgm:fillClrLst>
+    <dgm:linClrLst meth="repeat">
+      <a:schemeClr val="accent1">
+        <a:alpha val="90000"/>
+        <a:tint val="40000"/>
+      </a:schemeClr>
+    </dgm:linClrLst>
+    <dgm:effectClrLst/>
+    <dgm:txLinClrLst/>
+    <dgm:txFillClrLst meth="repeat">
+      <a:schemeClr val="dk1"/>
+    </dgm:txFillClrLst>
+    <dgm:txEffectClrLst/>
+  </dgm:styleLbl>
+  <dgm:styleLbl name="bgAccFollowNode1">
+    <dgm:fillClrLst meth="repeat">
+      <a:schemeClr val="accent1">
+        <a:alpha val="90000"/>
+        <a:tint val="40000"/>
+      </a:schemeClr>
+    </dgm:fillClrLst>
+    <dgm:linClrLst meth="repeat">
+      <a:schemeClr val="accent1">
+        <a:alpha val="90000"/>
+        <a:tint val="40000"/>
+      </a:schemeClr>
+    </dgm:linClrLst>
+    <dgm:effectClrLst/>
+    <dgm:txLinClrLst/>
+    <dgm:txFillClrLst meth="repeat">
+      <a:schemeClr val="dk1"/>
+    </dgm:txFillClrLst>
+    <dgm:txEffectClrLst/>
+  </dgm:styleLbl>
+  <dgm:styleLbl name="fgAcc0">
+    <dgm:fillClrLst meth="repeat">
+      <a:schemeClr val="lt1">
+        <a:alpha val="90000"/>
+      </a:schemeClr>
+    </dgm:fillClrLst>
+    <dgm:linClrLst meth="repeat">
+      <a:schemeClr val="accent1"/>
+    </dgm:linClrLst>
+    <dgm:effectClrLst/>
+    <dgm:txLinClrLst/>
+    <dgm:txFillClrLst meth="repeat">
+      <a:schemeClr val="dk1"/>
+    </dgm:txFillClrLst>
+    <dgm:txEffectClrLst/>
+  </dgm:styleLbl>
+  <dgm:styleLbl name="fgAcc2">
+    <dgm:fillClrLst meth="repeat">
+      <a:schemeClr val="lt1">
+        <a:alpha val="90000"/>
+      </a:schemeClr>
+    </dgm:fillClrLst>
+    <dgm:linClrLst meth="repeat">
+      <a:schemeClr val="accent1"/>
+    </dgm:linClrLst>
+    <dgm:effectClrLst/>
+    <dgm:txLinClrLst/>
+    <dgm:txFillClrLst meth="repeat">
+      <a:schemeClr val="dk1"/>
+    </dgm:txFillClrLst>
+    <dgm:txEffectClrLst/>
+  </dgm:styleLbl>
+  <dgm:styleLbl name="fgAcc3">
+    <dgm:fillClrLst meth="repeat">
+      <a:schemeClr val="lt1">
+        <a:alpha val="90000"/>
+      </a:schemeClr>
+    </dgm:fillClrLst>
+    <dgm:linClrLst meth="repeat">
+      <a:schemeClr val="accent1"/>
+    </dgm:linClrLst>
+    <dgm:effectClrLst/>
+    <dgm:txLinClrLst/>
+    <dgm:txFillClrLst meth="repeat">
+      <a:schemeClr val="dk1"/>
+    </dgm:txFillClrLst>
+    <dgm:txEffectClrLst/>
+  </dgm:styleLbl>
+  <dgm:styleLbl name="fgAcc4">
+    <dgm:fillClrLst meth="repeat">
+      <a:schemeClr val="lt1">
+        <a:alpha val="90000"/>
+      </a:schemeClr>
+    </dgm:fillClrLst>
+    <dgm:linClrLst meth="repeat">
+      <a:schemeClr val="accent1"/>
+    </dgm:linClrLst>
+    <dgm:effectClrLst/>
+    <dgm:txLinClrLst/>
+    <dgm:txFillClrLst meth="repeat">
+      <a:schemeClr val="dk1"/>
+    </dgm:txFillClrLst>
+    <dgm:txEffectClrLst/>
+  </dgm:styleLbl>
+  <dgm:styleLbl name="bgShp">
+    <dgm:fillClrLst meth="repeat">
+      <a:schemeClr val="accent1">
+        <a:tint val="40000"/>
+      </a:schemeClr>
+    </dgm:fillClrLst>
+    <dgm:linClrLst meth="repeat">
+      <a:schemeClr val="accent1"/>
+    </dgm:linClrLst>
+    <dgm:effectClrLst/>
+    <dgm:txLinClrLst/>
+    <dgm:txFillClrLst meth="repeat">
+      <a:schemeClr val="dk1"/>
+    </dgm:txFillClrLst>
+    <dgm:txEffectClrLst/>
+  </dgm:styleLbl>
+  <dgm:styleLbl name="dkBgShp">
+    <dgm:fillClrLst meth="repeat">
+      <a:schemeClr val="accent1">
+        <a:shade val="80000"/>
+      </a:schemeClr>
+    </dgm:fillClrLst>
+    <dgm:linClrLst meth="repeat">
+      <a:schemeClr val="accent1"/>
+    </dgm:linClrLst>
+    <dgm:effectClrLst/>
+    <dgm:txLinClrLst/>
+    <dgm:txFillClrLst meth="repeat">
+      <a:schemeClr val="lt1"/>
+    </dgm:txFillClrLst>
+    <dgm:txEffectClrLst/>
+  </dgm:styleLbl>
+  <dgm:styleLbl name="trBgShp">
+    <dgm:fillClrLst meth="repeat">
+      <a:schemeClr val="accent1">
+        <a:tint val="50000"/>
+        <a:alpha val="40000"/>
+      </a:schemeClr>
+    </dgm:fillClrLst>
+    <dgm:linClrLst meth="repeat">
+      <a:schemeClr val="accent1"/>
+    </dgm:linClrLst>
+    <dgm:effectClrLst/>
+    <dgm:txLinClrLst/>
+    <dgm:txFillClrLst meth="repeat">
+      <a:schemeClr val="lt1"/>
+    </dgm:txFillClrLst>
+    <dgm:txEffectClrLst/>
+  </dgm:styleLbl>
+  <dgm:styleLbl name="fgShp">
+    <dgm:fillClrLst meth="repeat">
+      <a:schemeClr val="accent1">
+        <a:tint val="60000"/>
+      </a:schemeClr>
+    </dgm:fillClrLst>
+    <dgm:linClrLst meth="repeat">
+      <a:schemeClr val="lt1"/>
+    </dgm:linClrLst>
+    <dgm:effectClrLst/>
+    <dgm:txLinClrLst/>
+    <dgm:txFillClrLst meth="repeat">
+      <a:schemeClr val="dk1"/>
+    </dgm:txFillClrLst>
+    <dgm:txEffectClrLst/>
+  </dgm:styleLbl>
+  <dgm:styleLbl name="revTx">
+    <dgm:fillClrLst meth="repeat">
+      <a:schemeClr val="lt1">
+        <a:alpha val="0"/>
+      </a:schemeClr>
+    </dgm:fillClrLst>
+    <dgm:linClrLst meth="repeat">
+      <a:schemeClr val="dk1">
+        <a:alpha val="0"/>
+      </a:schemeClr>
+    </dgm:linClrLst>
+    <dgm:effectClrLst/>
+    <dgm:txLinClrLst/>
+    <dgm:txFillClrLst meth="repeat">
+      <a:schemeClr val="tx1"/>
+    </dgm:txFillClrLst>
+    <dgm:txEffectClrLst/>
+  </dgm:styleLbl>
+</dgm:colorsDef>
+</file>
+
+<file path=ppt/diagrams/data1.xml><?xml version="1.0" encoding="utf-8"?>
+<dgm:dataModel xmlns:dgm="http://schemas.openxmlformats.org/drawingml/2006/diagram" xmlns:a="http://schemas.openxmlformats.org/drawingml/2006/main">
+  <dgm:ptLst>
+    <dgm:pt modelId="{D9BD354B-FC53-4B66-938E-867353189C31}" type="doc">
+      <dgm:prSet loTypeId="urn:microsoft.com/office/officeart/2005/8/layout/hProcess4" loCatId="process" qsTypeId="urn:microsoft.com/office/officeart/2005/8/quickstyle/simple1" qsCatId="simple" csTypeId="urn:microsoft.com/office/officeart/2005/8/colors/accent1_2" csCatId="accent1" phldr="1"/>
+      <dgm:spPr/>
+      <dgm:t>
+        <a:bodyPr/>
+        <a:lstStyle/>
+        <a:p>
+          <a:endParaRPr lang="en-US"/>
+        </a:p>
+      </dgm:t>
+    </dgm:pt>
+    <dgm:pt modelId="{00998F9B-8E30-403B-9364-BEF5F913E0BA}">
+      <dgm:prSet phldrT="[Text]" custT="1"/>
+      <dgm:spPr>
+        <a:solidFill>
+          <a:srgbClr val="972A3A"/>
+        </a:solidFill>
+        <a:ln w="76200">
+          <a:solidFill>
+            <a:srgbClr val="F6F2F0"/>
+          </a:solidFill>
+        </a:ln>
+      </dgm:spPr>
+      <dgm:t>
+        <a:bodyPr/>
+        <a:lstStyle/>
+        <a:p>
+          <a:r>
+            <a:rPr lang="en-US" sz="1800" dirty="0">
+              <a:solidFill>
+                <a:srgbClr val="F6F2F0"/>
+              </a:solidFill>
+              <a:latin typeface="Amasis MT Pro Medium" panose="02040604050005020304" pitchFamily="18" charset="0"/>
+            </a:rPr>
+            <a:t>ORGANIZATION</a:t>
+          </a:r>
+          <a:endParaRPr lang="en-US" sz="1800" dirty="0">
+            <a:solidFill>
+              <a:srgbClr val="F6F2F0"/>
+            </a:solidFill>
+          </a:endParaRPr>
+        </a:p>
+      </dgm:t>
+    </dgm:pt>
+    <dgm:pt modelId="{EE04E4CA-1F9C-4181-ABB5-9EC632DCCD65}" type="parTrans" cxnId="{A4A1076E-793E-425F-8090-10E69B315A0D}">
+      <dgm:prSet/>
+      <dgm:spPr/>
+      <dgm:t>
+        <a:bodyPr/>
+        <a:lstStyle/>
+        <a:p>
+          <a:endParaRPr lang="en-US"/>
+        </a:p>
+      </dgm:t>
+    </dgm:pt>
+    <dgm:pt modelId="{68E0CDCA-E961-4CE3-ACE4-C45A9A12EF82}" type="sibTrans" cxnId="{A4A1076E-793E-425F-8090-10E69B315A0D}">
+      <dgm:prSet/>
+      <dgm:spPr>
+        <a:solidFill>
+          <a:srgbClr val="595959"/>
+        </a:solidFill>
+      </dgm:spPr>
+      <dgm:t>
+        <a:bodyPr/>
+        <a:lstStyle/>
+        <a:p>
+          <a:endParaRPr lang="en-US"/>
+        </a:p>
+      </dgm:t>
+    </dgm:pt>
+    <dgm:pt modelId="{5A55F53A-1FA0-44F0-A471-6DE2B3FF40DA}">
+      <dgm:prSet phldrT="[Text]" phldr="1"/>
+      <dgm:spPr>
+        <a:solidFill>
+          <a:srgbClr val="EFE3E1">
+            <a:alpha val="89804"/>
+          </a:srgbClr>
+        </a:solidFill>
+        <a:ln>
+          <a:noFill/>
+        </a:ln>
+      </dgm:spPr>
+      <dgm:t>
+        <a:bodyPr/>
+        <a:lstStyle/>
+        <a:p>
+          <a:endParaRPr lang="en-US" dirty="0">
+            <a:solidFill>
+              <a:srgbClr val="972A3A"/>
+            </a:solidFill>
+          </a:endParaRPr>
+        </a:p>
+      </dgm:t>
+    </dgm:pt>
+    <dgm:pt modelId="{D7E4A8CC-582A-41D2-A92D-B79CC64D9F08}" type="parTrans" cxnId="{C2E2F6FD-72DF-48C0-A462-E6688B9CBD1C}">
+      <dgm:prSet/>
+      <dgm:spPr/>
+      <dgm:t>
+        <a:bodyPr/>
+        <a:lstStyle/>
+        <a:p>
+          <a:endParaRPr lang="en-US"/>
+        </a:p>
+      </dgm:t>
+    </dgm:pt>
+    <dgm:pt modelId="{AB93B531-5066-4B8C-A289-577840BBA839}" type="sibTrans" cxnId="{C2E2F6FD-72DF-48C0-A462-E6688B9CBD1C}">
+      <dgm:prSet/>
+      <dgm:spPr/>
+      <dgm:t>
+        <a:bodyPr/>
+        <a:lstStyle/>
+        <a:p>
+          <a:endParaRPr lang="en-US"/>
+        </a:p>
+      </dgm:t>
+    </dgm:pt>
+    <dgm:pt modelId="{D4AE0BEF-8D8D-4274-ACD8-9357F25363F9}">
+      <dgm:prSet phldrT="[Text]" phldr="1"/>
+      <dgm:spPr>
+        <a:solidFill>
+          <a:srgbClr val="EFE3E1">
+            <a:alpha val="89804"/>
+          </a:srgbClr>
+        </a:solidFill>
+        <a:ln>
+          <a:noFill/>
+        </a:ln>
+      </dgm:spPr>
+      <dgm:t>
+        <a:bodyPr/>
+        <a:lstStyle/>
+        <a:p>
+          <a:endParaRPr lang="en-US" dirty="0">
+            <a:solidFill>
+              <a:srgbClr val="972A3A"/>
+            </a:solidFill>
+          </a:endParaRPr>
+        </a:p>
+      </dgm:t>
+    </dgm:pt>
+    <dgm:pt modelId="{FD623DF5-C4A5-41FC-91A1-2A6881EEBF94}" type="parTrans" cxnId="{611E1B3C-0982-4DB1-9137-5A9FD5A38013}">
+      <dgm:prSet/>
+      <dgm:spPr/>
+      <dgm:t>
+        <a:bodyPr/>
+        <a:lstStyle/>
+        <a:p>
+          <a:endParaRPr lang="en-US"/>
+        </a:p>
+      </dgm:t>
+    </dgm:pt>
+    <dgm:pt modelId="{EFECFB5E-A726-4D9E-8A16-E39EC7FFC445}" type="sibTrans" cxnId="{611E1B3C-0982-4DB1-9137-5A9FD5A38013}">
+      <dgm:prSet/>
+      <dgm:spPr/>
+      <dgm:t>
+        <a:bodyPr/>
+        <a:lstStyle/>
+        <a:p>
+          <a:endParaRPr lang="en-US"/>
+        </a:p>
+      </dgm:t>
+    </dgm:pt>
+    <dgm:pt modelId="{2ECA8FF7-8452-4993-BE95-C5BF94416935}">
+      <dgm:prSet phldrT="[Text]" custT="1"/>
+      <dgm:spPr>
+        <a:solidFill>
+          <a:srgbClr val="972A3A"/>
+        </a:solidFill>
+        <a:ln w="76200">
+          <a:solidFill>
+            <a:srgbClr val="F6F2F0"/>
+          </a:solidFill>
+        </a:ln>
+      </dgm:spPr>
+      <dgm:t>
+        <a:bodyPr/>
+        <a:lstStyle/>
+        <a:p>
+          <a:r>
+            <a:rPr lang="en-US" sz="2000" dirty="0">
+              <a:solidFill>
+                <a:srgbClr val="F6F2F0"/>
+              </a:solidFill>
+              <a:latin typeface="Amasis MT Pro Medium" panose="02040604050005020304" pitchFamily="18" charset="0"/>
+            </a:rPr>
+            <a:t>REALISATION</a:t>
+          </a:r>
+          <a:endParaRPr lang="en-US" sz="2000" dirty="0">
+            <a:solidFill>
+              <a:srgbClr val="F6F2F0"/>
+            </a:solidFill>
+          </a:endParaRPr>
+        </a:p>
+      </dgm:t>
+    </dgm:pt>
+    <dgm:pt modelId="{4FEF76B2-7D3B-404C-931C-43572BDBB423}" type="parTrans" cxnId="{1140DF87-CCFD-464B-BC8B-FA79448A5B59}">
+      <dgm:prSet/>
+      <dgm:spPr/>
+      <dgm:t>
+        <a:bodyPr/>
+        <a:lstStyle/>
+        <a:p>
+          <a:endParaRPr lang="en-US"/>
+        </a:p>
+      </dgm:t>
+    </dgm:pt>
+    <dgm:pt modelId="{A5F1C0E4-4FCB-46A8-B9EF-07C5C3EF6B17}" type="sibTrans" cxnId="{1140DF87-CCFD-464B-BC8B-FA79448A5B59}">
+      <dgm:prSet/>
+      <dgm:spPr>
+        <a:solidFill>
+          <a:srgbClr val="595959"/>
+        </a:solidFill>
+      </dgm:spPr>
+      <dgm:t>
+        <a:bodyPr/>
+        <a:lstStyle/>
+        <a:p>
+          <a:endParaRPr lang="en-US"/>
+        </a:p>
+      </dgm:t>
+    </dgm:pt>
+    <dgm:pt modelId="{0A2CF205-6D73-43A4-BB70-BD446720586C}">
+      <dgm:prSet phldrT="[Text]" phldr="1"/>
+      <dgm:spPr>
+        <a:solidFill>
+          <a:srgbClr val="EFE3E1">
+            <a:alpha val="90000"/>
+          </a:srgbClr>
+        </a:solidFill>
+        <a:ln>
+          <a:noFill/>
+        </a:ln>
+      </dgm:spPr>
+      <dgm:t>
+        <a:bodyPr/>
+        <a:lstStyle/>
+        <a:p>
+          <a:endParaRPr lang="en-US" dirty="0">
+            <a:solidFill>
+              <a:srgbClr val="972A3A"/>
+            </a:solidFill>
+          </a:endParaRPr>
+        </a:p>
+      </dgm:t>
+    </dgm:pt>
+    <dgm:pt modelId="{6FA1680D-EB15-4A2D-A515-8848892C3FA6}" type="parTrans" cxnId="{DB1AB310-D9A2-4B9E-B5BE-9A95C99CDCFA}">
+      <dgm:prSet/>
+      <dgm:spPr/>
+      <dgm:t>
+        <a:bodyPr/>
+        <a:lstStyle/>
+        <a:p>
+          <a:endParaRPr lang="en-US"/>
+        </a:p>
+      </dgm:t>
+    </dgm:pt>
+    <dgm:pt modelId="{FB983D3D-5C2E-4782-B54F-95C098506F01}" type="sibTrans" cxnId="{DB1AB310-D9A2-4B9E-B5BE-9A95C99CDCFA}">
+      <dgm:prSet/>
+      <dgm:spPr/>
+      <dgm:t>
+        <a:bodyPr/>
+        <a:lstStyle/>
+        <a:p>
+          <a:endParaRPr lang="en-US"/>
+        </a:p>
+      </dgm:t>
+    </dgm:pt>
+    <dgm:pt modelId="{B39E2D75-7925-4E9B-AE76-DF7335447629}">
+      <dgm:prSet phldrT="[Text]" phldr="1"/>
+      <dgm:spPr>
+        <a:solidFill>
+          <a:srgbClr val="EFE3E1">
+            <a:alpha val="90000"/>
+          </a:srgbClr>
+        </a:solidFill>
+        <a:ln>
+          <a:noFill/>
+        </a:ln>
+      </dgm:spPr>
+      <dgm:t>
+        <a:bodyPr/>
+        <a:lstStyle/>
+        <a:p>
+          <a:endParaRPr lang="en-US" dirty="0">
+            <a:solidFill>
+              <a:srgbClr val="972A3A"/>
+            </a:solidFill>
+          </a:endParaRPr>
+        </a:p>
+      </dgm:t>
+    </dgm:pt>
+    <dgm:pt modelId="{03003D3C-7894-4EF0-BFAF-4FA6AEE88885}" type="parTrans" cxnId="{9C5F735B-0BA7-429E-B937-C05DCFCCE137}">
+      <dgm:prSet/>
+      <dgm:spPr/>
+      <dgm:t>
+        <a:bodyPr/>
+        <a:lstStyle/>
+        <a:p>
+          <a:endParaRPr lang="en-US"/>
+        </a:p>
+      </dgm:t>
+    </dgm:pt>
+    <dgm:pt modelId="{89389DB7-8348-4A4A-A8FD-B48B9FD02663}" type="sibTrans" cxnId="{9C5F735B-0BA7-429E-B937-C05DCFCCE137}">
+      <dgm:prSet/>
+      <dgm:spPr/>
+      <dgm:t>
+        <a:bodyPr/>
+        <a:lstStyle/>
+        <a:p>
+          <a:endParaRPr lang="en-US"/>
+        </a:p>
+      </dgm:t>
+    </dgm:pt>
+    <dgm:pt modelId="{C3D21EA0-5807-4CC5-A3AE-69B93C472168}">
+      <dgm:prSet phldrT="[Text]" custT="1"/>
+      <dgm:spPr>
+        <a:solidFill>
+          <a:srgbClr val="972A3A"/>
+        </a:solidFill>
+        <a:ln w="76200">
+          <a:solidFill>
+            <a:srgbClr val="F6F2F0"/>
+          </a:solidFill>
+        </a:ln>
+      </dgm:spPr>
+      <dgm:t>
+        <a:bodyPr/>
+        <a:lstStyle/>
+        <a:p>
+          <a:r>
+            <a:rPr lang="en-US" sz="1900" dirty="0">
+              <a:solidFill>
+                <a:srgbClr val="F6F2F0"/>
+              </a:solidFill>
+              <a:latin typeface="Amasis MT Pro Medium" panose="02040604050005020304" pitchFamily="18" charset="0"/>
+            </a:rPr>
+            <a:t>PRESENTATION</a:t>
+          </a:r>
+          <a:endParaRPr lang="en-US" sz="1900" dirty="0">
+            <a:solidFill>
+              <a:srgbClr val="F6F2F0"/>
+            </a:solidFill>
+          </a:endParaRPr>
+        </a:p>
+      </dgm:t>
+    </dgm:pt>
+    <dgm:pt modelId="{B163F721-122F-4778-B1B7-45F049AC25F3}" type="parTrans" cxnId="{184DEF96-F03D-45EE-95A8-DF96B037AB5E}">
+      <dgm:prSet/>
+      <dgm:spPr/>
+      <dgm:t>
+        <a:bodyPr/>
+        <a:lstStyle/>
+        <a:p>
+          <a:endParaRPr lang="en-US"/>
+        </a:p>
+      </dgm:t>
+    </dgm:pt>
+    <dgm:pt modelId="{6F64BBBA-B11B-4EA8-9E31-AD5D82603BDE}" type="sibTrans" cxnId="{184DEF96-F03D-45EE-95A8-DF96B037AB5E}">
+      <dgm:prSet/>
+      <dgm:spPr/>
+      <dgm:t>
+        <a:bodyPr/>
+        <a:lstStyle/>
+        <a:p>
+          <a:endParaRPr lang="en-US"/>
+        </a:p>
+      </dgm:t>
+    </dgm:pt>
+    <dgm:pt modelId="{1D45AC10-2207-4580-9C20-5190C50E6952}">
+      <dgm:prSet phldrT="[Text]" phldr="1"/>
+      <dgm:spPr>
+        <a:solidFill>
+          <a:srgbClr val="EFE3E1">
+            <a:alpha val="90000"/>
+          </a:srgbClr>
+        </a:solidFill>
+        <a:ln>
+          <a:noFill/>
+        </a:ln>
+      </dgm:spPr>
+      <dgm:t>
+        <a:bodyPr/>
+        <a:lstStyle/>
+        <a:p>
+          <a:endParaRPr lang="en-US" dirty="0">
+            <a:solidFill>
+              <a:srgbClr val="972A3A"/>
+            </a:solidFill>
+          </a:endParaRPr>
+        </a:p>
+      </dgm:t>
+    </dgm:pt>
+    <dgm:pt modelId="{116EE3DA-AB78-49ED-8FF3-BA46E73DCE4E}" type="parTrans" cxnId="{0BEEC3A4-97FA-4A0D-8C99-525100BFF2DD}">
+      <dgm:prSet/>
+      <dgm:spPr/>
+      <dgm:t>
+        <a:bodyPr/>
+        <a:lstStyle/>
+        <a:p>
+          <a:endParaRPr lang="en-US"/>
+        </a:p>
+      </dgm:t>
+    </dgm:pt>
+    <dgm:pt modelId="{B1ACBACC-6D14-4419-BE02-B4E21E934C1E}" type="sibTrans" cxnId="{0BEEC3A4-97FA-4A0D-8C99-525100BFF2DD}">
+      <dgm:prSet/>
+      <dgm:spPr/>
+      <dgm:t>
+        <a:bodyPr/>
+        <a:lstStyle/>
+        <a:p>
+          <a:endParaRPr lang="en-US"/>
+        </a:p>
+      </dgm:t>
+    </dgm:pt>
+    <dgm:pt modelId="{2067B8ED-E470-4308-86F3-B1B1E2F00CC5}">
+      <dgm:prSet phldrT="[Text]" phldr="1"/>
+      <dgm:spPr>
+        <a:solidFill>
+          <a:srgbClr val="EFE3E1">
+            <a:alpha val="90000"/>
+          </a:srgbClr>
+        </a:solidFill>
+        <a:ln>
+          <a:noFill/>
+        </a:ln>
+      </dgm:spPr>
+      <dgm:t>
+        <a:bodyPr/>
+        <a:lstStyle/>
+        <a:p>
+          <a:endParaRPr lang="en-US" dirty="0">
+            <a:solidFill>
+              <a:srgbClr val="972A3A"/>
+            </a:solidFill>
+          </a:endParaRPr>
+        </a:p>
+      </dgm:t>
+    </dgm:pt>
+    <dgm:pt modelId="{6FF42023-FEF6-40C1-BD69-AC52ED36F8C5}" type="parTrans" cxnId="{3CA91AC6-BD92-4983-805D-F65B3F68CA3C}">
+      <dgm:prSet/>
+      <dgm:spPr/>
+      <dgm:t>
+        <a:bodyPr/>
+        <a:lstStyle/>
+        <a:p>
+          <a:endParaRPr lang="en-US"/>
+        </a:p>
+      </dgm:t>
+    </dgm:pt>
+    <dgm:pt modelId="{A7EFC671-1A31-47D4-A23F-63A07D62746E}" type="sibTrans" cxnId="{3CA91AC6-BD92-4983-805D-F65B3F68CA3C}">
+      <dgm:prSet/>
+      <dgm:spPr/>
+      <dgm:t>
+        <a:bodyPr/>
+        <a:lstStyle/>
+        <a:p>
+          <a:endParaRPr lang="en-US"/>
+        </a:p>
+      </dgm:t>
+    </dgm:pt>
+    <dgm:pt modelId="{565F9BFE-BDB9-432B-98E6-89E646918D46}" type="pres">
+      <dgm:prSet presAssocID="{D9BD354B-FC53-4B66-938E-867353189C31}" presName="Name0" presStyleCnt="0">
+        <dgm:presLayoutVars>
+          <dgm:dir/>
+          <dgm:animLvl val="lvl"/>
+          <dgm:resizeHandles val="exact"/>
+        </dgm:presLayoutVars>
+      </dgm:prSet>
+      <dgm:spPr/>
+    </dgm:pt>
+    <dgm:pt modelId="{CCCB7EB1-8186-4CEB-A46F-B91C95CE7CA0}" type="pres">
+      <dgm:prSet presAssocID="{D9BD354B-FC53-4B66-938E-867353189C31}" presName="tSp" presStyleCnt="0"/>
+      <dgm:spPr/>
+    </dgm:pt>
+    <dgm:pt modelId="{6570BDD3-F9AE-4472-B81C-AC34106128FC}" type="pres">
+      <dgm:prSet presAssocID="{D9BD354B-FC53-4B66-938E-867353189C31}" presName="bSp" presStyleCnt="0"/>
+      <dgm:spPr/>
+    </dgm:pt>
+    <dgm:pt modelId="{4A277C93-4D15-4609-939F-C7B7B49E549C}" type="pres">
+      <dgm:prSet presAssocID="{D9BD354B-FC53-4B66-938E-867353189C31}" presName="process" presStyleCnt="0"/>
+      <dgm:spPr/>
+    </dgm:pt>
+    <dgm:pt modelId="{D5CAC455-6BD3-4E04-B275-A50120835BBE}" type="pres">
+      <dgm:prSet presAssocID="{00998F9B-8E30-403B-9364-BEF5F913E0BA}" presName="composite1" presStyleCnt="0"/>
+      <dgm:spPr/>
+    </dgm:pt>
+    <dgm:pt modelId="{AAEAE986-6125-4F36-8664-8F023E1EE28B}" type="pres">
+      <dgm:prSet presAssocID="{00998F9B-8E30-403B-9364-BEF5F913E0BA}" presName="dummyNode1" presStyleLbl="node1" presStyleIdx="0" presStyleCnt="3"/>
+      <dgm:spPr/>
+    </dgm:pt>
+    <dgm:pt modelId="{06C436DA-0F0F-47EC-9A59-1748912EAE90}" type="pres">
+      <dgm:prSet presAssocID="{00998F9B-8E30-403B-9364-BEF5F913E0BA}" presName="childNode1" presStyleLbl="bgAcc1" presStyleIdx="0" presStyleCnt="3" custAng="0">
+        <dgm:presLayoutVars>
+          <dgm:bulletEnabled val="1"/>
+        </dgm:presLayoutVars>
+      </dgm:prSet>
+      <dgm:spPr/>
+    </dgm:pt>
+    <dgm:pt modelId="{32D10677-46E0-4588-B7E3-AB885E7226F9}" type="pres">
+      <dgm:prSet presAssocID="{00998F9B-8E30-403B-9364-BEF5F913E0BA}" presName="childNode1tx" presStyleLbl="bgAcc1" presStyleIdx="0" presStyleCnt="3">
+        <dgm:presLayoutVars>
+          <dgm:bulletEnabled val="1"/>
+        </dgm:presLayoutVars>
+      </dgm:prSet>
+      <dgm:spPr/>
+    </dgm:pt>
+    <dgm:pt modelId="{3F3E37A3-1B2E-4526-BC81-09E5FB3FD974}" type="pres">
+      <dgm:prSet presAssocID="{00998F9B-8E30-403B-9364-BEF5F913E0BA}" presName="parentNode1" presStyleLbl="node1" presStyleIdx="0" presStyleCnt="3">
+        <dgm:presLayoutVars>
+          <dgm:chMax val="1"/>
+          <dgm:bulletEnabled val="1"/>
+        </dgm:presLayoutVars>
+      </dgm:prSet>
+      <dgm:spPr/>
+    </dgm:pt>
+    <dgm:pt modelId="{AE7E6F26-E2E5-44D6-A69B-48E82BA41260}" type="pres">
+      <dgm:prSet presAssocID="{00998F9B-8E30-403B-9364-BEF5F913E0BA}" presName="connSite1" presStyleCnt="0"/>
+      <dgm:spPr/>
+    </dgm:pt>
+    <dgm:pt modelId="{8919B9D8-C7D7-471D-A3AF-D4CDD534FC75}" type="pres">
+      <dgm:prSet presAssocID="{68E0CDCA-E961-4CE3-ACE4-C45A9A12EF82}" presName="Name9" presStyleLbl="sibTrans2D1" presStyleIdx="0" presStyleCnt="2"/>
+      <dgm:spPr/>
+    </dgm:pt>
+    <dgm:pt modelId="{2A4B7174-7257-435B-938F-45A78BAB8604}" type="pres">
+      <dgm:prSet presAssocID="{2ECA8FF7-8452-4993-BE95-C5BF94416935}" presName="composite2" presStyleCnt="0"/>
+      <dgm:spPr/>
+    </dgm:pt>
+    <dgm:pt modelId="{7C1A99C3-7A1E-4805-9749-1D4EAEEE1F12}" type="pres">
+      <dgm:prSet presAssocID="{2ECA8FF7-8452-4993-BE95-C5BF94416935}" presName="dummyNode2" presStyleLbl="node1" presStyleIdx="0" presStyleCnt="3"/>
+      <dgm:spPr/>
+    </dgm:pt>
+    <dgm:pt modelId="{5FF5F08C-1ED8-4A78-BE4D-5B990CB2B319}" type="pres">
+      <dgm:prSet presAssocID="{2ECA8FF7-8452-4993-BE95-C5BF94416935}" presName="childNode2" presStyleLbl="bgAcc1" presStyleIdx="1" presStyleCnt="3">
+        <dgm:presLayoutVars>
+          <dgm:bulletEnabled val="1"/>
+        </dgm:presLayoutVars>
+      </dgm:prSet>
+      <dgm:spPr/>
+    </dgm:pt>
+    <dgm:pt modelId="{E180D5F5-D7AB-460A-AFC2-C22437E40728}" type="pres">
+      <dgm:prSet presAssocID="{2ECA8FF7-8452-4993-BE95-C5BF94416935}" presName="childNode2tx" presStyleLbl="bgAcc1" presStyleIdx="1" presStyleCnt="3">
+        <dgm:presLayoutVars>
+          <dgm:bulletEnabled val="1"/>
+        </dgm:presLayoutVars>
+      </dgm:prSet>
+      <dgm:spPr/>
+    </dgm:pt>
+    <dgm:pt modelId="{260FC800-3B97-4686-86F1-CA2BE36BB76F}" type="pres">
+      <dgm:prSet presAssocID="{2ECA8FF7-8452-4993-BE95-C5BF94416935}" presName="parentNode2" presStyleLbl="node1" presStyleIdx="1" presStyleCnt="3">
+        <dgm:presLayoutVars>
+          <dgm:chMax val="0"/>
+          <dgm:bulletEnabled val="1"/>
+        </dgm:presLayoutVars>
+      </dgm:prSet>
+      <dgm:spPr/>
+    </dgm:pt>
+    <dgm:pt modelId="{E78A2FAD-6735-4EB3-A648-FC3A966D4ADA}" type="pres">
+      <dgm:prSet presAssocID="{2ECA8FF7-8452-4993-BE95-C5BF94416935}" presName="connSite2" presStyleCnt="0"/>
+      <dgm:spPr/>
+    </dgm:pt>
+    <dgm:pt modelId="{CC69C9B7-E8B5-468B-8A4F-27EDDDCC0FBA}" type="pres">
+      <dgm:prSet presAssocID="{A5F1C0E4-4FCB-46A8-B9EF-07C5C3EF6B17}" presName="Name18" presStyleLbl="sibTrans2D1" presStyleIdx="1" presStyleCnt="2"/>
+      <dgm:spPr/>
+    </dgm:pt>
+    <dgm:pt modelId="{8F2A7AD9-B921-423E-B5C4-77B382323269}" type="pres">
+      <dgm:prSet presAssocID="{C3D21EA0-5807-4CC5-A3AE-69B93C472168}" presName="composite1" presStyleCnt="0"/>
+      <dgm:spPr/>
+    </dgm:pt>
+    <dgm:pt modelId="{B0309DC5-E3B6-4B96-9A27-5364F1F61A02}" type="pres">
+      <dgm:prSet presAssocID="{C3D21EA0-5807-4CC5-A3AE-69B93C472168}" presName="dummyNode1" presStyleLbl="node1" presStyleIdx="1" presStyleCnt="3"/>
+      <dgm:spPr/>
+    </dgm:pt>
+    <dgm:pt modelId="{8374D416-8259-404A-A853-FE5C4D036E80}" type="pres">
+      <dgm:prSet presAssocID="{C3D21EA0-5807-4CC5-A3AE-69B93C472168}" presName="childNode1" presStyleLbl="bgAcc1" presStyleIdx="2" presStyleCnt="3">
+        <dgm:presLayoutVars>
+          <dgm:bulletEnabled val="1"/>
+        </dgm:presLayoutVars>
+      </dgm:prSet>
+      <dgm:spPr/>
+    </dgm:pt>
+    <dgm:pt modelId="{FD569E05-4884-4284-9D47-18C9761413A9}" type="pres">
+      <dgm:prSet presAssocID="{C3D21EA0-5807-4CC5-A3AE-69B93C472168}" presName="childNode1tx" presStyleLbl="bgAcc1" presStyleIdx="2" presStyleCnt="3">
+        <dgm:presLayoutVars>
+          <dgm:bulletEnabled val="1"/>
+        </dgm:presLayoutVars>
+      </dgm:prSet>
+      <dgm:spPr/>
+    </dgm:pt>
+    <dgm:pt modelId="{A0FBE8DC-93D6-4FD9-B165-B742A8565BB8}" type="pres">
+      <dgm:prSet presAssocID="{C3D21EA0-5807-4CC5-A3AE-69B93C472168}" presName="parentNode1" presStyleLbl="node1" presStyleIdx="2" presStyleCnt="3">
+        <dgm:presLayoutVars>
+          <dgm:chMax val="1"/>
+          <dgm:bulletEnabled val="1"/>
+        </dgm:presLayoutVars>
+      </dgm:prSet>
+      <dgm:spPr/>
+    </dgm:pt>
+    <dgm:pt modelId="{20930354-D3CE-42B4-8B79-20E75BD6E331}" type="pres">
+      <dgm:prSet presAssocID="{C3D21EA0-5807-4CC5-A3AE-69B93C472168}" presName="connSite1" presStyleCnt="0"/>
+      <dgm:spPr/>
+    </dgm:pt>
+  </dgm:ptLst>
+  <dgm:cxnLst>
+    <dgm:cxn modelId="{1AD61601-1738-4567-8967-25F1024BF453}" type="presOf" srcId="{B39E2D75-7925-4E9B-AE76-DF7335447629}" destId="{5FF5F08C-1ED8-4A78-BE4D-5B990CB2B319}" srcOrd="0" destOrd="1" presId="urn:microsoft.com/office/officeart/2005/8/layout/hProcess4"/>
+    <dgm:cxn modelId="{E8E7F70B-5129-4D70-8AD1-75573EA3E3C4}" type="presOf" srcId="{0A2CF205-6D73-43A4-BB70-BD446720586C}" destId="{5FF5F08C-1ED8-4A78-BE4D-5B990CB2B319}" srcOrd="0" destOrd="0" presId="urn:microsoft.com/office/officeart/2005/8/layout/hProcess4"/>
+    <dgm:cxn modelId="{D517F00C-2BDB-4BB2-9485-0911D2B91E2A}" type="presOf" srcId="{5A55F53A-1FA0-44F0-A471-6DE2B3FF40DA}" destId="{32D10677-46E0-4588-B7E3-AB885E7226F9}" srcOrd="1" destOrd="0" presId="urn:microsoft.com/office/officeart/2005/8/layout/hProcess4"/>
+    <dgm:cxn modelId="{DB1AB310-D9A2-4B9E-B5BE-9A95C99CDCFA}" srcId="{2ECA8FF7-8452-4993-BE95-C5BF94416935}" destId="{0A2CF205-6D73-43A4-BB70-BD446720586C}" srcOrd="0" destOrd="0" parTransId="{6FA1680D-EB15-4A2D-A515-8848892C3FA6}" sibTransId="{FB983D3D-5C2E-4782-B54F-95C098506F01}"/>
+    <dgm:cxn modelId="{7BD4CB18-B625-49AE-BF3A-6865A90E4386}" type="presOf" srcId="{2ECA8FF7-8452-4993-BE95-C5BF94416935}" destId="{260FC800-3B97-4686-86F1-CA2BE36BB76F}" srcOrd="0" destOrd="0" presId="urn:microsoft.com/office/officeart/2005/8/layout/hProcess4"/>
+    <dgm:cxn modelId="{50A0A421-DC11-4459-8C31-ED842BCF2B33}" type="presOf" srcId="{1D45AC10-2207-4580-9C20-5190C50E6952}" destId="{8374D416-8259-404A-A853-FE5C4D036E80}" srcOrd="0" destOrd="0" presId="urn:microsoft.com/office/officeart/2005/8/layout/hProcess4"/>
+    <dgm:cxn modelId="{BA21CA22-44E2-4FC8-AAE9-3D3B323F45A0}" type="presOf" srcId="{5A55F53A-1FA0-44F0-A471-6DE2B3FF40DA}" destId="{06C436DA-0F0F-47EC-9A59-1748912EAE90}" srcOrd="0" destOrd="0" presId="urn:microsoft.com/office/officeart/2005/8/layout/hProcess4"/>
+    <dgm:cxn modelId="{0C1B2234-C7AD-45AA-B96E-37195A23EE4D}" type="presOf" srcId="{2067B8ED-E470-4308-86F3-B1B1E2F00CC5}" destId="{FD569E05-4884-4284-9D47-18C9761413A9}" srcOrd="1" destOrd="1" presId="urn:microsoft.com/office/officeart/2005/8/layout/hProcess4"/>
+    <dgm:cxn modelId="{611E1B3C-0982-4DB1-9137-5A9FD5A38013}" srcId="{00998F9B-8E30-403B-9364-BEF5F913E0BA}" destId="{D4AE0BEF-8D8D-4274-ACD8-9357F25363F9}" srcOrd="1" destOrd="0" parTransId="{FD623DF5-C4A5-41FC-91A1-2A6881EEBF94}" sibTransId="{EFECFB5E-A726-4D9E-8A16-E39EC7FFC445}"/>
+    <dgm:cxn modelId="{9C5F735B-0BA7-429E-B937-C05DCFCCE137}" srcId="{2ECA8FF7-8452-4993-BE95-C5BF94416935}" destId="{B39E2D75-7925-4E9B-AE76-DF7335447629}" srcOrd="1" destOrd="0" parTransId="{03003D3C-7894-4EF0-BFAF-4FA6AEE88885}" sibTransId="{89389DB7-8348-4A4A-A8FD-B48B9FD02663}"/>
+    <dgm:cxn modelId="{3654D145-A23B-4B02-9834-0B896EBDDEE7}" type="presOf" srcId="{A5F1C0E4-4FCB-46A8-B9EF-07C5C3EF6B17}" destId="{CC69C9B7-E8B5-468B-8A4F-27EDDDCC0FBA}" srcOrd="0" destOrd="0" presId="urn:microsoft.com/office/officeart/2005/8/layout/hProcess4"/>
+    <dgm:cxn modelId="{79F0CE69-C2AA-4BD5-B647-985740D209A8}" type="presOf" srcId="{0A2CF205-6D73-43A4-BB70-BD446720586C}" destId="{E180D5F5-D7AB-460A-AFC2-C22437E40728}" srcOrd="1" destOrd="0" presId="urn:microsoft.com/office/officeart/2005/8/layout/hProcess4"/>
+    <dgm:cxn modelId="{A4A1076E-793E-425F-8090-10E69B315A0D}" srcId="{D9BD354B-FC53-4B66-938E-867353189C31}" destId="{00998F9B-8E30-403B-9364-BEF5F913E0BA}" srcOrd="0" destOrd="0" parTransId="{EE04E4CA-1F9C-4181-ABB5-9EC632DCCD65}" sibTransId="{68E0CDCA-E961-4CE3-ACE4-C45A9A12EF82}"/>
+    <dgm:cxn modelId="{629EE957-FA94-4744-95C7-34881014FB20}" type="presOf" srcId="{1D45AC10-2207-4580-9C20-5190C50E6952}" destId="{FD569E05-4884-4284-9D47-18C9761413A9}" srcOrd="1" destOrd="0" presId="urn:microsoft.com/office/officeart/2005/8/layout/hProcess4"/>
+    <dgm:cxn modelId="{A9D97383-4AEC-4EC2-8904-DDFAE561D23E}" type="presOf" srcId="{2067B8ED-E470-4308-86F3-B1B1E2F00CC5}" destId="{8374D416-8259-404A-A853-FE5C4D036E80}" srcOrd="0" destOrd="1" presId="urn:microsoft.com/office/officeart/2005/8/layout/hProcess4"/>
+    <dgm:cxn modelId="{1140DF87-CCFD-464B-BC8B-FA79448A5B59}" srcId="{D9BD354B-FC53-4B66-938E-867353189C31}" destId="{2ECA8FF7-8452-4993-BE95-C5BF94416935}" srcOrd="1" destOrd="0" parTransId="{4FEF76B2-7D3B-404C-931C-43572BDBB423}" sibTransId="{A5F1C0E4-4FCB-46A8-B9EF-07C5C3EF6B17}"/>
+    <dgm:cxn modelId="{D6EE3C93-2250-42CA-867E-FB22EFFE9BE9}" type="presOf" srcId="{D9BD354B-FC53-4B66-938E-867353189C31}" destId="{565F9BFE-BDB9-432B-98E6-89E646918D46}" srcOrd="0" destOrd="0" presId="urn:microsoft.com/office/officeart/2005/8/layout/hProcess4"/>
+    <dgm:cxn modelId="{184DEF96-F03D-45EE-95A8-DF96B037AB5E}" srcId="{D9BD354B-FC53-4B66-938E-867353189C31}" destId="{C3D21EA0-5807-4CC5-A3AE-69B93C472168}" srcOrd="2" destOrd="0" parTransId="{B163F721-122F-4778-B1B7-45F049AC25F3}" sibTransId="{6F64BBBA-B11B-4EA8-9E31-AD5D82603BDE}"/>
+    <dgm:cxn modelId="{0BEEC3A4-97FA-4A0D-8C99-525100BFF2DD}" srcId="{C3D21EA0-5807-4CC5-A3AE-69B93C472168}" destId="{1D45AC10-2207-4580-9C20-5190C50E6952}" srcOrd="0" destOrd="0" parTransId="{116EE3DA-AB78-49ED-8FF3-BA46E73DCE4E}" sibTransId="{B1ACBACC-6D14-4419-BE02-B4E21E934C1E}"/>
+    <dgm:cxn modelId="{F665CEA9-D86F-4E75-8ACF-EC4D591C2A9A}" type="presOf" srcId="{B39E2D75-7925-4E9B-AE76-DF7335447629}" destId="{E180D5F5-D7AB-460A-AFC2-C22437E40728}" srcOrd="1" destOrd="1" presId="urn:microsoft.com/office/officeart/2005/8/layout/hProcess4"/>
+    <dgm:cxn modelId="{CF3DD9AF-E332-4001-BF48-8E22D63647C5}" type="presOf" srcId="{68E0CDCA-E961-4CE3-ACE4-C45A9A12EF82}" destId="{8919B9D8-C7D7-471D-A3AF-D4CDD534FC75}" srcOrd="0" destOrd="0" presId="urn:microsoft.com/office/officeart/2005/8/layout/hProcess4"/>
+    <dgm:cxn modelId="{585279B0-ECB1-4119-8034-DB1050A0F52B}" type="presOf" srcId="{C3D21EA0-5807-4CC5-A3AE-69B93C472168}" destId="{A0FBE8DC-93D6-4FD9-B165-B742A8565BB8}" srcOrd="0" destOrd="0" presId="urn:microsoft.com/office/officeart/2005/8/layout/hProcess4"/>
+    <dgm:cxn modelId="{3CA91AC6-BD92-4983-805D-F65B3F68CA3C}" srcId="{C3D21EA0-5807-4CC5-A3AE-69B93C472168}" destId="{2067B8ED-E470-4308-86F3-B1B1E2F00CC5}" srcOrd="1" destOrd="0" parTransId="{6FF42023-FEF6-40C1-BD69-AC52ED36F8C5}" sibTransId="{A7EFC671-1A31-47D4-A23F-63A07D62746E}"/>
+    <dgm:cxn modelId="{617719D5-F302-46B2-96D1-1D768AFE1ED6}" type="presOf" srcId="{D4AE0BEF-8D8D-4274-ACD8-9357F25363F9}" destId="{32D10677-46E0-4588-B7E3-AB885E7226F9}" srcOrd="1" destOrd="1" presId="urn:microsoft.com/office/officeart/2005/8/layout/hProcess4"/>
+    <dgm:cxn modelId="{A60A1AEC-C7D5-4148-8C28-8204EA9E5ACE}" type="presOf" srcId="{00998F9B-8E30-403B-9364-BEF5F913E0BA}" destId="{3F3E37A3-1B2E-4526-BC81-09E5FB3FD974}" srcOrd="0" destOrd="0" presId="urn:microsoft.com/office/officeart/2005/8/layout/hProcess4"/>
+    <dgm:cxn modelId="{F581F3F4-246C-4DA9-A8C6-770777194B92}" type="presOf" srcId="{D4AE0BEF-8D8D-4274-ACD8-9357F25363F9}" destId="{06C436DA-0F0F-47EC-9A59-1748912EAE90}" srcOrd="0" destOrd="1" presId="urn:microsoft.com/office/officeart/2005/8/layout/hProcess4"/>
+    <dgm:cxn modelId="{C2E2F6FD-72DF-48C0-A462-E6688B9CBD1C}" srcId="{00998F9B-8E30-403B-9364-BEF5F913E0BA}" destId="{5A55F53A-1FA0-44F0-A471-6DE2B3FF40DA}" srcOrd="0" destOrd="0" parTransId="{D7E4A8CC-582A-41D2-A92D-B79CC64D9F08}" sibTransId="{AB93B531-5066-4B8C-A289-577840BBA839}"/>
+    <dgm:cxn modelId="{6D9FA716-DB28-411A-B2FD-F1085CFCC451}" type="presParOf" srcId="{565F9BFE-BDB9-432B-98E6-89E646918D46}" destId="{CCCB7EB1-8186-4CEB-A46F-B91C95CE7CA0}" srcOrd="0" destOrd="0" presId="urn:microsoft.com/office/officeart/2005/8/layout/hProcess4"/>
+    <dgm:cxn modelId="{22B34F31-0E75-4FBA-9DE5-7E2A4366962B}" type="presParOf" srcId="{565F9BFE-BDB9-432B-98E6-89E646918D46}" destId="{6570BDD3-F9AE-4472-B81C-AC34106128FC}" srcOrd="1" destOrd="0" presId="urn:microsoft.com/office/officeart/2005/8/layout/hProcess4"/>
+    <dgm:cxn modelId="{94663250-CDA4-48D4-A535-B2D719397BB7}" type="presParOf" srcId="{565F9BFE-BDB9-432B-98E6-89E646918D46}" destId="{4A277C93-4D15-4609-939F-C7B7B49E549C}" srcOrd="2" destOrd="0" presId="urn:microsoft.com/office/officeart/2005/8/layout/hProcess4"/>
+    <dgm:cxn modelId="{BC8C34A5-02B7-4A74-ADEC-818B270E9BA5}" type="presParOf" srcId="{4A277C93-4D15-4609-939F-C7B7B49E549C}" destId="{D5CAC455-6BD3-4E04-B275-A50120835BBE}" srcOrd="0" destOrd="0" presId="urn:microsoft.com/office/officeart/2005/8/layout/hProcess4"/>
+    <dgm:cxn modelId="{BD5BE0C3-508F-493B-8F95-D4D1C3A977D1}" type="presParOf" srcId="{D5CAC455-6BD3-4E04-B275-A50120835BBE}" destId="{AAEAE986-6125-4F36-8664-8F023E1EE28B}" srcOrd="0" destOrd="0" presId="urn:microsoft.com/office/officeart/2005/8/layout/hProcess4"/>
+    <dgm:cxn modelId="{0C12E18F-0321-4EB1-9D91-FAA09429F3CC}" type="presParOf" srcId="{D5CAC455-6BD3-4E04-B275-A50120835BBE}" destId="{06C436DA-0F0F-47EC-9A59-1748912EAE90}" srcOrd="1" destOrd="0" presId="urn:microsoft.com/office/officeart/2005/8/layout/hProcess4"/>
+    <dgm:cxn modelId="{93984661-B579-4B6D-BC67-1700D8222FBD}" type="presParOf" srcId="{D5CAC455-6BD3-4E04-B275-A50120835BBE}" destId="{32D10677-46E0-4588-B7E3-AB885E7226F9}" srcOrd="2" destOrd="0" presId="urn:microsoft.com/office/officeart/2005/8/layout/hProcess4"/>
+    <dgm:cxn modelId="{E926524E-EC86-4AE8-B014-2C73BC05FE26}" type="presParOf" srcId="{D5CAC455-6BD3-4E04-B275-A50120835BBE}" destId="{3F3E37A3-1B2E-4526-BC81-09E5FB3FD974}" srcOrd="3" destOrd="0" presId="urn:microsoft.com/office/officeart/2005/8/layout/hProcess4"/>
+    <dgm:cxn modelId="{12912336-4DD2-4279-B818-E15000A72608}" type="presParOf" srcId="{D5CAC455-6BD3-4E04-B275-A50120835BBE}" destId="{AE7E6F26-E2E5-44D6-A69B-48E82BA41260}" srcOrd="4" destOrd="0" presId="urn:microsoft.com/office/officeart/2005/8/layout/hProcess4"/>
+    <dgm:cxn modelId="{728BA897-A3F0-436D-A3A4-2805D72E438A}" type="presParOf" srcId="{4A277C93-4D15-4609-939F-C7B7B49E549C}" destId="{8919B9D8-C7D7-471D-A3AF-D4CDD534FC75}" srcOrd="1" destOrd="0" presId="urn:microsoft.com/office/officeart/2005/8/layout/hProcess4"/>
+    <dgm:cxn modelId="{918AFE42-CF5B-4EF3-BC23-77C4DA7C0B89}" type="presParOf" srcId="{4A277C93-4D15-4609-939F-C7B7B49E549C}" destId="{2A4B7174-7257-435B-938F-45A78BAB8604}" srcOrd="2" destOrd="0" presId="urn:microsoft.com/office/officeart/2005/8/layout/hProcess4"/>
+    <dgm:cxn modelId="{20ACFAD9-0153-4343-8B48-ADB18C13246F}" type="presParOf" srcId="{2A4B7174-7257-435B-938F-45A78BAB8604}" destId="{7C1A99C3-7A1E-4805-9749-1D4EAEEE1F12}" srcOrd="0" destOrd="0" presId="urn:microsoft.com/office/officeart/2005/8/layout/hProcess4"/>
+    <dgm:cxn modelId="{80465640-18B0-4B4A-8039-76B7A16AE0D4}" type="presParOf" srcId="{2A4B7174-7257-435B-938F-45A78BAB8604}" destId="{5FF5F08C-1ED8-4A78-BE4D-5B990CB2B319}" srcOrd="1" destOrd="0" presId="urn:microsoft.com/office/officeart/2005/8/layout/hProcess4"/>
+    <dgm:cxn modelId="{A69682BF-C663-43A2-8500-F8EE9A7B1661}" type="presParOf" srcId="{2A4B7174-7257-435B-938F-45A78BAB8604}" destId="{E180D5F5-D7AB-460A-AFC2-C22437E40728}" srcOrd="2" destOrd="0" presId="urn:microsoft.com/office/officeart/2005/8/layout/hProcess4"/>
+    <dgm:cxn modelId="{05245BD6-E1C0-46EA-8B57-D62A33EF46AD}" type="presParOf" srcId="{2A4B7174-7257-435B-938F-45A78BAB8604}" destId="{260FC800-3B97-4686-86F1-CA2BE36BB76F}" srcOrd="3" destOrd="0" presId="urn:microsoft.com/office/officeart/2005/8/layout/hProcess4"/>
+    <dgm:cxn modelId="{951EF2F9-CEE3-483D-ACF9-4660DB6029E0}" type="presParOf" srcId="{2A4B7174-7257-435B-938F-45A78BAB8604}" destId="{E78A2FAD-6735-4EB3-A648-FC3A966D4ADA}" srcOrd="4" destOrd="0" presId="urn:microsoft.com/office/officeart/2005/8/layout/hProcess4"/>
+    <dgm:cxn modelId="{98843F08-C929-4167-80AF-386B2F48585E}" type="presParOf" srcId="{4A277C93-4D15-4609-939F-C7B7B49E549C}" destId="{CC69C9B7-E8B5-468B-8A4F-27EDDDCC0FBA}" srcOrd="3" destOrd="0" presId="urn:microsoft.com/office/officeart/2005/8/layout/hProcess4"/>
+    <dgm:cxn modelId="{562DE81D-27DC-4681-A25E-3FF8DAC49ADF}" type="presParOf" srcId="{4A277C93-4D15-4609-939F-C7B7B49E549C}" destId="{8F2A7AD9-B921-423E-B5C4-77B382323269}" srcOrd="4" destOrd="0" presId="urn:microsoft.com/office/officeart/2005/8/layout/hProcess4"/>
+    <dgm:cxn modelId="{D1471EF4-9474-4A19-8757-6A071C1D1472}" type="presParOf" srcId="{8F2A7AD9-B921-423E-B5C4-77B382323269}" destId="{B0309DC5-E3B6-4B96-9A27-5364F1F61A02}" srcOrd="0" destOrd="0" presId="urn:microsoft.com/office/officeart/2005/8/layout/hProcess4"/>
+    <dgm:cxn modelId="{D7AD0B95-8D6B-46E3-811F-5CFCDA3CAB89}" type="presParOf" srcId="{8F2A7AD9-B921-423E-B5C4-77B382323269}" destId="{8374D416-8259-404A-A853-FE5C4D036E80}" srcOrd="1" destOrd="0" presId="urn:microsoft.com/office/officeart/2005/8/layout/hProcess4"/>
+    <dgm:cxn modelId="{731755DC-66EF-4532-85DF-F401DC397204}" type="presParOf" srcId="{8F2A7AD9-B921-423E-B5C4-77B382323269}" destId="{FD569E05-4884-4284-9D47-18C9761413A9}" srcOrd="2" destOrd="0" presId="urn:microsoft.com/office/officeart/2005/8/layout/hProcess4"/>
+    <dgm:cxn modelId="{A1BC619D-CF98-477F-B51C-A1EC5EF69E24}" type="presParOf" srcId="{8F2A7AD9-B921-423E-B5C4-77B382323269}" destId="{A0FBE8DC-93D6-4FD9-B165-B742A8565BB8}" srcOrd="3" destOrd="0" presId="urn:microsoft.com/office/officeart/2005/8/layout/hProcess4"/>
+    <dgm:cxn modelId="{6D12CCD3-E5CD-4305-A8B7-F312F8350A69}" type="presParOf" srcId="{8F2A7AD9-B921-423E-B5C4-77B382323269}" destId="{20930354-D3CE-42B4-8B79-20E75BD6E331}" srcOrd="4" destOrd="0" presId="urn:microsoft.com/office/officeart/2005/8/layout/hProcess4"/>
+  </dgm:cxnLst>
+  <dgm:bg/>
+  <dgm:whole/>
+  <dgm:extLst>
+    <a:ext uri="http://schemas.microsoft.com/office/drawing/2008/diagram">
+      <dsp:dataModelExt xmlns:dsp="http://schemas.microsoft.com/office/drawing/2008/diagram" relId="rId14" minVer="http://schemas.openxmlformats.org/drawingml/2006/diagram"/>
+    </a:ext>
+    <a:ext uri="{C62137D5-CB1D-491B-B009-E17868A290BF}">
+      <dgm14:recolorImg xmlns:dgm14="http://schemas.microsoft.com/office/drawing/2010/diagram" val="1"/>
+    </a:ext>
+  </dgm:extLst>
+</dgm:dataModel>
+</file>
+
+<file path=ppt/diagrams/drawing1.xml><?xml version="1.0" encoding="utf-8"?>
+<dsp:drawing xmlns:dgm="http://schemas.openxmlformats.org/drawingml/2006/diagram" xmlns:dsp="http://schemas.microsoft.com/office/drawing/2008/diagram" xmlns:a="http://schemas.openxmlformats.org/drawingml/2006/main">
+  <dsp:spTree>
+    <dsp:nvGrpSpPr>
+      <dsp:cNvPr id="0" name=""/>
+      <dsp:cNvGrpSpPr/>
+    </dsp:nvGrpSpPr>
+    <dsp:grpSpPr/>
+    <dsp:sp modelId="{06C436DA-0F0F-47EC-9A59-1748912EAE90}">
+      <dsp:nvSpPr>
+        <dsp:cNvPr id="0" name=""/>
+        <dsp:cNvSpPr/>
+      </dsp:nvSpPr>
+      <dsp:spPr>
+        <a:xfrm>
+          <a:off x="141" y="1774586"/>
+          <a:ext cx="2266626" cy="1869493"/>
+        </a:xfrm>
+        <a:prstGeom prst="roundRect">
+          <a:avLst>
+            <a:gd name="adj" fmla="val 10000"/>
+          </a:avLst>
+        </a:prstGeom>
+        <a:solidFill>
+          <a:srgbClr val="EFE3E1">
+            <a:alpha val="89804"/>
+          </a:srgbClr>
+        </a:solidFill>
+        <a:ln w="12700" cap="flat" cmpd="sng" algn="ctr">
+          <a:noFill/>
+          <a:prstDash val="solid"/>
+          <a:miter lim="800000"/>
+        </a:ln>
+        <a:effectLst/>
+      </dsp:spPr>
+      <dsp:style>
+        <a:lnRef idx="2">
+          <a:scrgbClr r="0" g="0" b="0"/>
+        </a:lnRef>
+        <a:fillRef idx="1">
+          <a:scrgbClr r="0" g="0" b="0"/>
+        </a:fillRef>
+        <a:effectRef idx="0">
+          <a:scrgbClr r="0" g="0" b="0"/>
+        </a:effectRef>
+        <a:fontRef idx="minor"/>
+      </dsp:style>
+      <dsp:txBody>
+        <a:bodyPr spcFirstLastPara="0" vert="horz" wrap="square" lIns="76200" tIns="76200" rIns="76200" bIns="76200" numCol="1" spcCol="1270" anchor="t" anchorCtr="0">
+          <a:noAutofit/>
+        </a:bodyPr>
+        <a:lstStyle/>
+        <a:p>
+          <a:pPr marL="285750" lvl="1" indent="-285750" algn="l" defTabSz="1778000">
+            <a:lnSpc>
+              <a:spcPct val="90000"/>
+            </a:lnSpc>
+            <a:spcBef>
+              <a:spcPct val="0"/>
+            </a:spcBef>
+            <a:spcAft>
+              <a:spcPct val="15000"/>
+            </a:spcAft>
+            <a:buChar char="•"/>
+          </a:pPr>
+          <a:endParaRPr lang="en-US" sz="4000" kern="1200" dirty="0">
+            <a:solidFill>
+              <a:srgbClr val="972A3A"/>
+            </a:solidFill>
+          </a:endParaRPr>
+        </a:p>
+        <a:p>
+          <a:pPr marL="285750" lvl="1" indent="-285750" algn="l" defTabSz="1778000">
+            <a:lnSpc>
+              <a:spcPct val="90000"/>
+            </a:lnSpc>
+            <a:spcBef>
+              <a:spcPct val="0"/>
+            </a:spcBef>
+            <a:spcAft>
+              <a:spcPct val="15000"/>
+            </a:spcAft>
+            <a:buChar char="•"/>
+          </a:pPr>
+          <a:endParaRPr lang="en-US" sz="4000" kern="1200" dirty="0">
+            <a:solidFill>
+              <a:srgbClr val="972A3A"/>
+            </a:solidFill>
+          </a:endParaRPr>
+        </a:p>
+      </dsp:txBody>
+      <dsp:txXfrm>
+        <a:off x="43163" y="1817608"/>
+        <a:ext cx="2180582" cy="1382843"/>
+      </dsp:txXfrm>
+    </dsp:sp>
+    <dsp:sp modelId="{8919B9D8-C7D7-471D-A3AF-D4CDD534FC75}">
+      <dsp:nvSpPr>
+        <dsp:cNvPr id="0" name=""/>
+        <dsp:cNvSpPr/>
+      </dsp:nvSpPr>
+      <dsp:spPr>
+        <a:xfrm>
+          <a:off x="1300946" y="2316885"/>
+          <a:ext cx="2356306" cy="2356306"/>
+        </a:xfrm>
+        <a:prstGeom prst="leftCircularArrow">
+          <a:avLst>
+            <a:gd name="adj1" fmla="val 2550"/>
+            <a:gd name="adj2" fmla="val 309429"/>
+            <a:gd name="adj3" fmla="val 2084940"/>
+            <a:gd name="adj4" fmla="val 9024489"/>
+            <a:gd name="adj5" fmla="val 2975"/>
+          </a:avLst>
+        </a:prstGeom>
+        <a:solidFill>
+          <a:srgbClr val="595959"/>
+        </a:solidFill>
+        <a:ln>
+          <a:noFill/>
+        </a:ln>
+        <a:effectLst/>
+      </dsp:spPr>
+      <dsp:style>
+        <a:lnRef idx="0">
+          <a:scrgbClr r="0" g="0" b="0"/>
+        </a:lnRef>
+        <a:fillRef idx="1">
+          <a:scrgbClr r="0" g="0" b="0"/>
+        </a:fillRef>
+        <a:effectRef idx="0">
+          <a:scrgbClr r="0" g="0" b="0"/>
+        </a:effectRef>
+        <a:fontRef idx="minor">
+          <a:schemeClr val="lt1"/>
+        </a:fontRef>
+      </dsp:style>
+    </dsp:sp>
+    <dsp:sp modelId="{3F3E37A3-1B2E-4526-BC81-09E5FB3FD974}">
+      <dsp:nvSpPr>
+        <dsp:cNvPr id="0" name=""/>
+        <dsp:cNvSpPr/>
+      </dsp:nvSpPr>
+      <dsp:spPr>
+        <a:xfrm>
+          <a:off x="503836" y="3243474"/>
+          <a:ext cx="2014779" cy="801211"/>
+        </a:xfrm>
+        <a:prstGeom prst="roundRect">
+          <a:avLst>
+            <a:gd name="adj" fmla="val 10000"/>
+          </a:avLst>
+        </a:prstGeom>
+        <a:solidFill>
+          <a:srgbClr val="972A3A"/>
+        </a:solidFill>
+        <a:ln w="76200" cap="flat" cmpd="sng" algn="ctr">
+          <a:solidFill>
+            <a:srgbClr val="F6F2F0"/>
+          </a:solidFill>
+          <a:prstDash val="solid"/>
+          <a:miter lim="800000"/>
+        </a:ln>
+        <a:effectLst/>
+      </dsp:spPr>
+      <dsp:style>
+        <a:lnRef idx="2">
+          <a:scrgbClr r="0" g="0" b="0"/>
+        </a:lnRef>
+        <a:fillRef idx="1">
+          <a:scrgbClr r="0" g="0" b="0"/>
+        </a:fillRef>
+        <a:effectRef idx="0">
+          <a:scrgbClr r="0" g="0" b="0"/>
+        </a:effectRef>
+        <a:fontRef idx="minor">
+          <a:schemeClr val="lt1"/>
+        </a:fontRef>
+      </dsp:style>
+      <dsp:txBody>
+        <a:bodyPr spcFirstLastPara="0" vert="horz" wrap="square" lIns="34290" tIns="22860" rIns="34290" bIns="22860" numCol="1" spcCol="1270" anchor="ctr" anchorCtr="0">
+          <a:noAutofit/>
+        </a:bodyPr>
+        <a:lstStyle/>
+        <a:p>
+          <a:pPr marL="0" lvl="0" indent="0" algn="ctr" defTabSz="800100">
+            <a:lnSpc>
+              <a:spcPct val="90000"/>
+            </a:lnSpc>
+            <a:spcBef>
+              <a:spcPct val="0"/>
+            </a:spcBef>
+            <a:spcAft>
+              <a:spcPct val="35000"/>
+            </a:spcAft>
+            <a:buNone/>
+          </a:pPr>
+          <a:r>
+            <a:rPr lang="en-US" sz="1800" kern="1200" dirty="0">
+              <a:solidFill>
+                <a:srgbClr val="F6F2F0"/>
+              </a:solidFill>
+              <a:latin typeface="Amasis MT Pro Medium" panose="02040604050005020304" pitchFamily="18" charset="0"/>
+            </a:rPr>
+            <a:t>ORGANIZATION</a:t>
+          </a:r>
+          <a:endParaRPr lang="en-US" sz="1800" kern="1200" dirty="0">
+            <a:solidFill>
+              <a:srgbClr val="F6F2F0"/>
+            </a:solidFill>
+          </a:endParaRPr>
+        </a:p>
+      </dsp:txBody>
+      <dsp:txXfrm>
+        <a:off x="527303" y="3266941"/>
+        <a:ext cx="1967845" cy="754277"/>
+      </dsp:txXfrm>
+    </dsp:sp>
+    <dsp:sp modelId="{5FF5F08C-1ED8-4A78-BE4D-5B990CB2B319}">
+      <dsp:nvSpPr>
+        <dsp:cNvPr id="0" name=""/>
+        <dsp:cNvSpPr/>
+      </dsp:nvSpPr>
+      <dsp:spPr>
+        <a:xfrm>
+          <a:off x="2804762" y="1774586"/>
+          <a:ext cx="2266626" cy="1869493"/>
+        </a:xfrm>
+        <a:prstGeom prst="roundRect">
+          <a:avLst>
+            <a:gd name="adj" fmla="val 10000"/>
+          </a:avLst>
+        </a:prstGeom>
+        <a:solidFill>
+          <a:srgbClr val="EFE3E1">
+            <a:alpha val="90000"/>
+          </a:srgbClr>
+        </a:solidFill>
+        <a:ln w="12700" cap="flat" cmpd="sng" algn="ctr">
+          <a:noFill/>
+          <a:prstDash val="solid"/>
+          <a:miter lim="800000"/>
+        </a:ln>
+        <a:effectLst/>
+      </dsp:spPr>
+      <dsp:style>
+        <a:lnRef idx="2">
+          <a:scrgbClr r="0" g="0" b="0"/>
+        </a:lnRef>
+        <a:fillRef idx="1">
+          <a:scrgbClr r="0" g="0" b="0"/>
+        </a:fillRef>
+        <a:effectRef idx="0">
+          <a:scrgbClr r="0" g="0" b="0"/>
+        </a:effectRef>
+        <a:fontRef idx="minor"/>
+      </dsp:style>
+      <dsp:txBody>
+        <a:bodyPr spcFirstLastPara="0" vert="horz" wrap="square" lIns="76200" tIns="76200" rIns="76200" bIns="76200" numCol="1" spcCol="1270" anchor="t" anchorCtr="0">
+          <a:noAutofit/>
+        </a:bodyPr>
+        <a:lstStyle/>
+        <a:p>
+          <a:pPr marL="285750" lvl="1" indent="-285750" algn="l" defTabSz="1778000">
+            <a:lnSpc>
+              <a:spcPct val="90000"/>
+            </a:lnSpc>
+            <a:spcBef>
+              <a:spcPct val="0"/>
+            </a:spcBef>
+            <a:spcAft>
+              <a:spcPct val="15000"/>
+            </a:spcAft>
+            <a:buChar char="•"/>
+          </a:pPr>
+          <a:endParaRPr lang="en-US" sz="4000" kern="1200" dirty="0">
+            <a:solidFill>
+              <a:srgbClr val="972A3A"/>
+            </a:solidFill>
+          </a:endParaRPr>
+        </a:p>
+        <a:p>
+          <a:pPr marL="285750" lvl="1" indent="-285750" algn="l" defTabSz="1778000">
+            <a:lnSpc>
+              <a:spcPct val="90000"/>
+            </a:lnSpc>
+            <a:spcBef>
+              <a:spcPct val="0"/>
+            </a:spcBef>
+            <a:spcAft>
+              <a:spcPct val="15000"/>
+            </a:spcAft>
+            <a:buChar char="•"/>
+          </a:pPr>
+          <a:endParaRPr lang="en-US" sz="4000" kern="1200" dirty="0">
+            <a:solidFill>
+              <a:srgbClr val="972A3A"/>
+            </a:solidFill>
+          </a:endParaRPr>
+        </a:p>
+      </dsp:txBody>
+      <dsp:txXfrm>
+        <a:off x="2847784" y="2218214"/>
+        <a:ext cx="2180582" cy="1382843"/>
+      </dsp:txXfrm>
+    </dsp:sp>
+    <dsp:sp modelId="{CC69C9B7-E8B5-468B-8A4F-27EDDDCC0FBA}">
+      <dsp:nvSpPr>
+        <dsp:cNvPr id="0" name=""/>
+        <dsp:cNvSpPr/>
+      </dsp:nvSpPr>
+      <dsp:spPr>
+        <a:xfrm>
+          <a:off x="4086679" y="672173"/>
+          <a:ext cx="2645930" cy="2645930"/>
+        </a:xfrm>
+        <a:prstGeom prst="circularArrow">
+          <a:avLst>
+            <a:gd name="adj1" fmla="val 2271"/>
+            <a:gd name="adj2" fmla="val 273786"/>
+            <a:gd name="adj3" fmla="val 19550703"/>
+            <a:gd name="adj4" fmla="val 12575511"/>
+            <a:gd name="adj5" fmla="val 2650"/>
+          </a:avLst>
+        </a:prstGeom>
+        <a:solidFill>
+          <a:srgbClr val="595959"/>
+        </a:solidFill>
+        <a:ln>
+          <a:noFill/>
+        </a:ln>
+        <a:effectLst/>
+      </dsp:spPr>
+      <dsp:style>
+        <a:lnRef idx="0">
+          <a:scrgbClr r="0" g="0" b="0"/>
+        </a:lnRef>
+        <a:fillRef idx="1">
+          <a:scrgbClr r="0" g="0" b="0"/>
+        </a:fillRef>
+        <a:effectRef idx="0">
+          <a:scrgbClr r="0" g="0" b="0"/>
+        </a:effectRef>
+        <a:fontRef idx="minor">
+          <a:schemeClr val="lt1"/>
+        </a:fontRef>
+      </dsp:style>
+    </dsp:sp>
+    <dsp:sp modelId="{260FC800-3B97-4686-86F1-CA2BE36BB76F}">
+      <dsp:nvSpPr>
+        <dsp:cNvPr id="0" name=""/>
+        <dsp:cNvSpPr/>
+      </dsp:nvSpPr>
+      <dsp:spPr>
+        <a:xfrm>
+          <a:off x="3308457" y="1373981"/>
+          <a:ext cx="2014779" cy="801211"/>
+        </a:xfrm>
+        <a:prstGeom prst="roundRect">
+          <a:avLst>
+            <a:gd name="adj" fmla="val 10000"/>
+          </a:avLst>
+        </a:prstGeom>
+        <a:solidFill>
+          <a:srgbClr val="972A3A"/>
+        </a:solidFill>
+        <a:ln w="76200" cap="flat" cmpd="sng" algn="ctr">
+          <a:solidFill>
+            <a:srgbClr val="F6F2F0"/>
+          </a:solidFill>
+          <a:prstDash val="solid"/>
+          <a:miter lim="800000"/>
+        </a:ln>
+        <a:effectLst/>
+      </dsp:spPr>
+      <dsp:style>
+        <a:lnRef idx="2">
+          <a:scrgbClr r="0" g="0" b="0"/>
+        </a:lnRef>
+        <a:fillRef idx="1">
+          <a:scrgbClr r="0" g="0" b="0"/>
+        </a:fillRef>
+        <a:effectRef idx="0">
+          <a:scrgbClr r="0" g="0" b="0"/>
+        </a:effectRef>
+        <a:fontRef idx="minor">
+          <a:schemeClr val="lt1"/>
+        </a:fontRef>
+      </dsp:style>
+      <dsp:txBody>
+        <a:bodyPr spcFirstLastPara="0" vert="horz" wrap="square" lIns="38100" tIns="25400" rIns="38100" bIns="25400" numCol="1" spcCol="1270" anchor="ctr" anchorCtr="0">
+          <a:noAutofit/>
+        </a:bodyPr>
+        <a:lstStyle/>
+        <a:p>
+          <a:pPr marL="0" lvl="0" indent="0" algn="ctr" defTabSz="889000">
+            <a:lnSpc>
+              <a:spcPct val="90000"/>
+            </a:lnSpc>
+            <a:spcBef>
+              <a:spcPct val="0"/>
+            </a:spcBef>
+            <a:spcAft>
+              <a:spcPct val="35000"/>
+            </a:spcAft>
+            <a:buNone/>
+          </a:pPr>
+          <a:r>
+            <a:rPr lang="en-US" sz="2000" kern="1200" dirty="0">
+              <a:solidFill>
+                <a:srgbClr val="F6F2F0"/>
+              </a:solidFill>
+              <a:latin typeface="Amasis MT Pro Medium" panose="02040604050005020304" pitchFamily="18" charset="0"/>
+            </a:rPr>
+            <a:t>REALISATION</a:t>
+          </a:r>
+          <a:endParaRPr lang="en-US" sz="2000" kern="1200" dirty="0">
+            <a:solidFill>
+              <a:srgbClr val="F6F2F0"/>
+            </a:solidFill>
+          </a:endParaRPr>
+        </a:p>
+      </dsp:txBody>
+      <dsp:txXfrm>
+        <a:off x="3331924" y="1397448"/>
+        <a:ext cx="1967845" cy="754277"/>
+      </dsp:txXfrm>
+    </dsp:sp>
+    <dsp:sp modelId="{8374D416-8259-404A-A853-FE5C4D036E80}">
+      <dsp:nvSpPr>
+        <dsp:cNvPr id="0" name=""/>
+        <dsp:cNvSpPr/>
+      </dsp:nvSpPr>
+      <dsp:spPr>
+        <a:xfrm>
+          <a:off x="5609383" y="1774586"/>
+          <a:ext cx="2266626" cy="1869493"/>
+        </a:xfrm>
+        <a:prstGeom prst="roundRect">
+          <a:avLst>
+            <a:gd name="adj" fmla="val 10000"/>
+          </a:avLst>
+        </a:prstGeom>
+        <a:solidFill>
+          <a:srgbClr val="EFE3E1">
+            <a:alpha val="90000"/>
+          </a:srgbClr>
+        </a:solidFill>
+        <a:ln w="12700" cap="flat" cmpd="sng" algn="ctr">
+          <a:noFill/>
+          <a:prstDash val="solid"/>
+          <a:miter lim="800000"/>
+        </a:ln>
+        <a:effectLst/>
+      </dsp:spPr>
+      <dsp:style>
+        <a:lnRef idx="2">
+          <a:scrgbClr r="0" g="0" b="0"/>
+        </a:lnRef>
+        <a:fillRef idx="1">
+          <a:scrgbClr r="0" g="0" b="0"/>
+        </a:fillRef>
+        <a:effectRef idx="0">
+          <a:scrgbClr r="0" g="0" b="0"/>
+        </a:effectRef>
+        <a:fontRef idx="minor"/>
+      </dsp:style>
+      <dsp:txBody>
+        <a:bodyPr spcFirstLastPara="0" vert="horz" wrap="square" lIns="76200" tIns="76200" rIns="76200" bIns="76200" numCol="1" spcCol="1270" anchor="t" anchorCtr="0">
+          <a:noAutofit/>
+        </a:bodyPr>
+        <a:lstStyle/>
+        <a:p>
+          <a:pPr marL="285750" lvl="1" indent="-285750" algn="l" defTabSz="1778000">
+            <a:lnSpc>
+              <a:spcPct val="90000"/>
+            </a:lnSpc>
+            <a:spcBef>
+              <a:spcPct val="0"/>
+            </a:spcBef>
+            <a:spcAft>
+              <a:spcPct val="15000"/>
+            </a:spcAft>
+            <a:buChar char="•"/>
+          </a:pPr>
+          <a:endParaRPr lang="en-US" sz="4000" kern="1200" dirty="0">
+            <a:solidFill>
+              <a:srgbClr val="972A3A"/>
+            </a:solidFill>
+          </a:endParaRPr>
+        </a:p>
+        <a:p>
+          <a:pPr marL="285750" lvl="1" indent="-285750" algn="l" defTabSz="1778000">
+            <a:lnSpc>
+              <a:spcPct val="90000"/>
+            </a:lnSpc>
+            <a:spcBef>
+              <a:spcPct val="0"/>
+            </a:spcBef>
+            <a:spcAft>
+              <a:spcPct val="15000"/>
+            </a:spcAft>
+            <a:buChar char="•"/>
+          </a:pPr>
+          <a:endParaRPr lang="en-US" sz="4000" kern="1200" dirty="0">
+            <a:solidFill>
+              <a:srgbClr val="972A3A"/>
+            </a:solidFill>
+          </a:endParaRPr>
+        </a:p>
+      </dsp:txBody>
+      <dsp:txXfrm>
+        <a:off x="5652405" y="1817608"/>
+        <a:ext cx="2180582" cy="1382843"/>
+      </dsp:txXfrm>
+    </dsp:sp>
+    <dsp:sp modelId="{A0FBE8DC-93D6-4FD9-B165-B742A8565BB8}">
+      <dsp:nvSpPr>
+        <dsp:cNvPr id="0" name=""/>
+        <dsp:cNvSpPr/>
+      </dsp:nvSpPr>
+      <dsp:spPr>
+        <a:xfrm>
+          <a:off x="6113078" y="3243474"/>
+          <a:ext cx="2014779" cy="801211"/>
+        </a:xfrm>
+        <a:prstGeom prst="roundRect">
+          <a:avLst>
+            <a:gd name="adj" fmla="val 10000"/>
+          </a:avLst>
+        </a:prstGeom>
+        <a:solidFill>
+          <a:srgbClr val="972A3A"/>
+        </a:solidFill>
+        <a:ln w="76200" cap="flat" cmpd="sng" algn="ctr">
+          <a:solidFill>
+            <a:srgbClr val="F6F2F0"/>
+          </a:solidFill>
+          <a:prstDash val="solid"/>
+          <a:miter lim="800000"/>
+        </a:ln>
+        <a:effectLst/>
+      </dsp:spPr>
+      <dsp:style>
+        <a:lnRef idx="2">
+          <a:scrgbClr r="0" g="0" b="0"/>
+        </a:lnRef>
+        <a:fillRef idx="1">
+          <a:scrgbClr r="0" g="0" b="0"/>
+        </a:fillRef>
+        <a:effectRef idx="0">
+          <a:scrgbClr r="0" g="0" b="0"/>
+        </a:effectRef>
+        <a:fontRef idx="minor">
+          <a:schemeClr val="lt1"/>
+        </a:fontRef>
+      </dsp:style>
+      <dsp:txBody>
+        <a:bodyPr spcFirstLastPara="0" vert="horz" wrap="square" lIns="36195" tIns="24130" rIns="36195" bIns="24130" numCol="1" spcCol="1270" anchor="ctr" anchorCtr="0">
+          <a:noAutofit/>
+        </a:bodyPr>
+        <a:lstStyle/>
+        <a:p>
+          <a:pPr marL="0" lvl="0" indent="0" algn="ctr" defTabSz="844550">
+            <a:lnSpc>
+              <a:spcPct val="90000"/>
+            </a:lnSpc>
+            <a:spcBef>
+              <a:spcPct val="0"/>
+            </a:spcBef>
+            <a:spcAft>
+              <a:spcPct val="35000"/>
+            </a:spcAft>
+            <a:buNone/>
+          </a:pPr>
+          <a:r>
+            <a:rPr lang="en-US" sz="1900" kern="1200" dirty="0">
+              <a:solidFill>
+                <a:srgbClr val="F6F2F0"/>
+              </a:solidFill>
+              <a:latin typeface="Amasis MT Pro Medium" panose="02040604050005020304" pitchFamily="18" charset="0"/>
+            </a:rPr>
+            <a:t>PRESENTATION</a:t>
+          </a:r>
+          <a:endParaRPr lang="en-US" sz="1900" kern="1200" dirty="0">
+            <a:solidFill>
+              <a:srgbClr val="F6F2F0"/>
+            </a:solidFill>
+          </a:endParaRPr>
+        </a:p>
+      </dsp:txBody>
+      <dsp:txXfrm>
+        <a:off x="6136545" y="3266941"/>
+        <a:ext cx="1967845" cy="754277"/>
+      </dsp:txXfrm>
+    </dsp:sp>
+  </dsp:spTree>
+</dsp:drawing>
+</file>
+
+<file path=ppt/diagrams/layout1.xml><?xml version="1.0" encoding="utf-8"?>
+<dgm:layoutDef xmlns:dgm="http://schemas.openxmlformats.org/drawingml/2006/diagram" xmlns:a="http://schemas.openxmlformats.org/drawingml/2006/main" uniqueId="urn:microsoft.com/office/officeart/2005/8/layout/hProcess4">
+  <dgm:title val=""/>
+  <dgm:desc val=""/>
+  <dgm:catLst>
+    <dgm:cat type="process" pri="4000"/>
+  </dgm:catLst>
+  <dgm:sampData>
+    <dgm:dataModel>
+      <dgm:ptLst>
+        <dgm:pt modelId="0" type="doc"/>
+        <dgm:pt modelId="1">
+          <dgm:prSet phldr="1"/>
+        </dgm:pt>
+        <dgm:pt modelId="11">
+          <dgm:prSet phldr="1"/>
+        </dgm:pt>
+        <dgm:pt modelId="12">
+          <dgm:prSet phldr="1"/>
+        </dgm:pt>
+        <dgm:pt modelId="2">
+          <dgm:prSet phldr="1"/>
+        </dgm:pt>
+        <dgm:pt modelId="21">
+          <dgm:prSet phldr="1"/>
+        </dgm:pt>
+        <dgm:pt modelId="22">
+          <dgm:prSet phldr="1"/>
+        </dgm:pt>
+        <dgm:pt modelId="3">
+          <dgm:prSet phldr="1"/>
+        </dgm:pt>
+        <dgm:pt modelId="31">
+          <dgm:prSet phldr="1"/>
+        </dgm:pt>
+        <dgm:pt modelId="32">
+          <dgm:prSet phldr="1"/>
+        </dgm:pt>
+      </dgm:ptLst>
+      <dgm:cxnLst>
+        <dgm:cxn modelId="4" srcId="0" destId="1" srcOrd="0" destOrd="0"/>
+        <dgm:cxn modelId="5" srcId="0" destId="2" srcOrd="1" destOrd="0"/>
+        <dgm:cxn modelId="6" srcId="0" destId="3" srcOrd="2" destOrd="0"/>
+        <dgm:cxn modelId="13" srcId="1" destId="11" srcOrd="0" destOrd="0"/>
+        <dgm:cxn modelId="14" srcId="1" destId="12" srcOrd="1" destOrd="0"/>
+        <dgm:cxn modelId="23" srcId="2" destId="21" srcOrd="0" destOrd="0"/>
+        <dgm:cxn modelId="24" srcId="2" destId="22" srcOrd="1" destOrd="0"/>
+        <dgm:cxn modelId="33" srcId="3" destId="31" srcOrd="0" destOrd="0"/>
+        <dgm:cxn modelId="34" srcId="3" destId="32" srcOrd="1" destOrd="0"/>
+      </dgm:cxnLst>
+      <dgm:bg/>
+      <dgm:whole/>
+    </dgm:dataModel>
+  </dgm:sampData>
+  <dgm:styleData>
+    <dgm:dataModel>
+      <dgm:ptLst>
+        <dgm:pt modelId="0" type="doc"/>
+        <dgm:pt modelId="1"/>
+        <dgm:pt modelId="11"/>
+        <dgm:pt modelId="2"/>
+        <dgm:pt modelId="21"/>
+      </dgm:ptLst>
+      <dgm:cxnLst>
+        <dgm:cxn modelId="4" srcId="0" destId="1" srcOrd="0" destOrd="0"/>
+        <dgm:cxn modelId="5" srcId="0" destId="2" srcOrd="1" destOrd="0"/>
+        <dgm:cxn modelId="13" srcId="1" destId="11" srcOrd="0" destOrd="0"/>
+        <dgm:cxn modelId="23" srcId="2" destId="21" srcOrd="0" destOrd="0"/>
+      </dgm:cxnLst>
+      <dgm:bg/>
+      <dgm:whole/>
+    </dgm:dataModel>
+  </dgm:styleData>
+  <dgm:clrData>
+    <dgm:dataModel>
+      <dgm:ptLst>
+        <dgm:pt modelId="0" type="doc"/>
+        <dgm:pt modelId="1"/>
+        <dgm:pt modelId="11"/>
+        <dgm:pt modelId="2"/>
+        <dgm:pt modelId="21"/>
+        <dgm:pt modelId="3"/>
+        <dgm:pt modelId="31"/>
+        <dgm:pt modelId="4"/>
+        <dgm:pt modelId="41"/>
+      </dgm:ptLst>
+      <dgm:cxnLst>
+        <dgm:cxn modelId="5" srcId="0" destId="1" srcOrd="0" destOrd="0"/>
+        <dgm:cxn modelId="6" srcId="0" destId="2" srcOrd="1" destOrd="0"/>
+        <dgm:cxn modelId="7" srcId="0" destId="3" srcOrd="2" destOrd="0"/>
+        <dgm:cxn modelId="8" srcId="0" destId="4" srcOrd="3" destOrd="0"/>
+        <dgm:cxn modelId="13" srcId="1" destId="11" srcOrd="0" destOrd="0"/>
+        <dgm:cxn modelId="23" srcId="2" destId="21" srcOrd="0" destOrd="0"/>
+        <dgm:cxn modelId="33" srcId="3" destId="31" srcOrd="0" destOrd="0"/>
+        <dgm:cxn modelId="43" srcId="4" destId="41" srcOrd="0" destOrd="0"/>
+      </dgm:cxnLst>
+      <dgm:bg/>
+      <dgm:whole/>
+    </dgm:dataModel>
+  </dgm:clrData>
+  <dgm:layoutNode name="Name0">
+    <dgm:varLst>
+      <dgm:dir/>
+      <dgm:animLvl val="lvl"/>
+      <dgm:resizeHandles val="exact"/>
+    </dgm:varLst>
+    <dgm:alg type="composite"/>
+    <dgm:shape xmlns:r="http://schemas.openxmlformats.org/officeDocument/2006/relationships" r:blip="">
+      <dgm:adjLst/>
+    </dgm:shape>
+    <dgm:presOf/>
+    <dgm:constrLst>
+      <dgm:constr type="w" for="ch" forName="tSp" refType="w"/>
+      <dgm:constr type="h" for="ch" forName="tSp" refType="h" fact="0.15"/>
+      <dgm:constr type="l" for="ch" forName="tSp"/>
+      <dgm:constr type="t" for="ch" forName="tSp"/>
+      <dgm:constr type="w" for="ch" forName="bSp" refType="w"/>
+      <dgm:constr type="h" for="ch" forName="bSp" refType="h" fact="0.15"/>
+      <dgm:constr type="l" for="ch" forName="bSp"/>
+      <dgm:constr type="t" for="ch" forName="bSp" refType="h" fact="0.85"/>
+      <dgm:constr type="w" for="ch" forName="process" refType="w"/>
+      <dgm:constr type="h" for="ch" forName="process" refType="h" fact="0.7"/>
+      <dgm:constr type="l" for="ch" forName="process"/>
+      <dgm:constr type="t" for="ch" forName="process" refType="h" fact="0.15"/>
+    </dgm:constrLst>
+    <dgm:ruleLst/>
+    <dgm:layoutNode name="tSp">
+      <dgm:alg type="sp"/>
+      <dgm:shape xmlns:r="http://schemas.openxmlformats.org/officeDocument/2006/relationships" r:blip="">
+        <dgm:adjLst/>
+      </dgm:shape>
+      <dgm:presOf/>
+      <dgm:constrLst/>
+      <dgm:ruleLst/>
+    </dgm:layoutNode>
+    <dgm:layoutNode name="bSp">
+      <dgm:alg type="sp"/>
+      <dgm:shape xmlns:r="http://schemas.openxmlformats.org/officeDocument/2006/relationships" r:blip="">
+        <dgm:adjLst/>
+      </dgm:shape>
+      <dgm:presOf/>
+      <dgm:constrLst/>
+      <dgm:ruleLst/>
+    </dgm:layoutNode>
+    <dgm:layoutNode name="process">
+      <dgm:choose name="Name1">
+        <dgm:if name="Name2" func="var" arg="dir" op="equ" val="norm">
+          <dgm:alg type="lin">
+            <dgm:param type="linDir" val="fromL"/>
+          </dgm:alg>
+        </dgm:if>
+        <dgm:else name="Name3">
+          <dgm:alg type="lin">
+            <dgm:param type="linDir" val="fromR"/>
+          </dgm:alg>
+        </dgm:else>
+      </dgm:choose>
+      <dgm:shape xmlns:r="http://schemas.openxmlformats.org/officeDocument/2006/relationships" r:blip="">
+        <dgm:adjLst/>
+      </dgm:shape>
+      <dgm:presOf/>
+      <dgm:constrLst>
+        <dgm:constr type="w" for="ch" forName="composite1" refType="w"/>
+        <dgm:constr type="w" for="ch" forName="composite2" refType="w" refFor="ch" refForName="composite1" op="equ"/>
+        <dgm:constr type="h" for="ch" forName="composite1" refType="h"/>
+        <dgm:constr type="h" for="ch" forName="composite2" refType="h" refFor="ch" refForName="composite1" op="equ"/>
+        <dgm:constr type="primFontSz" for="des" forName="parentNode1" val="65"/>
+        <dgm:constr type="primFontSz" for="des" forName="parentNode2" refType="primFontSz" refFor="des" refForName="parentNode1" op="equ"/>
+        <dgm:constr type="secFontSz" for="des" forName="childNode1tx" val="65"/>
+        <dgm:constr type="secFontSz" for="des" forName="childNode2tx" refType="secFontSz" refFor="des" refForName="childNode1tx" op="equ"/>
+        <dgm:constr type="w" for="des" ptType="sibTrans" refType="w" refFor="ch" refForName="composite1" op="equ" fact="0.05"/>
+      </dgm:constrLst>
+      <dgm:ruleLst/>
+      <dgm:forEach name="Name4" axis="ch" ptType="node" step="2">
+        <dgm:layoutNode name="composite1">
+          <dgm:alg type="composite">
+            <dgm:param type="ar" val="0.943"/>
+          </dgm:alg>
+          <dgm:shape xmlns:r="http://schemas.openxmlformats.org/officeDocument/2006/relationships" r:blip="">
+            <dgm:adjLst/>
+          </dgm:shape>
+          <dgm:presOf/>
+          <dgm:choose name="Name5">
+            <dgm:if name="Name6" func="var" arg="dir" op="equ" val="norm">
+              <dgm:constrLst>
+                <dgm:constr type="h" refType="w" fact="1.06"/>
+                <dgm:constr type="w" for="ch" forName="dummyNode1" refType="w"/>
+                <dgm:constr type="h" for="ch" forName="dummyNode1" refType="h"/>
+                <dgm:constr type="t" for="ch" forName="dummyNode1"/>
+                <dgm:constr type="l" for="ch" forName="dummyNode1"/>
+                <dgm:constr type="w" for="ch" forName="childNode1" refType="w" fact="0.9"/>
+                <dgm:constr type="h" for="ch" forName="childNode1" refType="h" fact="0.7"/>
+                <dgm:constr type="t" for="ch" forName="childNode1" refType="h" fact="0.15"/>
+                <dgm:constr type="l" for="ch" forName="childNode1"/>
+                <dgm:constr type="w" for="ch" forName="childNode1tx" refType="w" fact="0.9"/>
+                <dgm:constr type="h" for="ch" forName="childNode1tx" refType="h" fact="0.55"/>
+                <dgm:constr type="t" for="ch" forName="childNode1tx" refType="h" fact="0.15"/>
+                <dgm:constr type="l" for="ch" forName="childNode1tx"/>
+                <dgm:constr type="w" for="ch" forName="parentNode1" refType="w" fact="0.8"/>
+                <dgm:constr type="h" for="ch" forName="parentNode1" refType="h" fact="0.3"/>
+                <dgm:constr type="t" for="ch" forName="parentNode1" refType="h" fact="0.7"/>
+                <dgm:constr type="l" for="ch" forName="parentNode1" refType="w" fact="0.2"/>
+                <dgm:constr type="w" for="ch" forName="connSite1" refType="w" fact="0.01"/>
+                <dgm:constr type="h" for="ch" forName="connSite1" refType="h" fact="0.01"/>
+                <dgm:constr type="t" for="ch" forName="connSite1"/>
+                <dgm:constr type="l" for="ch" forName="connSite1" refType="w" fact="0.35"/>
+              </dgm:constrLst>
+            </dgm:if>
+            <dgm:else name="Name7">
+              <dgm:constrLst>
+                <dgm:constr type="h" refType="w" fact="1.06"/>
+                <dgm:constr type="w" for="ch" forName="dummyNode1" refType="w"/>
+                <dgm:constr type="h" for="ch" forName="dummyNode1" refType="h"/>
+                <dgm:constr type="t" for="ch" forName="dummyNode1"/>
+                <dgm:constr type="l" for="ch" forName="dummyNode1"/>
+                <dgm:constr type="w" for="ch" forName="childNode1" refType="w" fact="0.9"/>
+                <dgm:constr type="h" for="ch" forName="childNode1" refType="h" fact="0.7"/>
+                <dgm:constr type="t" for="ch" forName="childNode1" refType="h" fact="0.15"/>
+                <dgm:constr type="l" for="ch" forName="childNode1" refType="w" fact="0.1"/>
+                <dgm:constr type="w" for="ch" forName="childNode1tx" refType="w" fact="0.9"/>
+                <dgm:constr type="h" for="ch" forName="childNode1tx" refType="h" fact="0.55"/>
+                <dgm:constr type="t" for="ch" forName="childNode1tx" refType="h" fact="0.15"/>
+                <dgm:constr type="l" for="ch" forName="childNode1tx" refType="w" fact="0.1"/>
+                <dgm:constr type="w" for="ch" forName="parentNode1" refType="w" fact="0.8"/>
+                <dgm:constr type="h" for="ch" forName="parentNode1" refType="h" fact="0.3"/>
+                <dgm:constr type="t" for="ch" forName="parentNode1" refType="h" fact="0.7"/>
+                <dgm:constr type="l" for="ch" forName="parentNode1"/>
+                <dgm:constr type="w" for="ch" forName="connSite1" refType="w" fact="0.01"/>
+                <dgm:constr type="h" for="ch" forName="connSite1" refType="h" fact="0.01"/>
+                <dgm:constr type="t" for="ch" forName="connSite1"/>
+                <dgm:constr type="l" for="ch" forName="connSite1" refType="w" fact="0.65"/>
+              </dgm:constrLst>
+            </dgm:else>
+          </dgm:choose>
+          <dgm:ruleLst/>
+          <dgm:layoutNode name="dummyNode1">
+            <dgm:alg type="sp"/>
+            <dgm:shape xmlns:r="http://schemas.openxmlformats.org/officeDocument/2006/relationships" type="rect" r:blip="" hideGeom="1">
+              <dgm:adjLst/>
+            </dgm:shape>
+            <dgm:presOf/>
+            <dgm:constrLst/>
+            <dgm:ruleLst/>
+          </dgm:layoutNode>
+          <dgm:layoutNode name="childNode1" styleLbl="bgAcc1">
+            <dgm:varLst>
+              <dgm:bulletEnabled val="1"/>
+            </dgm:varLst>
+            <dgm:alg type="sp"/>
+            <dgm:shape xmlns:r="http://schemas.openxmlformats.org/officeDocument/2006/relationships" type="roundRect" r:blip="">
+              <dgm:adjLst>
+                <dgm:adj idx="1" val="0.1"/>
+              </dgm:adjLst>
+            </dgm:shape>
+            <dgm:presOf axis="des" ptType="node"/>
+            <dgm:constrLst/>
+            <dgm:ruleLst/>
+          </dgm:layoutNode>
+          <dgm:layoutNode name="childNode1tx" styleLbl="bgAcc1">
+            <dgm:varLst>
+              <dgm:bulletEnabled val="1"/>
+            </dgm:varLst>
+            <dgm:alg type="tx">
+              <dgm:param type="stBulletLvl" val="1"/>
+            </dgm:alg>
+            <dgm:shape xmlns:r="http://schemas.openxmlformats.org/officeDocument/2006/relationships" type="roundRect" r:blip="" hideGeom="1">
+              <dgm:adjLst>
+                <dgm:adj idx="1" val="0.1"/>
+              </dgm:adjLst>
+            </dgm:shape>
+            <dgm:presOf axis="des" ptType="node"/>
+            <dgm:constrLst>
+              <dgm:constr type="secFontSz" val="65"/>
+              <dgm:constr type="primFontSz" refType="secFontSz"/>
+              <dgm:constr type="tMarg" refType="secFontSz" fact="0.15"/>
+              <dgm:constr type="bMarg" refType="secFontSz" fact="0.15"/>
+              <dgm:constr type="lMarg" refType="secFontSz" fact="0.15"/>
+              <dgm:constr type="rMarg" refType="secFontSz" fact="0.15"/>
+            </dgm:constrLst>
+            <dgm:ruleLst>
+              <dgm:rule type="secFontSz" val="5" fact="NaN" max="NaN"/>
+            </dgm:ruleLst>
+          </dgm:layoutNode>
+          <dgm:layoutNode name="parentNode1" styleLbl="node1">
+            <dgm:varLst>
+              <dgm:chMax val="1"/>
+              <dgm:bulletEnabled val="1"/>
+            </dgm:varLst>
+            <dgm:alg type="tx"/>
+            <dgm:shape xmlns:r="http://schemas.openxmlformats.org/officeDocument/2006/relationships" type="roundRect" r:blip="">
+              <dgm:adjLst>
+                <dgm:adj idx="1" val="0.1"/>
+              </dgm:adjLst>
+            </dgm:shape>
+            <dgm:presOf axis="self"/>
+            <dgm:constrLst>
+              <dgm:constr type="tMarg" refType="primFontSz" fact="0.1"/>
+              <dgm:constr type="bMarg" refType="primFontSz" fact="0.1"/>
+              <dgm:constr type="lMarg" refType="primFontSz" fact="0.15"/>
+              <dgm:constr type="rMarg" refType="primFontSz" fact="0.15"/>
+            </dgm:constrLst>
+            <dgm:ruleLst>
+              <dgm:rule type="primFontSz" val="5" fact="NaN" max="NaN"/>
+            </dgm:ruleLst>
+          </dgm:layoutNode>
+          <dgm:layoutNode name="connSite1" moveWith="childNode1">
+            <dgm:alg type="sp"/>
+            <dgm:shape xmlns:r="http://schemas.openxmlformats.org/officeDocument/2006/relationships" r:blip="">
+              <dgm:adjLst/>
+            </dgm:shape>
+            <dgm:presOf/>
+            <dgm:constrLst/>
+            <dgm:ruleLst/>
+          </dgm:layoutNode>
+        </dgm:layoutNode>
+        <dgm:forEach name="Name8" axis="followSib" ptType="sibTrans" cnt="1">
+          <dgm:layoutNode name="Name9">
+            <dgm:alg type="conn">
+              <dgm:param type="connRout" val="curve"/>
+              <dgm:param type="srcNode" val="parentNode1"/>
+              <dgm:param type="dstNode" val="connSite2"/>
+              <dgm:param type="begPts" val="bCtr"/>
+              <dgm:param type="endPts" val="bCtr"/>
+            </dgm:alg>
+            <dgm:shape xmlns:r="http://schemas.openxmlformats.org/officeDocument/2006/relationships" type="conn" r:blip="" zOrderOff="-2">
+              <dgm:adjLst/>
+            </dgm:shape>
+            <dgm:presOf axis="self"/>
+            <dgm:choose name="Name10">
+              <dgm:if name="Name11" func="var" arg="dir" op="equ" val="norm">
+                <dgm:constrLst>
+                  <dgm:constr type="h" refType="w" fact="0.35"/>
+                  <dgm:constr type="wArH" refType="h"/>
+                  <dgm:constr type="hArH" refType="h"/>
+                  <dgm:constr type="connDist"/>
+                  <dgm:constr type="diam" refType="connDist" fact="-1.15"/>
+                  <dgm:constr type="begPad"/>
+                  <dgm:constr type="endPad"/>
+                </dgm:constrLst>
+              </dgm:if>
+              <dgm:else name="Name12">
+                <dgm:constrLst>
+                  <dgm:constr type="h" refType="w" fact="0.35"/>
+                  <dgm:constr type="wArH" refType="h"/>
+                  <dgm:constr type="hArH" refType="h"/>
+                  <dgm:constr type="connDist"/>
+                  <dgm:constr type="diam" refType="connDist" fact="1.15"/>
+                  <dgm:constr type="begPad"/>
+                  <dgm:constr type="endPad"/>
+                </dgm:constrLst>
+              </dgm:else>
+            </dgm:choose>
+            <dgm:ruleLst/>
+          </dgm:layoutNode>
+        </dgm:forEach>
+        <dgm:forEach name="Name13" axis="followSib" ptType="node" cnt="1">
+          <dgm:layoutNode name="composite2">
+            <dgm:alg type="composite">
+              <dgm:param type="ar" val="0.943"/>
+            </dgm:alg>
+            <dgm:shape xmlns:r="http://schemas.openxmlformats.org/officeDocument/2006/relationships" r:blip="">
+              <dgm:adjLst/>
+            </dgm:shape>
+            <dgm:presOf/>
+            <dgm:choose name="Name14">
+              <dgm:if name="Name15" func="var" arg="dir" op="equ" val="norm">
+                <dgm:constrLst>
+                  <dgm:constr type="h" refType="w" fact="1.06"/>
+                  <dgm:constr type="w" for="ch" forName="dummyNode2" refType="w"/>
+                  <dgm:constr type="h" for="ch" forName="dummyNode2" refType="h"/>
+                  <dgm:constr type="t" for="ch" forName="dummyNode2"/>
+                  <dgm:constr type="l" for="ch" forName="dummyNode2"/>
+                  <dgm:constr type="w" for="ch" forName="childNode2" refType="w" fact="0.9"/>
+                  <dgm:constr type="h" for="ch" forName="childNode2" refType="h" fact="0.7"/>
+                  <dgm:constr type="t" for="ch" forName="childNode2" refType="h" fact="0.15"/>
+                  <dgm:constr type="l" for="ch" forName="childNode2"/>
+                  <dgm:constr type="w" for="ch" forName="childNode2tx" refType="w" fact="0.9"/>
+                  <dgm:constr type="h" for="ch" forName="childNode2tx" refType="h" fact="0.55"/>
+                  <dgm:constr type="t" for="ch" forName="childNode2tx" refType="h" fact="0.3"/>
+                  <dgm:constr type="l" for="ch" forName="childNode2tx"/>
+                  <dgm:constr type="w" for="ch" forName="parentNode2" refType="w" fact="0.8"/>
+                  <dgm:constr type="h" for="ch" forName="parentNode2" refType="h" fact="0.3"/>
+                  <dgm:constr type="t" for="ch" forName="parentNode2"/>
+                  <dgm:constr type="l" for="ch" forName="parentNode2" refType="w" fact="0.2"/>
+                  <dgm:constr type="w" for="ch" forName="connSite2" refType="w" fact="0.01"/>
+                  <dgm:constr type="h" for="ch" forName="connSite2" refType="h" fact="0.01"/>
+                  <dgm:constr type="t" for="ch" forName="connSite2" refType="h" fact="0.99"/>
+                  <dgm:constr type="l" for="ch" forName="connSite2" refType="w" fact="0.25"/>
+                </dgm:constrLst>
+              </dgm:if>
+              <dgm:else name="Name16">
+                <dgm:constrLst>
+                  <dgm:constr type="h" refType="w" fact="1.06"/>
+                  <dgm:constr type="w" for="ch" forName="dummyNode2" refType="w"/>
+                  <dgm:constr type="h" for="ch" forName="dummyNode2" refType="h"/>
+                  <dgm:constr type="t" for="ch" forName="dummyNode2"/>
+                  <dgm:constr type="l" for="ch" forName="dummyNode2"/>
+                  <dgm:constr type="w" for="ch" forName="childNode2" refType="w" fact="0.9"/>
+                  <dgm:constr type="h" for="ch" forName="childNode2" refType="h" fact="0.7"/>
+                  <dgm:constr type="t" for="ch" forName="childNode2" refType="h" fact="0.15"/>
+                  <dgm:constr type="l" for="ch" forName="childNode2" refType="w" fact="0.1"/>
+                  <dgm:constr type="w" for="ch" forName="childNode2tx" refType="w" fact="0.9"/>
+                  <dgm:constr type="h" for="ch" forName="childNode2tx" refType="h" fact="0.55"/>
+                  <dgm:constr type="t" for="ch" forName="childNode2tx" refType="h" fact="0.3"/>
+                  <dgm:constr type="l" for="ch" forName="childNode2tx" refType="w" fact="0.1"/>
+                  <dgm:constr type="w" for="ch" forName="parentNode2" refType="w" fact="0.8"/>
+                  <dgm:constr type="h" for="ch" forName="parentNode2" refType="h" fact="0.3"/>
+                  <dgm:constr type="t" for="ch" forName="parentNode2"/>
+                  <dgm:constr type="l" for="ch" forName="parentNode2"/>
+                  <dgm:constr type="w" for="ch" forName="connSite2" refType="w" fact="0.01"/>
+                  <dgm:constr type="h" for="ch" forName="connSite2" refType="h" fact="0.01"/>
+                  <dgm:constr type="t" for="ch" forName="connSite2" refType="h" fact="0.99"/>
+                  <dgm:constr type="l" for="ch" forName="connSite2" refType="w" fact="0.85"/>
+                </dgm:constrLst>
+              </dgm:else>
+            </dgm:choose>
+            <dgm:ruleLst/>
+            <dgm:layoutNode name="dummyNode2">
+              <dgm:alg type="sp"/>
+              <dgm:shape xmlns:r="http://schemas.openxmlformats.org/officeDocument/2006/relationships" type="rect" r:blip="" hideGeom="1">
+                <dgm:adjLst/>
+              </dgm:shape>
+              <dgm:presOf/>
+              <dgm:constrLst/>
+              <dgm:ruleLst/>
+            </dgm:layoutNode>
+            <dgm:layoutNode name="childNode2" styleLbl="bgAcc1">
+              <dgm:varLst>
+                <dgm:bulletEnabled val="1"/>
+              </dgm:varLst>
+              <dgm:alg type="sp"/>
+              <dgm:shape xmlns:r="http://schemas.openxmlformats.org/officeDocument/2006/relationships" type="roundRect" r:blip="">
+                <dgm:adjLst>
+                  <dgm:adj idx="1" val="0.1"/>
+                </dgm:adjLst>
+              </dgm:shape>
+              <dgm:presOf axis="des" ptType="node"/>
+              <dgm:constrLst/>
+              <dgm:ruleLst/>
+            </dgm:layoutNode>
+            <dgm:layoutNode name="childNode2tx" styleLbl="bgAcc1">
+              <dgm:varLst>
+                <dgm:bulletEnabled val="1"/>
+              </dgm:varLst>
+              <dgm:alg type="tx">
+                <dgm:param type="stBulletLvl" val="1"/>
+              </dgm:alg>
+              <dgm:shape xmlns:r="http://schemas.openxmlformats.org/officeDocument/2006/relationships" type="roundRect" r:blip="" hideGeom="1">
+                <dgm:adjLst>
+                  <dgm:adj idx="1" val="0.1"/>
+                </dgm:adjLst>
+              </dgm:shape>
+              <dgm:presOf axis="des" ptType="node"/>
+              <dgm:constrLst>
+                <dgm:constr type="secFontSz" val="65"/>
+                <dgm:constr type="primFontSz" refType="secFontSz"/>
+                <dgm:constr type="tMarg" refType="secFontSz" fact="0.15"/>
+                <dgm:constr type="bMarg" refType="secFontSz" fact="0.15"/>
+                <dgm:constr type="lMarg" refType="secFontSz" fact="0.15"/>
+                <dgm:constr type="rMarg" refType="secFontSz" fact="0.15"/>
+              </dgm:constrLst>
+              <dgm:ruleLst>
+                <dgm:rule type="secFontSz" val="5" fact="NaN" max="NaN"/>
+              </dgm:ruleLst>
+            </dgm:layoutNode>
+            <dgm:layoutNode name="parentNode2" styleLbl="node1">
+              <dgm:varLst>
+                <dgm:chMax val="0"/>
+                <dgm:bulletEnabled val="1"/>
+              </dgm:varLst>
+              <dgm:alg type="tx"/>
+              <dgm:shape xmlns:r="http://schemas.openxmlformats.org/officeDocument/2006/relationships" type="roundRect" r:blip="">
+                <dgm:adjLst>
+                  <dgm:adj idx="1" val="0.1"/>
+                </dgm:adjLst>
+              </dgm:shape>
+              <dgm:presOf axis="self"/>
+              <dgm:constrLst>
+                <dgm:constr type="tMarg" refType="primFontSz" fact="0.1"/>
+                <dgm:constr type="bMarg" refType="primFontSz" fact="0.1"/>
+                <dgm:constr type="lMarg" refType="primFontSz" fact="0.15"/>
+                <dgm:constr type="rMarg" refType="primFontSz" fact="0.15"/>
+              </dgm:constrLst>
+              <dgm:ruleLst>
+                <dgm:rule type="primFontSz" val="5" fact="NaN" max="NaN"/>
+              </dgm:ruleLst>
+            </dgm:layoutNode>
+            <dgm:layoutNode name="connSite2" moveWith="childNode2">
+              <dgm:alg type="sp"/>
+              <dgm:shape xmlns:r="http://schemas.openxmlformats.org/officeDocument/2006/relationships" r:blip="">
+                <dgm:adjLst/>
+              </dgm:shape>
+              <dgm:presOf/>
+              <dgm:constrLst/>
+              <dgm:ruleLst/>
+            </dgm:layoutNode>
+          </dgm:layoutNode>
+          <dgm:forEach name="Name17" axis="followSib" ptType="sibTrans" cnt="1">
+            <dgm:layoutNode name="Name18">
+              <dgm:alg type="conn">
+                <dgm:param type="connRout" val="curve"/>
+                <dgm:param type="srcNode" val="parentNode2"/>
+                <dgm:param type="dstNode" val="connSite1"/>
+                <dgm:param type="begPts" val="tCtr"/>
+                <dgm:param type="endPts" val="tCtr"/>
+              </dgm:alg>
+              <dgm:shape xmlns:r="http://schemas.openxmlformats.org/officeDocument/2006/relationships" type="conn" r:blip="" zOrderOff="-2">
+                <dgm:adjLst/>
+              </dgm:shape>
+              <dgm:presOf axis="self"/>
+              <dgm:choose name="Name19">
+                <dgm:if name="Name20" func="var" arg="dir" op="equ" val="norm">
+                  <dgm:constrLst>
+                    <dgm:constr type="h" refType="w" fact="0.35"/>
+                    <dgm:constr type="wArH" refType="h"/>
+                    <dgm:constr type="hArH" refType="h"/>
+                    <dgm:constr type="connDist"/>
+                    <dgm:constr type="diam" refType="connDist" fact="1.15"/>
+                    <dgm:constr type="begPad"/>
+                    <dgm:constr type="endPad"/>
+                  </dgm:constrLst>
+                </dgm:if>
+                <dgm:else name="Name21">
+                  <dgm:constrLst>
+                    <dgm:constr type="h" refType="w" fact="0.35"/>
+                    <dgm:constr type="wArH" refType="h"/>
+                    <dgm:constr type="hArH" refType="h"/>
+                    <dgm:constr type="connDist"/>
+                    <dgm:constr type="diam" refType="connDist" fact="-1.15"/>
+                    <dgm:constr type="begPad"/>
+                    <dgm:constr type="endPad"/>
+                  </dgm:constrLst>
+                </dgm:else>
+              </dgm:choose>
+              <dgm:ruleLst/>
+            </dgm:layoutNode>
+          </dgm:forEach>
+        </dgm:forEach>
+      </dgm:forEach>
+    </dgm:layoutNode>
+  </dgm:layoutNode>
+</dgm:layoutDef>
+</file>
+
+<file path=ppt/diagrams/quickStyle1.xml><?xml version="1.0" encoding="utf-8"?>
+<dgm:styleDef xmlns:dgm="http://schemas.openxmlformats.org/drawingml/2006/diagram" xmlns:a="http://schemas.openxmlformats.org/drawingml/2006/main" uniqueId="urn:microsoft.com/office/officeart/2005/8/quickstyle/simple1">
+  <dgm:title val=""/>
+  <dgm:desc val=""/>
+  <dgm:catLst>
+    <dgm:cat type="simple" pri="10100"/>
+  </dgm:catLst>
+  <dgm:scene3d>
+    <a:camera prst="orthographicFront"/>
+    <a:lightRig rig="threePt" dir="t"/>
+  </dgm:scene3d>
+  <dgm:styleLbl name="node0">
+    <dgm:scene3d>
+      <a:camera prst="orthographicFront"/>
+      <a:lightRig rig="threePt" dir="t"/>
+    </dgm:scene3d>
+    <dgm:sp3d/>
+    <dgm:txPr/>
+    <dgm:style>
+      <a:lnRef idx="2">
+        <a:scrgbClr r="0" g="0" b="0"/>
+      </a:lnRef>
+      <a:fillRef idx="1">
+        <a:scrgbClr r="0" g="0" b="0"/>
+      </a:fillRef>
+      <a:effectRef idx="0">
+        <a:scrgbClr r="0" g="0" b="0"/>
+      </a:effectRef>
+      <a:fontRef idx="minor">
+        <a:schemeClr val="lt1"/>
+      </a:fontRef>
+    </dgm:style>
+  </dgm:styleLbl>
+  <dgm:styleLbl name="lnNode1">
+    <dgm:scene3d>
+      <a:camera prst="orthographicFront"/>
+      <a:lightRig rig="threePt" dir="t"/>
+    </dgm:scene3d>
+    <dgm:sp3d/>
+    <dgm:txPr/>
+    <dgm:style>
+      <a:lnRef idx="2">
+        <a:scrgbClr r="0" g="0" b="0"/>
+      </a:lnRef>
+      <a:fillRef idx="1">
+        <a:scrgbClr r="0" g="0" b="0"/>
+      </a:fillRef>
+      <a:effectRef idx="0">
+        <a:scrgbClr r="0" g="0" b="0"/>
+      </a:effectRef>
+      <a:fontRef idx="minor">
+        <a:schemeClr val="lt1"/>
+      </a:fontRef>
+    </dgm:style>
+  </dgm:styleLbl>
+  <dgm:styleLbl name="vennNode1">
+    <dgm:scene3d>
+      <a:camera prst="orthographicFront"/>
+      <a:lightRig rig="threePt" dir="t"/>
+    </dgm:scene3d>
+    <dgm:sp3d/>
+    <dgm:txPr/>
+    <dgm:style>
+      <a:lnRef idx="2">
+        <a:scrgbClr r="0" g="0" b="0"/>
+      </a:lnRef>
+      <a:fillRef idx="1">
+        <a:scrgbClr r="0" g="0" b="0"/>
+      </a:fillRef>
+      <a:effectRef idx="0">
+        <a:scrgbClr r="0" g="0" b="0"/>
+      </a:effectRef>
+      <a:fontRef idx="minor">
+        <a:schemeClr val="tx1"/>
+      </a:fontRef>
+    </dgm:style>
+  </dgm:styleLbl>
+  <dgm:styleLbl name="alignNode1">
+    <dgm:scene3d>
+      <a:camera prst="orthographicFront"/>
+      <a:lightRig rig="threePt" dir="t"/>
+    </dgm:scene3d>
+    <dgm:sp3d/>
+    <dgm:txPr/>
+    <dgm:style>
+      <a:lnRef idx="2">
+        <a:scrgbClr r="0" g="0" b="0"/>
+      </a:lnRef>
+      <a:fillRef idx="1">
+        <a:scrgbClr r="0" g="0" b="0"/>
+      </a:fillRef>
+      <a:effectRef idx="0">
+        <a:scrgbClr r="0" g="0" b="0"/>
+      </a:effectRef>
+      <a:fontRef idx="minor">
+        <a:schemeClr val="lt1"/>
+      </a:fontRef>
+    </dgm:style>
+  </dgm:styleLbl>
+  <dgm:styleLbl name="node1">
+    <dgm:scene3d>
+      <a:camera prst="orthographicFront"/>
+      <a:lightRig rig="threePt" dir="t"/>
+    </dgm:scene3d>
+    <dgm:sp3d/>
+    <dgm:txPr/>
+    <dgm:style>
+      <a:lnRef idx="2">
+        <a:scrgbClr r="0" g="0" b="0"/>
+      </a:lnRef>
+      <a:fillRef idx="1">
+        <a:scrgbClr r="0" g="0" b="0"/>
+      </a:fillRef>
+      <a:effectRef idx="0">
+        <a:scrgbClr r="0" g="0" b="0"/>
+      </a:effectRef>
+      <a:fontRef idx="minor">
+        <a:schemeClr val="lt1"/>
+      </a:fontRef>
+    </dgm:style>
+  </dgm:styleLbl>
+  <dgm:styleLbl name="node2">
+    <dgm:scene3d>
+      <a:camera prst="orthographicFront"/>
+      <a:lightRig rig="threePt" dir="t"/>
+    </dgm:scene3d>
+    <dgm:sp3d/>
+    <dgm:txPr/>
+    <dgm:style>
+      <a:lnRef idx="2">
+        <a:scrgbClr r="0" g="0" b="0"/>
+      </a:lnRef>
+      <a:fillRef idx="1">
+        <a:scrgbClr r="0" g="0" b="0"/>
+      </a:fillRef>
+      <a:effectRef idx="0">
+        <a:scrgbClr r="0" g="0" b="0"/>
+      </a:effectRef>
+      <a:fontRef idx="minor">
+        <a:schemeClr val="lt1"/>
+      </a:fontRef>
+    </dgm:style>
+  </dgm:styleLbl>
+  <dgm:styleLbl name="node3">
+    <dgm:scene3d>
+      <a:camera prst="orthographicFront"/>
+      <a:lightRig rig="threePt" dir="t"/>
+    </dgm:scene3d>
+    <dgm:sp3d/>
+    <dgm:txPr/>
+    <dgm:style>
+      <a:lnRef idx="2">
+        <a:scrgbClr r="0" g="0" b="0"/>
+      </a:lnRef>
+      <a:fillRef idx="1">
+        <a:scrgbClr r="0" g="0" b="0"/>
+      </a:fillRef>
+      <a:effectRef idx="0">
+        <a:scrgbClr r="0" g="0" b="0"/>
+      </a:effectRef>
+      <a:fontRef idx="minor">
+        <a:schemeClr val="lt1"/>
+      </a:fontRef>
+    </dgm:style>
+  </dgm:styleLbl>
+  <dgm:styleLbl name="node4">
+    <dgm:scene3d>
+      <a:camera prst="orthographicFront"/>
+      <a:lightRig rig="threePt" dir="t"/>
+    </dgm:scene3d>
+    <dgm:sp3d/>
+    <dgm:txPr/>
+    <dgm:style>
+      <a:lnRef idx="2">
+        <a:scrgbClr r="0" g="0" b="0"/>
+      </a:lnRef>
+      <a:fillRef idx="1">
+        <a:scrgbClr r="0" g="0" b="0"/>
+      </a:fillRef>
+      <a:effectRef idx="0">
+        <a:scrgbClr r="0" g="0" b="0"/>
+      </a:effectRef>
+      <a:fontRef idx="minor">
+        <a:schemeClr val="lt1"/>
+      </a:fontRef>
+    </dgm:style>
+  </dgm:styleLbl>
+  <dgm:styleLbl name="fgImgPlace1">
+    <dgm:scene3d>
+      <a:camera prst="orthographicFront"/>
+      <a:lightRig rig="threePt" dir="t"/>
+    </dgm:scene3d>
+    <dgm:sp3d/>
+    <dgm:txPr/>
+    <dgm:style>
+      <a:lnRef idx="2">
+        <a:scrgbClr r="0" g="0" b="0"/>
+      </a:lnRef>
+      <a:fillRef idx="1">
+        <a:scrgbClr r="0" g="0" b="0"/>
+      </a:fillRef>
+      <a:effectRef idx="0">
+        <a:scrgbClr r="0" g="0" b="0"/>
+      </a:effectRef>
+      <a:fontRef idx="minor"/>
+    </dgm:style>
+  </dgm:styleLbl>
+  <dgm:styleLbl name="alignImgPlace1">
+    <dgm:scene3d>
+      <a:camera prst="orthographicFront"/>
+      <a:lightRig rig="threePt" dir="t"/>
+    </dgm:scene3d>
+    <dgm:sp3d/>
+    <dgm:txPr/>
+    <dgm:style>
+      <a:lnRef idx="2">
+        <a:scrgbClr r="0" g="0" b="0"/>
+      </a:lnRef>
+      <a:fillRef idx="1">
+        <a:scrgbClr r="0" g="0" b="0"/>
+      </a:fillRef>
+      <a:effectRef idx="0">
+        <a:scrgbClr r="0" g="0" b="0"/>
+      </a:effectRef>
+      <a:fontRef idx="minor"/>
+    </dgm:style>
+  </dgm:styleLbl>
+  <dgm:styleLbl name="bgImgPlace1">
+    <dgm:scene3d>
+      <a:camera prst="orthographicFront"/>
+      <a:lightRig rig="threePt" dir="t"/>
+    </dgm:scene3d>
+    <dgm:sp3d/>
+    <dgm:txPr/>
+    <dgm:style>
+      <a:lnRef idx="2">
+        <a:scrgbClr r="0" g="0" b="0"/>
+      </a:lnRef>
+      <a:fillRef idx="1">
+        <a:scrgbClr r="0" g="0" b="0"/>
+      </a:fillRef>
+      <a:effectRef idx="0">
+        <a:scrgbClr r="0" g="0" b="0"/>
+      </a:effectRef>
+      <a:fontRef idx="minor"/>
+    </dgm:style>
+  </dgm:styleLbl>
+  <dgm:styleLbl name="sibTrans2D1">
+    <dgm:scene3d>
+      <a:camera prst="orthographicFront"/>
+      <a:lightRig rig="threePt" dir="t"/>
+    </dgm:scene3d>
+    <dgm:sp3d/>
+    <dgm:txPr/>
+    <dgm:style>
+      <a:lnRef idx="0">
+        <a:scrgbClr r="0" g="0" b="0"/>
+      </a:lnRef>
+      <a:fillRef idx="1">
+        <a:scrgbClr r="0" g="0" b="0"/>
+      </a:fillRef>
+      <a:effectRef idx="0">
+        <a:scrgbClr r="0" g="0" b="0"/>
+      </a:effectRef>
+      <a:fontRef idx="minor">
+        <a:schemeClr val="lt1"/>
+      </a:fontRef>
+    </dgm:style>
+  </dgm:styleLbl>
+  <dgm:styleLbl name="fgSibTrans2D1">
+    <dgm:scene3d>
+      <a:camera prst="orthographicFront"/>
+      <a:lightRig rig="threePt" dir="t"/>
+    </dgm:scene3d>
+    <dgm:sp3d/>
+    <dgm:txPr/>
+    <dgm:style>
+      <a:lnRef idx="0">
+        <a:scrgbClr r="0" g="0" b="0"/>
+      </a:lnRef>
+      <a:fillRef idx="1">
+        <a:scrgbClr r="0" g="0" b="0"/>
+      </a:fillRef>
+      <a:effectRef idx="0">
+        <a:scrgbClr r="0" g="0" b="0"/>
+      </a:effectRef>
+      <a:fontRef idx="minor">
+        <a:schemeClr val="lt1"/>
+      </a:fontRef>
+    </dgm:style>
+  </dgm:styleLbl>
+  <dgm:styleLbl name="bgSibTrans2D1">
+    <dgm:scene3d>
+      <a:camera prst="orthographicFront"/>
+      <a:lightRig rig="threePt" dir="t"/>
+    </dgm:scene3d>
+    <dgm:sp3d/>
+    <dgm:txPr/>
+    <dgm:style>
+      <a:lnRef idx="0">
+        <a:scrgbClr r="0" g="0" b="0"/>
+      </a:lnRef>
+      <a:fillRef idx="1">
+        <a:scrgbClr r="0" g="0" b="0"/>
+      </a:fillRef>
+      <a:effectRef idx="0">
+        <a:scrgbClr r="0" g="0" b="0"/>
+      </a:effectRef>
+      <a:fontRef idx="minor">
+        <a:schemeClr val="lt1"/>
+      </a:fontRef>
+    </dgm:style>
+  </dgm:styleLbl>
+  <dgm:styleLbl name="sibTrans1D1">
+    <dgm:scene3d>
+      <a:camera prst="orthographicFront"/>
+      <a:lightRig rig="threePt" dir="t"/>
+    </dgm:scene3d>
+    <dgm:sp3d/>
+    <dgm:txPr/>
+    <dgm:style>
+      <a:lnRef idx="1">
+        <a:scrgbClr r="0" g="0" b="0"/>
+      </a:lnRef>
+      <a:fillRef idx="0">
+        <a:scrgbClr r="0" g="0" b="0"/>
+      </a:fillRef>
+      <a:effectRef idx="0">
+        <a:scrgbClr r="0" g="0" b="0"/>
+      </a:effectRef>
+      <a:fontRef idx="minor"/>
+    </dgm:style>
+  </dgm:styleLbl>
+  <dgm:styleLbl name="callout">
+    <dgm:scene3d>
+      <a:camera prst="orthographicFront"/>
+      <a:lightRig rig="threePt" dir="t"/>
+    </dgm:scene3d>
+    <dgm:sp3d/>
+    <dgm:txPr/>
+    <dgm:style>
+      <a:lnRef idx="2">
+        <a:scrgbClr r="0" g="0" b="0"/>
+      </a:lnRef>
+      <a:fillRef idx="1">
+        <a:scrgbClr r="0" g="0" b="0"/>
+      </a:fillRef>
+      <a:effectRef idx="0">
+        <a:scrgbClr r="0" g="0" b="0"/>
+      </a:effectRef>
+      <a:fontRef idx="minor"/>
+    </dgm:style>
+  </dgm:styleLbl>
+  <dgm:styleLbl name="asst0">
+    <dgm:scene3d>
+      <a:camera prst="orthographicFront"/>
+      <a:lightRig rig="threePt" dir="t"/>
+    </dgm:scene3d>
+    <dgm:sp3d/>
+    <dgm:txPr/>
+    <dgm:style>
+      <a:lnRef idx="2">
+        <a:scrgbClr r="0" g="0" b="0"/>
+      </a:lnRef>
+      <a:fillRef idx="1">
+        <a:scrgbClr r="0" g="0" b="0"/>
+      </a:fillRef>
+      <a:effectRef idx="0">
+        <a:scrgbClr r="0" g="0" b="0"/>
+      </a:effectRef>
+      <a:fontRef idx="minor">
+        <a:schemeClr val="lt1"/>
+      </a:fontRef>
+    </dgm:style>
+  </dgm:styleLbl>
+  <dgm:styleLbl name="asst1">
+    <dgm:scene3d>
+      <a:camera prst="orthographicFront"/>
+      <a:lightRig rig="threePt" dir="t"/>
+    </dgm:scene3d>
+    <dgm:sp3d/>
+    <dgm:txPr/>
+    <dgm:style>
+      <a:lnRef idx="2">
+        <a:scrgbClr r="0" g="0" b="0"/>
+      </a:lnRef>
+      <a:fillRef idx="1">
+        <a:scrgbClr r="0" g="0" b="0"/>
+      </a:fillRef>
+      <a:effectRef idx="0">
+        <a:scrgbClr r="0" g="0" b="0"/>
+      </a:effectRef>
+      <a:fontRef idx="minor">
+        <a:schemeClr val="lt1"/>
+      </a:fontRef>
+    </dgm:style>
+  </dgm:styleLbl>
+  <dgm:styleLbl name="asst2">
+    <dgm:scene3d>
+      <a:camera prst="orthographicFront"/>
+      <a:lightRig rig="threePt" dir="t"/>
+    </dgm:scene3d>
+    <dgm:sp3d/>
+    <dgm:txPr/>
+    <dgm:style>
+      <a:lnRef idx="2">
+        <a:scrgbClr r="0" g="0" b="0"/>
+      </a:lnRef>
+      <a:fillRef idx="1">
+        <a:scrgbClr r="0" g="0" b="0"/>
+      </a:fillRef>
+      <a:effectRef idx="0">
+        <a:scrgbClr r="0" g="0" b="0"/>
+      </a:effectRef>
+      <a:fontRef idx="minor">
+        <a:schemeClr val="lt1"/>
+      </a:fontRef>
+    </dgm:style>
+  </dgm:styleLbl>
+  <dgm:styleLbl name="asst3">
+    <dgm:scene3d>
+      <a:camera prst="orthographicFront"/>
+      <a:lightRig rig="threePt" dir="t"/>
+    </dgm:scene3d>
+    <dgm:sp3d/>
+    <dgm:txPr/>
+    <dgm:style>
+      <a:lnRef idx="2">
+        <a:scrgbClr r="0" g="0" b="0"/>
+      </a:lnRef>
+      <a:fillRef idx="1">
+        <a:scrgbClr r="0" g="0" b="0"/>
+      </a:fillRef>
+      <a:effectRef idx="0">
+        <a:scrgbClr r="0" g="0" b="0"/>
+      </a:effectRef>
+      <a:fontRef idx="minor">
+        <a:schemeClr val="lt1"/>
+      </a:fontRef>
+    </dgm:style>
+  </dgm:styleLbl>
+  <dgm:styleLbl name="asst4">
+    <dgm:scene3d>
+      <a:camera prst="orthographicFront"/>
+      <a:lightRig rig="threePt" dir="t"/>
+    </dgm:scene3d>
+    <dgm:sp3d/>
+    <dgm:txPr/>
+    <dgm:style>
+      <a:lnRef idx="2">
+        <a:scrgbClr r="0" g="0" b="0"/>
+      </a:lnRef>
+      <a:fillRef idx="1">
+        <a:scrgbClr r="0" g="0" b="0"/>
+      </a:fillRef>
+      <a:effectRef idx="0">
+        <a:scrgbClr r="0" g="0" b="0"/>
+      </a:effectRef>
+      <a:fontRef idx="minor">
+        <a:schemeClr val="lt1"/>
+      </a:fontRef>
+    </dgm:style>
+  </dgm:styleLbl>
+  <dgm:styleLbl name="parChTrans2D1">
+    <dgm:scene3d>
+      <a:camera prst="orthographicFront"/>
+      <a:lightRig rig="threePt" dir="t"/>
+    </dgm:scene3d>
+    <dgm:sp3d/>
+    <dgm:txPr/>
+    <dgm:style>
+      <a:lnRef idx="2">
+        <a:scrgbClr r="0" g="0" b="0"/>
+      </a:lnRef>
+      <a:fillRef idx="1">
+        <a:scrgbClr r="0" g="0" b="0"/>
+      </a:fillRef>
+      <a:effectRef idx="0">
+        <a:scrgbClr r="0" g="0" b="0"/>
+      </a:effectRef>
+      <a:fontRef idx="minor">
+        <a:schemeClr val="lt1"/>
+      </a:fontRef>
+    </dgm:style>
+  </dgm:styleLbl>
+  <dgm:styleLbl name="parChTrans2D2">
+    <dgm:scene3d>
+      <a:camera prst="orthographicFront"/>
+      <a:lightRig rig="threePt" dir="t"/>
+    </dgm:scene3d>
+    <dgm:sp3d/>
+    <dgm:txPr/>
+    <dgm:style>
+      <a:lnRef idx="2">
+        <a:scrgbClr r="0" g="0" b="0"/>
+      </a:lnRef>
+      <a:fillRef idx="1">
+        <a:scrgbClr r="0" g="0" b="0"/>
+      </a:fillRef>
+      <a:effectRef idx="0">
+        <a:scrgbClr r="0" g="0" b="0"/>
+      </a:effectRef>
+      <a:fontRef idx="minor">
+        <a:schemeClr val="lt1"/>
+      </a:fontRef>
+    </dgm:style>
+  </dgm:styleLbl>
+  <dgm:styleLbl name="parChTrans2D3">
+    <dgm:scene3d>
+      <a:camera prst="orthographicFront"/>
+      <a:lightRig rig="threePt" dir="t"/>
+    </dgm:scene3d>
+    <dgm:sp3d/>
+    <dgm:txPr/>
+    <dgm:style>
+      <a:lnRef idx="2">
+        <a:scrgbClr r="0" g="0" b="0"/>
+      </a:lnRef>
+      <a:fillRef idx="1">
+        <a:scrgbClr r="0" g="0" b="0"/>
+      </a:fillRef>
+      <a:effectRef idx="0">
+        <a:scrgbClr r="0" g="0" b="0"/>
+      </a:effectRef>
+      <a:fontRef idx="minor">
+        <a:schemeClr val="lt1"/>
+      </a:fontRef>
+    </dgm:style>
+  </dgm:styleLbl>
+  <dgm:styleLbl name="parChTrans2D4">
+    <dgm:scene3d>
+      <a:camera prst="orthographicFront"/>
+      <a:lightRig rig="threePt" dir="t"/>
+    </dgm:scene3d>
+    <dgm:sp3d/>
+    <dgm:txPr/>
+    <dgm:style>
+      <a:lnRef idx="2">
+        <a:scrgbClr r="0" g="0" b="0"/>
+      </a:lnRef>
+      <a:fillRef idx="1">
+        <a:scrgbClr r="0" g="0" b="0"/>
+      </a:fillRef>
+      <a:effectRef idx="0">
+        <a:scrgbClr r="0" g="0" b="0"/>
+      </a:effectRef>
+      <a:fontRef idx="minor">
+        <a:schemeClr val="lt1"/>
+      </a:fontRef>
+    </dgm:style>
+  </dgm:styleLbl>
+  <dgm:styleLbl name="parChTrans1D1">
+    <dgm:scene3d>
+      <a:camera prst="orthographicFront"/>
+      <a:lightRig rig="threePt" dir="t"/>
+    </dgm:scene3d>
+    <dgm:sp3d/>
+    <dgm:txPr/>
+    <dgm:style>
+      <a:lnRef idx="2">
+        <a:scrgbClr r="0" g="0" b="0"/>
+      </a:lnRef>
+      <a:fillRef idx="0">
+        <a:scrgbClr r="0" g="0" b="0"/>
+      </a:fillRef>
+      <a:effectRef idx="0">
+        <a:scrgbClr r="0" g="0" b="0"/>
+      </a:effectRef>
+      <a:fontRef idx="minor"/>
+    </dgm:style>
+  </dgm:styleLbl>
+  <dgm:styleLbl name="parChTrans1D2">
+    <dgm:scene3d>
+      <a:camera prst="orthographicFront"/>
+      <a:lightRig rig="threePt" dir="t"/>
+    </dgm:scene3d>
+    <dgm:sp3d/>
+    <dgm:txPr/>
+    <dgm:style>
+      <a:lnRef idx="2">
+        <a:scrgbClr r="0" g="0" b="0"/>
+      </a:lnRef>
+      <a:fillRef idx="0">
+        <a:scrgbClr r="0" g="0" b="0"/>
+      </a:fillRef>
+      <a:effectRef idx="0">
+        <a:scrgbClr r="0" g="0" b="0"/>
+      </a:effectRef>
+      <a:fontRef idx="minor"/>
+    </dgm:style>
+  </dgm:styleLbl>
+  <dgm:styleLbl name="parChTrans1D3">
+    <dgm:scene3d>
+      <a:camera prst="orthographicFront"/>
+      <a:lightRig rig="threePt" dir="t"/>
+    </dgm:scene3d>
+    <dgm:sp3d/>
+    <dgm:txPr/>
+    <dgm:style>
+      <a:lnRef idx="2">
+        <a:scrgbClr r="0" g="0" b="0"/>
+      </a:lnRef>
+      <a:fillRef idx="0">
+        <a:scrgbClr r="0" g="0" b="0"/>
+      </a:fillRef>
+      <a:effectRef idx="0">
+        <a:scrgbClr r="0" g="0" b="0"/>
+      </a:effectRef>
+      <a:fontRef idx="minor"/>
+    </dgm:style>
+  </dgm:styleLbl>
+  <dgm:styleLbl name="parChTrans1D4">
+    <dgm:scene3d>
+      <a:camera prst="orthographicFront"/>
+      <a:lightRig rig="threePt" dir="t"/>
+    </dgm:scene3d>
+    <dgm:sp3d/>
+    <dgm:txPr/>
+    <dgm:style>
+      <a:lnRef idx="2">
+        <a:scrgbClr r="0" g="0" b="0"/>
+      </a:lnRef>
+      <a:fillRef idx="0">
+        <a:scrgbClr r="0" g="0" b="0"/>
+      </a:fillRef>
+      <a:effectRef idx="0">
+        <a:scrgbClr r="0" g="0" b="0"/>
+      </a:effectRef>
+      <a:fontRef idx="minor"/>
+    </dgm:style>
+  </dgm:styleLbl>
+  <dgm:styleLbl name="fgAcc1">
+    <dgm:scene3d>
+      <a:camera prst="orthographicFront"/>
+      <a:lightRig rig="threePt" dir="t"/>
+    </dgm:scene3d>
+    <dgm:sp3d/>
+    <dgm:txPr/>
+    <dgm:style>
+      <a:lnRef idx="2">
+        <a:scrgbClr r="0" g="0" b="0"/>
+      </a:lnRef>
+      <a:fillRef idx="1">
+        <a:scrgbClr r="0" g="0" b="0"/>
+      </a:fillRef>
+      <a:effectRef idx="0">
+        <a:scrgbClr r="0" g="0" b="0"/>
+      </a:effectRef>
+      <a:fontRef idx="minor"/>
+    </dgm:style>
+  </dgm:styleLbl>
+  <dgm:styleLbl name="conFgAcc1">
+    <dgm:scene3d>
+      <a:camera prst="orthographicFront"/>
+      <a:lightRig rig="threePt" dir="t"/>
+    </dgm:scene3d>
+    <dgm:sp3d/>
+    <dgm:txPr/>
+    <dgm:style>
+      <a:lnRef idx="2">
+        <a:scrgbClr r="0" g="0" b="0"/>
+      </a:lnRef>
+      <a:fillRef idx="1">
+        <a:scrgbClr r="0" g="0" b="0"/>
+      </a:fillRef>
+      <a:effectRef idx="0">
+        <a:scrgbClr r="0" g="0" b="0"/>
+      </a:effectRef>
+      <a:fontRef idx="minor"/>
+    </dgm:style>
+  </dgm:styleLbl>
+  <dgm:styleLbl name="alignAcc1">
+    <dgm:scene3d>
+      <a:camera prst="orthographicFront"/>
+      <a:lightRig rig="threePt" dir="t"/>
+    </dgm:scene3d>
+    <dgm:sp3d/>
+    <dgm:txPr/>
+    <dgm:style>
+      <a:lnRef idx="2">
+        <a:scrgbClr r="0" g="0" b="0"/>
+      </a:lnRef>
+      <a:fillRef idx="1">
+        <a:scrgbClr r="0" g="0" b="0"/>
+      </a:fillRef>
+      <a:effectRef idx="0">
+        <a:scrgbClr r="0" g="0" b="0"/>
+      </a:effectRef>
+      <a:fontRef idx="minor"/>
+    </dgm:style>
+  </dgm:styleLbl>
+  <dgm:styleLbl name="trAlignAcc1">
+    <dgm:scene3d>
+      <a:camera prst="orthographicFront"/>
+      <a:lightRig rig="threePt" dir="t"/>
+    </dgm:scene3d>
+    <dgm:sp3d/>
+    <dgm:txPr/>
+    <dgm:style>
+      <a:lnRef idx="1">
+        <a:scrgbClr r="0" g="0" b="0"/>
+      </a:lnRef>
+      <a:fillRef idx="1">
+        <a:scrgbClr r="0" g="0" b="0"/>
+      </a:fillRef>
+      <a:effectRef idx="0">
+        <a:scrgbClr r="0" g="0" b="0"/>
+      </a:effectRef>
+      <a:fontRef idx="minor"/>
+    </dgm:style>
+  </dgm:styleLbl>
+  <dgm:styleLbl name="bgAcc1">
+    <dgm:scene3d>
+      <a:camera prst="orthographicFront"/>
+      <a:lightRig rig="threePt" dir="t"/>
+    </dgm:scene3d>
+    <dgm:sp3d/>
+    <dgm:txPr/>
+    <dgm:style>
+      <a:lnRef idx="2">
+        <a:scrgbClr r="0" g="0" b="0"/>
+      </a:lnRef>
+      <a:fillRef idx="1">
+        <a:scrgbClr r="0" g="0" b="0"/>
+      </a:fillRef>
+      <a:effectRef idx="0">
+        <a:scrgbClr r="0" g="0" b="0"/>
+      </a:effectRef>
+      <a:fontRef idx="minor"/>
+    </dgm:style>
+  </dgm:styleLbl>
+  <dgm:styleLbl name="solidFgAcc1">
+    <dgm:scene3d>
+      <a:camera prst="orthographicFront"/>
+      <a:lightRig rig="threePt" dir="t"/>
+    </dgm:scene3d>
+    <dgm:sp3d/>
+    <dgm:txPr/>
+    <dgm:style>
+      <a:lnRef idx="2">
+        <a:scrgbClr r="0" g="0" b="0"/>
+      </a:lnRef>
+      <a:fillRef idx="1">
+        <a:scrgbClr r="0" g="0" b="0"/>
+      </a:fillRef>
+      <a:effectRef idx="0">
+        <a:scrgbClr r="0" g="0" b="0"/>
+      </a:effectRef>
+      <a:fontRef idx="minor"/>
+    </dgm:style>
+  </dgm:styleLbl>
+  <dgm:styleLbl name="solidAlignAcc1">
+    <dgm:scene3d>
+      <a:camera prst="orthographicFront"/>
+      <a:lightRig rig="threePt" dir="t"/>
+    </dgm:scene3d>
+    <dgm:sp3d/>
+    <dgm:txPr/>
+    <dgm:style>
+      <a:lnRef idx="2">
+        <a:scrgbClr r="0" g="0" b="0"/>
+      </a:lnRef>
+      <a:fillRef idx="1">
+        <a:scrgbClr r="0" g="0" b="0"/>
+      </a:fillRef>
+      <a:effectRef idx="0">
+        <a:scrgbClr r="0" g="0" b="0"/>
+      </a:effectRef>
+      <a:fontRef idx="minor"/>
+    </dgm:style>
+  </dgm:styleLbl>
+  <dgm:styleLbl name="solidBgAcc1">
+    <dgm:scene3d>
+      <a:camera prst="orthographicFront"/>
+      <a:lightRig rig="threePt" dir="t"/>
+    </dgm:scene3d>
+    <dgm:sp3d/>
+    <dgm:txPr/>
+    <dgm:style>
+      <a:lnRef idx="2">
+        <a:scrgbClr r="0" g="0" b="0"/>
+      </a:lnRef>
+      <a:fillRef idx="1">
+        <a:scrgbClr r="0" g="0" b="0"/>
+      </a:fillRef>
+      <a:effectRef idx="0">
+        <a:scrgbClr r="0" g="0" b="0"/>
+      </a:effectRef>
+      <a:fontRef idx="minor"/>
+    </dgm:style>
+  </dgm:styleLbl>
+  <dgm:styleLbl name="fgAccFollowNode1">
+    <dgm:scene3d>
+      <a:camera prst="orthographicFront"/>
+      <a:lightRig rig="threePt" dir="t"/>
+    </dgm:scene3d>
+    <dgm:sp3d/>
+    <dgm:txPr/>
+    <dgm:style>
+      <a:lnRef idx="2">
+        <a:scrgbClr r="0" g="0" b="0"/>
+      </a:lnRef>
+      <a:fillRef idx="1">
+        <a:scrgbClr r="0" g="0" b="0"/>
+      </a:fillRef>
+      <a:effectRef idx="0">
+        <a:scrgbClr r="0" g="0" b="0"/>
+      </a:effectRef>
+      <a:fontRef idx="minor"/>
+    </dgm:style>
+  </dgm:styleLbl>
+  <dgm:styleLbl name="alignAccFollowNode1">
+    <dgm:scene3d>
+      <a:camera prst="orthographicFront"/>
+      <a:lightRig rig="threePt" dir="t"/>
+    </dgm:scene3d>
+    <dgm:sp3d/>
+    <dgm:txPr/>
+    <dgm:style>
+      <a:lnRef idx="2">
+        <a:scrgbClr r="0" g="0" b="0"/>
+      </a:lnRef>
+      <a:fillRef idx="1">
+        <a:scrgbClr r="0" g="0" b="0"/>
+      </a:fillRef>
+      <a:effectRef idx="0">
+        <a:scrgbClr r="0" g="0" b="0"/>
+      </a:effectRef>
+      <a:fontRef idx="minor"/>
+    </dgm:style>
+  </dgm:styleLbl>
+  <dgm:styleLbl name="bgAccFollowNode1">
+    <dgm:scene3d>
+      <a:camera prst="orthographicFront"/>
+      <a:lightRig rig="threePt" dir="t"/>
+    </dgm:scene3d>
+    <dgm:sp3d/>
+    <dgm:txPr/>
+    <dgm:style>
+      <a:lnRef idx="2">
+        <a:scrgbClr r="0" g="0" b="0"/>
+      </a:lnRef>
+      <a:fillRef idx="1">
+        <a:scrgbClr r="0" g="0" b="0"/>
+      </a:fillRef>
+      <a:effectRef idx="0">
+        <a:scrgbClr r="0" g="0" b="0"/>
+      </a:effectRef>
+      <a:fontRef idx="minor"/>
+    </dgm:style>
+  </dgm:styleLbl>
+  <dgm:styleLbl name="fgAcc0">
+    <dgm:scene3d>
+      <a:camera prst="orthographicFront"/>
+      <a:lightRig rig="threePt" dir="t"/>
+    </dgm:scene3d>
+    <dgm:sp3d/>
+    <dgm:txPr/>
+    <dgm:style>
+      <a:lnRef idx="2">
+        <a:scrgbClr r="0" g="0" b="0"/>
+      </a:lnRef>
+      <a:fillRef idx="1">
+        <a:scrgbClr r="0" g="0" b="0"/>
+      </a:fillRef>
+      <a:effectRef idx="0">
+        <a:scrgbClr r="0" g="0" b="0"/>
+      </a:effectRef>
+      <a:fontRef idx="minor"/>
+    </dgm:style>
+  </dgm:styleLbl>
+  <dgm:styleLbl name="fgAcc2">
+    <dgm:scene3d>
+      <a:camera prst="orthographicFront"/>
+      <a:lightRig rig="threePt" dir="t"/>
+    </dgm:scene3d>
+    <dgm:sp3d/>
+    <dgm:txPr/>
+    <dgm:style>
+      <a:lnRef idx="2">
+        <a:scrgbClr r="0" g="0" b="0"/>
+      </a:lnRef>
+      <a:fillRef idx="1">
+        <a:scrgbClr r="0" g="0" b="0"/>
+      </a:fillRef>
+      <a:effectRef idx="0">
+        <a:scrgbClr r="0" g="0" b="0"/>
+      </a:effectRef>
+      <a:fontRef idx="minor"/>
+    </dgm:style>
+  </dgm:styleLbl>
+  <dgm:styleLbl name="fgAcc3">
+    <dgm:scene3d>
+      <a:camera prst="orthographicFront"/>
+      <a:lightRig rig="threePt" dir="t"/>
+    </dgm:scene3d>
+    <dgm:sp3d/>
+    <dgm:txPr/>
+    <dgm:style>
+      <a:lnRef idx="2">
+        <a:scrgbClr r="0" g="0" b="0"/>
+      </a:lnRef>
+      <a:fillRef idx="1">
+        <a:scrgbClr r="0" g="0" b="0"/>
+      </a:fillRef>
+      <a:effectRef idx="0">
+        <a:scrgbClr r="0" g="0" b="0"/>
+      </a:effectRef>
+      <a:fontRef idx="minor"/>
+    </dgm:style>
+  </dgm:styleLbl>
+  <dgm:styleLbl name="fgAcc4">
+    <dgm:scene3d>
+      <a:camera prst="orthographicFront"/>
+      <a:lightRig rig="threePt" dir="t"/>
+    </dgm:scene3d>
+    <dgm:sp3d/>
+    <dgm:txPr/>
+    <dgm:style>
+      <a:lnRef idx="2">
+        <a:scrgbClr r="0" g="0" b="0"/>
+      </a:lnRef>
+      <a:fillRef idx="1">
+        <a:scrgbClr r="0" g="0" b="0"/>
+      </a:fillRef>
+      <a:effectRef idx="0">
+        <a:scrgbClr r="0" g="0" b="0"/>
+      </a:effectRef>
+      <a:fontRef idx="minor"/>
+    </dgm:style>
+  </dgm:styleLbl>
+  <dgm:styleLbl name="bgShp">
+    <dgm:scene3d>
+      <a:camera prst="orthographicFront"/>
+      <a:lightRig rig="threePt" dir="t"/>
+    </dgm:scene3d>
+    <dgm:sp3d/>
+    <dgm:txPr/>
+    <dgm:style>
+      <a:lnRef idx="0">
+        <a:scrgbClr r="0" g="0" b="0"/>
+      </a:lnRef>
+      <a:fillRef idx="1">
+        <a:scrgbClr r="0" g="0" b="0"/>
+      </a:fillRef>
+      <a:effectRef idx="0">
+        <a:scrgbClr r="0" g="0" b="0"/>
+      </a:effectRef>
+      <a:fontRef idx="minor"/>
+    </dgm:style>
+  </dgm:styleLbl>
+  <dgm:styleLbl name="dkBgShp">
+    <dgm:scene3d>
+      <a:camera prst="orthographicFront"/>
+      <a:lightRig rig="threePt" dir="t"/>
+    </dgm:scene3d>
+    <dgm:sp3d/>
+    <dgm:txPr/>
+    <dgm:style>
+      <a:lnRef idx="0">
+        <a:scrgbClr r="0" g="0" b="0"/>
+      </a:lnRef>
+      <a:fillRef idx="1">
+        <a:scrgbClr r="0" g="0" b="0"/>
+      </a:fillRef>
+      <a:effectRef idx="0">
+        <a:scrgbClr r="0" g="0" b="0"/>
+      </a:effectRef>
+      <a:fontRef idx="minor"/>
+    </dgm:style>
+  </dgm:styleLbl>
+  <dgm:styleLbl name="trBgShp">
+    <dgm:scene3d>
+      <a:camera prst="orthographicFront"/>
+      <a:lightRig rig="threePt" dir="t"/>
+    </dgm:scene3d>
+    <dgm:sp3d/>
+    <dgm:txPr/>
+    <dgm:style>
+      <a:lnRef idx="0">
+        <a:scrgbClr r="0" g="0" b="0"/>
+      </a:lnRef>
+      <a:fillRef idx="1">
+        <a:scrgbClr r="0" g="0" b="0"/>
+      </a:fillRef>
+      <a:effectRef idx="0">
+        <a:scrgbClr r="0" g="0" b="0"/>
+      </a:effectRef>
+      <a:fontRef idx="minor"/>
+    </dgm:style>
+  </dgm:styleLbl>
+  <dgm:styleLbl name="fgShp">
+    <dgm:scene3d>
+      <a:camera prst="orthographicFront"/>
+      <a:lightRig rig="threePt" dir="t"/>
+    </dgm:scene3d>
+    <dgm:sp3d/>
+    <dgm:txPr/>
+    <dgm:style>
+      <a:lnRef idx="2">
+        <a:scrgbClr r="0" g="0" b="0"/>
+      </a:lnRef>
+      <a:fillRef idx="1">
+        <a:scrgbClr r="0" g="0" b="0"/>
+      </a:fillRef>
+      <a:effectRef idx="0">
+        <a:scrgbClr r="0" g="0" b="0"/>
+      </a:effectRef>
+      <a:fontRef idx="minor"/>
+    </dgm:style>
+  </dgm:styleLbl>
+  <dgm:styleLbl name="revTx">
+    <dgm:scene3d>
+      <a:camera prst="orthographicFront"/>
+      <a:lightRig rig="threePt" dir="t"/>
+    </dgm:scene3d>
+    <dgm:sp3d/>
+    <dgm:txPr/>
+    <dgm:style>
+      <a:lnRef idx="0">
+        <a:scrgbClr r="0" g="0" b="0"/>
+      </a:lnRef>
+      <a:fillRef idx="0">
+        <a:scrgbClr r="0" g="0" b="0"/>
+      </a:fillRef>
+      <a:effectRef idx="0">
+        <a:scrgbClr r="0" g="0" b="0"/>
+      </a:effectRef>
+      <a:fontRef idx="minor"/>
+    </dgm:style>
+  </dgm:styleLbl>
+</dgm:styleDef>
 </file>
 
 <file path=ppt/slideLayouts/slideLayout1.xml><?xml version="1.0" encoding="utf-8"?>
@@ -3878,10 +7473,10 @@
       </p:pic>
       <p:pic>
         <p:nvPicPr>
-          <p:cNvPr id="5" name="Picture 4" descr="Logo&#10;&#10;Description automatically generated">
-            <a:extLst>
-              <a:ext uri="{FF2B5EF4-FFF2-40B4-BE49-F238E27FC236}">
-                <a16:creationId xmlns:a16="http://schemas.microsoft.com/office/drawing/2014/main" id="{DBB2CB09-DC56-44D5-A023-D7691AE41167}"/>
+          <p:cNvPr id="9" name="Graphic 8" descr="An organic corner shape">
+            <a:extLst>
+              <a:ext uri="{FF2B5EF4-FFF2-40B4-BE49-F238E27FC236}">
+                <a16:creationId xmlns:a16="http://schemas.microsoft.com/office/drawing/2014/main" id="{171F060C-38DC-4A9E-A477-488F849EF2E2}"/>
               </a:ext>
             </a:extLst>
           </p:cNvPr>
@@ -3896,6 +7491,9 @@
               <a:ext uri="{28A0092B-C50C-407E-A947-70E740481C1C}">
                 <a14:useLocalDpi xmlns:a14="http://schemas.microsoft.com/office/drawing/2010/main" val="0"/>
               </a:ext>
+              <a:ext uri="{96DAC541-7B7A-43D3-8B79-37D633B846F1}">
+                <asvg:svgBlip xmlns:asvg="http://schemas.microsoft.com/office/drawing/2016/SVG/main" r:embed="rId5"/>
+              </a:ext>
             </a:extLst>
           </a:blip>
           <a:stretch>
@@ -3904,8 +7502,8 @@
         </p:blipFill>
         <p:spPr>
           <a:xfrm>
-            <a:off x="3310045" y="2463270"/>
-            <a:ext cx="5568861" cy="2255388"/>
+            <a:off x="-3048" y="-19052"/>
+            <a:ext cx="4572000" cy="4572000"/>
           </a:xfrm>
           <a:prstGeom prst="rect">
             <a:avLst/>
@@ -3914,10 +7512,10 @@
       </p:pic>
       <p:pic>
         <p:nvPicPr>
-          <p:cNvPr id="9" name="Graphic 8" descr="An organic corner shape">
-            <a:extLst>
-              <a:ext uri="{FF2B5EF4-FFF2-40B4-BE49-F238E27FC236}">
-                <a16:creationId xmlns:a16="http://schemas.microsoft.com/office/drawing/2014/main" id="{171F060C-38DC-4A9E-A477-488F849EF2E2}"/>
+          <p:cNvPr id="13" name="Graphic 12" descr="A circle filled with small lines like sprinkles">
+            <a:extLst>
+              <a:ext uri="{FF2B5EF4-FFF2-40B4-BE49-F238E27FC236}">
+                <a16:creationId xmlns:a16="http://schemas.microsoft.com/office/drawing/2014/main" id="{369AA099-4643-4493-9877-3487DC643234}"/>
               </a:ext>
             </a:extLst>
           </p:cNvPr>
@@ -3927,13 +7525,13 @@
           <p:nvPr/>
         </p:nvPicPr>
         <p:blipFill>
-          <a:blip r:embed="rId5">
+          <a:blip r:embed="rId6">
             <a:extLst>
               <a:ext uri="{28A0092B-C50C-407E-A947-70E740481C1C}">
                 <a14:useLocalDpi xmlns:a14="http://schemas.microsoft.com/office/drawing/2010/main" val="0"/>
               </a:ext>
               <a:ext uri="{96DAC541-7B7A-43D3-8B79-37D633B846F1}">
-                <asvg:svgBlip xmlns:asvg="http://schemas.microsoft.com/office/drawing/2016/SVG/main" r:embed="rId6"/>
+                <asvg:svgBlip xmlns:asvg="http://schemas.microsoft.com/office/drawing/2016/SVG/main" r:embed="rId7"/>
               </a:ext>
             </a:extLst>
           </a:blip>
@@ -3943,7 +7541,7 @@
         </p:blipFill>
         <p:spPr>
           <a:xfrm>
-            <a:off x="-3048" y="-19052"/>
+            <a:off x="55186" y="-1723164"/>
             <a:ext cx="4572000" cy="4572000"/>
           </a:xfrm>
           <a:prstGeom prst="rect">
@@ -3953,10 +7551,10 @@
       </p:pic>
       <p:pic>
         <p:nvPicPr>
-          <p:cNvPr id="13" name="Graphic 12" descr="A circle filled with small lines like sprinkles">
-            <a:extLst>
-              <a:ext uri="{FF2B5EF4-FFF2-40B4-BE49-F238E27FC236}">
-                <a16:creationId xmlns:a16="http://schemas.microsoft.com/office/drawing/2014/main" id="{369AA099-4643-4493-9877-3487DC643234}"/>
+          <p:cNvPr id="17" name="Graphic 16" descr="An organic corner shape">
+            <a:extLst>
+              <a:ext uri="{FF2B5EF4-FFF2-40B4-BE49-F238E27FC236}">
+                <a16:creationId xmlns:a16="http://schemas.microsoft.com/office/drawing/2014/main" id="{6D09CDE6-5118-49A5-9492-9484822E9273}"/>
               </a:ext>
             </a:extLst>
           </p:cNvPr>
@@ -3966,13 +7564,13 @@
           <p:nvPr/>
         </p:nvPicPr>
         <p:blipFill>
-          <a:blip r:embed="rId7">
+          <a:blip r:embed="rId8">
             <a:extLst>
               <a:ext uri="{28A0092B-C50C-407E-A947-70E740481C1C}">
                 <a14:useLocalDpi xmlns:a14="http://schemas.microsoft.com/office/drawing/2010/main" val="0"/>
               </a:ext>
               <a:ext uri="{96DAC541-7B7A-43D3-8B79-37D633B846F1}">
-                <asvg:svgBlip xmlns:asvg="http://schemas.microsoft.com/office/drawing/2016/SVG/main" r:embed="rId8"/>
+                <asvg:svgBlip xmlns:asvg="http://schemas.microsoft.com/office/drawing/2016/SVG/main" r:embed="rId9"/>
               </a:ext>
             </a:extLst>
           </a:blip>
@@ -3982,45 +7580,6 @@
         </p:blipFill>
         <p:spPr>
           <a:xfrm>
-            <a:off x="55186" y="-1723164"/>
-            <a:ext cx="4572000" cy="4572000"/>
-          </a:xfrm>
-          <a:prstGeom prst="rect">
-            <a:avLst/>
-          </a:prstGeom>
-        </p:spPr>
-      </p:pic>
-      <p:pic>
-        <p:nvPicPr>
-          <p:cNvPr id="17" name="Graphic 16" descr="An organic corner shape">
-            <a:extLst>
-              <a:ext uri="{FF2B5EF4-FFF2-40B4-BE49-F238E27FC236}">
-                <a16:creationId xmlns:a16="http://schemas.microsoft.com/office/drawing/2014/main" id="{6D09CDE6-5118-49A5-9492-9484822E9273}"/>
-              </a:ext>
-            </a:extLst>
-          </p:cNvPr>
-          <p:cNvPicPr>
-            <a:picLocks noChangeAspect="1"/>
-          </p:cNvPicPr>
-          <p:nvPr/>
-        </p:nvPicPr>
-        <p:blipFill>
-          <a:blip r:embed="rId9">
-            <a:extLst>
-              <a:ext uri="{28A0092B-C50C-407E-A947-70E740481C1C}">
-                <a14:useLocalDpi xmlns:a14="http://schemas.microsoft.com/office/drawing/2010/main" val="0"/>
-              </a:ext>
-              <a:ext uri="{96DAC541-7B7A-43D3-8B79-37D633B846F1}">
-                <asvg:svgBlip xmlns:asvg="http://schemas.microsoft.com/office/drawing/2016/SVG/main" r:embed="rId10"/>
-              </a:ext>
-            </a:extLst>
-          </a:blip>
-          <a:stretch>
-            <a:fillRect/>
-          </a:stretch>
-        </p:blipFill>
-        <p:spPr>
-          <a:xfrm>
             <a:off x="7733611" y="2310991"/>
             <a:ext cx="4572000" cy="4572000"/>
           </a:xfrm>
@@ -4043,8 +7602,8 @@
         </p:nvSpPr>
         <p:spPr>
           <a:xfrm>
-            <a:off x="7444837" y="4753175"/>
-            <a:ext cx="6152604" cy="369332"/>
+            <a:off x="6206535" y="4517201"/>
+            <a:ext cx="6152604" cy="584775"/>
           </a:xfrm>
           <a:prstGeom prst="rect">
             <a:avLst/>
@@ -4059,7 +7618,7 @@
           <a:p>
             <a:pPr algn="l"/>
             <a:r>
-              <a:rPr lang="en-US" sz="1800" dirty="0">
+              <a:rPr lang="en-US" sz="3200" dirty="0">
                 <a:solidFill>
                   <a:schemeClr val="tx1">
                     <a:lumMod val="65000"/>
@@ -4088,13 +7647,13 @@
           <p:nvPr/>
         </p:nvPicPr>
         <p:blipFill>
-          <a:blip r:embed="rId7">
+          <a:blip r:embed="rId6">
             <a:extLst>
               <a:ext uri="{28A0092B-C50C-407E-A947-70E740481C1C}">
                 <a14:useLocalDpi xmlns:a14="http://schemas.microsoft.com/office/drawing/2010/main" val="0"/>
               </a:ext>
               <a:ext uri="{96DAC541-7B7A-43D3-8B79-37D633B846F1}">
-                <asvg:svgBlip xmlns:asvg="http://schemas.microsoft.com/office/drawing/2016/SVG/main" r:embed="rId8"/>
+                <asvg:svgBlip xmlns:asvg="http://schemas.microsoft.com/office/drawing/2016/SVG/main" r:embed="rId7"/>
               </a:ext>
             </a:extLst>
           </a:blip>
@@ -4106,6 +7665,132 @@
           <a:xfrm>
             <a:off x="9484751" y="3240933"/>
             <a:ext cx="4572000" cy="4572000"/>
+          </a:xfrm>
+          <a:prstGeom prst="rect">
+            <a:avLst/>
+          </a:prstGeom>
+        </p:spPr>
+      </p:pic>
+      <p:pic>
+        <p:nvPicPr>
+          <p:cNvPr id="3" name="Picture 2" descr="Logo&#10;&#10;Description automatically generated">
+            <a:extLst>
+              <a:ext uri="{FF2B5EF4-FFF2-40B4-BE49-F238E27FC236}">
+                <a16:creationId xmlns:a16="http://schemas.microsoft.com/office/drawing/2014/main" id="{255FE65A-AE3E-4A7F-B5F0-BDBB275E11AC}"/>
+              </a:ext>
+            </a:extLst>
+          </p:cNvPr>
+          <p:cNvPicPr>
+            <a:picLocks noChangeAspect="1"/>
+          </p:cNvPicPr>
+          <p:nvPr/>
+        </p:nvPicPr>
+        <p:blipFill>
+          <a:blip r:embed="rId10">
+            <a:extLst>
+              <a:ext uri="{28A0092B-C50C-407E-A947-70E740481C1C}">
+                <a14:useLocalDpi xmlns:a14="http://schemas.microsoft.com/office/drawing/2010/main" val="0"/>
+              </a:ext>
+            </a:extLst>
+          </a:blip>
+          <a:stretch>
+            <a:fillRect/>
+          </a:stretch>
+        </p:blipFill>
+        <p:spPr>
+          <a:xfrm>
+            <a:off x="2901601" y="2266948"/>
+            <a:ext cx="6385749" cy="2231201"/>
+          </a:xfrm>
+          <a:prstGeom prst="rect">
+            <a:avLst/>
+          </a:prstGeom>
+        </p:spPr>
+      </p:pic>
+      <p:pic>
+        <p:nvPicPr>
+          <p:cNvPr id="8" name="Picture 7">
+            <a:extLst>
+              <a:ext uri="{FF2B5EF4-FFF2-40B4-BE49-F238E27FC236}">
+                <a16:creationId xmlns:a16="http://schemas.microsoft.com/office/drawing/2014/main" id="{FFB58003-B4FC-4EFA-A467-581DDC363723}"/>
+              </a:ext>
+            </a:extLst>
+          </p:cNvPr>
+          <p:cNvPicPr>
+            <a:picLocks noChangeAspect="1"/>
+          </p:cNvPicPr>
+          <p:nvPr/>
+        </p:nvPicPr>
+        <p:blipFill>
+          <a:blip r:embed="rId11"/>
+          <a:stretch>
+            <a:fillRect/>
+          </a:stretch>
+        </p:blipFill>
+        <p:spPr>
+          <a:xfrm>
+            <a:off x="7138612" y="767875"/>
+            <a:ext cx="2730018" cy="2479767"/>
+          </a:xfrm>
+          <a:prstGeom prst="rect">
+            <a:avLst/>
+          </a:prstGeom>
+        </p:spPr>
+      </p:pic>
+      <p:pic>
+        <p:nvPicPr>
+          <p:cNvPr id="15" name="Picture 14">
+            <a:extLst>
+              <a:ext uri="{FF2B5EF4-FFF2-40B4-BE49-F238E27FC236}">
+                <a16:creationId xmlns:a16="http://schemas.microsoft.com/office/drawing/2014/main" id="{C3CA1561-F870-4F2F-AA11-C6540FA3292F}"/>
+              </a:ext>
+            </a:extLst>
+          </p:cNvPr>
+          <p:cNvPicPr>
+            <a:picLocks noChangeAspect="1"/>
+          </p:cNvPicPr>
+          <p:nvPr/>
+        </p:nvPicPr>
+        <p:blipFill>
+          <a:blip r:embed="rId11"/>
+          <a:stretch>
+            <a:fillRect/>
+          </a:stretch>
+        </p:blipFill>
+        <p:spPr>
+          <a:xfrm>
+            <a:off x="1801805" y="3518254"/>
+            <a:ext cx="3220178" cy="2924995"/>
+          </a:xfrm>
+          <a:prstGeom prst="rect">
+            <a:avLst/>
+          </a:prstGeom>
+        </p:spPr>
+      </p:pic>
+      <p:pic>
+        <p:nvPicPr>
+          <p:cNvPr id="21" name="Picture 20">
+            <a:extLst>
+              <a:ext uri="{FF2B5EF4-FFF2-40B4-BE49-F238E27FC236}">
+                <a16:creationId xmlns:a16="http://schemas.microsoft.com/office/drawing/2014/main" id="{64426A2A-5315-447E-8203-B214B9B5F88E}"/>
+              </a:ext>
+            </a:extLst>
+          </p:cNvPr>
+          <p:cNvPicPr>
+            <a:picLocks noChangeAspect="1"/>
+          </p:cNvPicPr>
+          <p:nvPr/>
+        </p:nvPicPr>
+        <p:blipFill>
+          <a:blip r:embed="rId12"/>
+          <a:stretch>
+            <a:fillRect/>
+          </a:stretch>
+        </p:blipFill>
+        <p:spPr>
+          <a:xfrm>
+            <a:off x="4346005" y="3717248"/>
+            <a:ext cx="2116821" cy="2087006"/>
           </a:xfrm>
           <a:prstGeom prst="rect">
             <a:avLst/>
@@ -4158,7 +7843,12 @@
             <p:ph type="title"/>
           </p:nvPr>
         </p:nvSpPr>
-        <p:spPr/>
+        <p:spPr>
+          <a:xfrm>
+            <a:off x="838199" y="1022474"/>
+            <a:ext cx="10515600" cy="1325563"/>
+          </a:xfrm>
+        </p:spPr>
         <p:txBody>
           <a:bodyPr>
             <a:normAutofit fontScale="90000"/>
@@ -4199,7 +7889,7 @@
         </p:nvSpPr>
         <p:spPr>
           <a:xfrm>
-            <a:off x="964950" y="2466322"/>
+            <a:off x="1049335" y="2649200"/>
             <a:ext cx="4992232" cy="5622201"/>
           </a:xfrm>
         </p:spPr>
@@ -4272,7 +7962,7 @@
         </p:blipFill>
         <p:spPr>
           <a:xfrm>
-            <a:off x="2812868" y="1140759"/>
+            <a:off x="2812868" y="6439925"/>
             <a:ext cx="6566263" cy="52315"/>
           </a:xfrm>
           <a:prstGeom prst="rect">
@@ -4312,80 +8002,244 @@
       </p:pic>
       <p:sp>
         <p:nvSpPr>
-          <p:cNvPr id="9" name="TextBox 8">
-            <a:extLst>
-              <a:ext uri="{FF2B5EF4-FFF2-40B4-BE49-F238E27FC236}">
-                <a16:creationId xmlns:a16="http://schemas.microsoft.com/office/drawing/2014/main" id="{52E1E54A-FB92-4CBC-9F84-9CA083832D0A}"/>
-              </a:ext>
-            </a:extLst>
-          </p:cNvPr>
-          <p:cNvSpPr txBox="1"/>
+          <p:cNvPr id="18" name="Content Placeholder 2">
+            <a:extLst>
+              <a:ext uri="{FF2B5EF4-FFF2-40B4-BE49-F238E27FC236}">
+                <a16:creationId xmlns:a16="http://schemas.microsoft.com/office/drawing/2014/main" id="{F7BC5D22-E839-4BDC-B14A-1C9A8948B3E6}"/>
+              </a:ext>
+            </a:extLst>
+          </p:cNvPr>
+          <p:cNvSpPr txBox="1">
+            <a:spLocks/>
+          </p:cNvSpPr>
           <p:nvPr/>
         </p:nvSpPr>
         <p:spPr>
           <a:xfrm>
-            <a:off x="5855330" y="2491807"/>
-            <a:ext cx="6097508" cy="1955535"/>
+            <a:off x="6150435" y="2649199"/>
+            <a:ext cx="5613403" cy="5622201"/>
           </a:xfrm>
           <a:prstGeom prst="rect">
             <a:avLst/>
           </a:prstGeom>
-          <a:noFill/>
         </p:spPr>
         <p:txBody>
-          <a:bodyPr wrap="square">
-            <a:spAutoFit/>
+          <a:bodyPr vert="horz" lIns="91440" tIns="45720" rIns="91440" bIns="45720" rtlCol="0">
+            <a:normAutofit/>
           </a:bodyPr>
-          <a:lstStyle/>
-          <a:p>
-            <a:pPr marL="457200" indent="-457200">
+          <a:lstStyle>
+            <a:lvl1pPr marL="228600" indent="-228600" algn="l" defTabSz="914400" rtl="0" eaLnBrk="1" latinLnBrk="0" hangingPunct="1">
+              <a:lnSpc>
+                <a:spcPct val="110000"/>
+              </a:lnSpc>
+              <a:spcBef>
+                <a:spcPts val="1000"/>
+              </a:spcBef>
+              <a:buClr>
+                <a:schemeClr val="accent1"/>
+              </a:buClr>
+              <a:buFont typeface="Arial" panose="020B0604020202020204" pitchFamily="34" charset="0"/>
+              <a:buChar char="•"/>
+              <a:defRPr sz="2800" kern="1200">
+                <a:solidFill>
+                  <a:schemeClr val="bg1"/>
+                </a:solidFill>
+                <a:latin typeface="+mn-lt"/>
+                <a:ea typeface="+mn-ea"/>
+                <a:cs typeface="+mn-cs"/>
+              </a:defRPr>
+            </a:lvl1pPr>
+            <a:lvl2pPr marL="685800" indent="-228600" algn="l" defTabSz="914400" rtl="0" eaLnBrk="1" latinLnBrk="0" hangingPunct="1">
+              <a:lnSpc>
+                <a:spcPct val="110000"/>
+              </a:lnSpc>
+              <a:spcBef>
+                <a:spcPts val="500"/>
+              </a:spcBef>
+              <a:buClr>
+                <a:schemeClr val="accent1"/>
+              </a:buClr>
+              <a:buFont typeface="Arial" panose="020B0604020202020204" pitchFamily="34" charset="0"/>
+              <a:buChar char="•"/>
+              <a:defRPr sz="2400" kern="1200">
+                <a:solidFill>
+                  <a:schemeClr val="bg1"/>
+                </a:solidFill>
+                <a:latin typeface="+mn-lt"/>
+                <a:ea typeface="+mn-ea"/>
+                <a:cs typeface="+mn-cs"/>
+              </a:defRPr>
+            </a:lvl2pPr>
+            <a:lvl3pPr marL="1143000" indent="-228600" algn="l" defTabSz="914400" rtl="0" eaLnBrk="1" latinLnBrk="0" hangingPunct="1">
+              <a:lnSpc>
+                <a:spcPct val="110000"/>
+              </a:lnSpc>
+              <a:spcBef>
+                <a:spcPts val="500"/>
+              </a:spcBef>
+              <a:buClr>
+                <a:schemeClr val="accent1"/>
+              </a:buClr>
+              <a:buFont typeface="Arial" panose="020B0604020202020204" pitchFamily="34" charset="0"/>
+              <a:buChar char="•"/>
+              <a:defRPr sz="2000" kern="1200">
+                <a:solidFill>
+                  <a:schemeClr val="bg1"/>
+                </a:solidFill>
+                <a:latin typeface="+mn-lt"/>
+                <a:ea typeface="+mn-ea"/>
+                <a:cs typeface="+mn-cs"/>
+              </a:defRPr>
+            </a:lvl3pPr>
+            <a:lvl4pPr marL="1600200" indent="-228600" algn="l" defTabSz="914400" rtl="0" eaLnBrk="1" latinLnBrk="0" hangingPunct="1">
+              <a:lnSpc>
+                <a:spcPct val="110000"/>
+              </a:lnSpc>
+              <a:spcBef>
+                <a:spcPts val="500"/>
+              </a:spcBef>
+              <a:buClr>
+                <a:schemeClr val="accent1"/>
+              </a:buClr>
+              <a:buFont typeface="Arial" panose="020B0604020202020204" pitchFamily="34" charset="0"/>
+              <a:buChar char="•"/>
+              <a:defRPr sz="1800" kern="1200">
+                <a:solidFill>
+                  <a:schemeClr val="bg1"/>
+                </a:solidFill>
+                <a:latin typeface="+mn-lt"/>
+                <a:ea typeface="+mn-ea"/>
+                <a:cs typeface="+mn-cs"/>
+              </a:defRPr>
+            </a:lvl4pPr>
+            <a:lvl5pPr marL="2057400" indent="-228600" algn="l" defTabSz="914400" rtl="0" eaLnBrk="1" latinLnBrk="0" hangingPunct="1">
+              <a:lnSpc>
+                <a:spcPct val="110000"/>
+              </a:lnSpc>
+              <a:spcBef>
+                <a:spcPts val="500"/>
+              </a:spcBef>
+              <a:buClr>
+                <a:schemeClr val="accent1"/>
+              </a:buClr>
+              <a:buFont typeface="Arial" panose="020B0604020202020204" pitchFamily="34" charset="0"/>
+              <a:buChar char="•"/>
+              <a:defRPr sz="1800" kern="1200">
+                <a:solidFill>
+                  <a:schemeClr val="bg1"/>
+                </a:solidFill>
+                <a:latin typeface="+mn-lt"/>
+                <a:ea typeface="+mn-ea"/>
+                <a:cs typeface="+mn-cs"/>
+              </a:defRPr>
+            </a:lvl5pPr>
+            <a:lvl6pPr marL="2514600" indent="-228600" algn="l" defTabSz="914400" rtl="0" eaLnBrk="1" latinLnBrk="0" hangingPunct="1">
+              <a:lnSpc>
+                <a:spcPct val="90000"/>
+              </a:lnSpc>
+              <a:spcBef>
+                <a:spcPts val="500"/>
+              </a:spcBef>
+              <a:buFont typeface="Arial" panose="020B0604020202020204" pitchFamily="34" charset="0"/>
+              <a:buChar char="•"/>
+              <a:defRPr sz="1800" kern="1200">
+                <a:solidFill>
+                  <a:schemeClr val="tx1"/>
+                </a:solidFill>
+                <a:latin typeface="+mn-lt"/>
+                <a:ea typeface="+mn-ea"/>
+                <a:cs typeface="+mn-cs"/>
+              </a:defRPr>
+            </a:lvl6pPr>
+            <a:lvl7pPr marL="2971800" indent="-228600" algn="l" defTabSz="914400" rtl="0" eaLnBrk="1" latinLnBrk="0" hangingPunct="1">
+              <a:lnSpc>
+                <a:spcPct val="90000"/>
+              </a:lnSpc>
+              <a:spcBef>
+                <a:spcPts val="500"/>
+              </a:spcBef>
+              <a:buFont typeface="Arial" panose="020B0604020202020204" pitchFamily="34" charset="0"/>
+              <a:buChar char="•"/>
+              <a:defRPr sz="1800" kern="1200">
+                <a:solidFill>
+                  <a:schemeClr val="tx1"/>
+                </a:solidFill>
+                <a:latin typeface="+mn-lt"/>
+                <a:ea typeface="+mn-ea"/>
+                <a:cs typeface="+mn-cs"/>
+              </a:defRPr>
+            </a:lvl7pPr>
+            <a:lvl8pPr marL="3429000" indent="-228600" algn="l" defTabSz="914400" rtl="0" eaLnBrk="1" latinLnBrk="0" hangingPunct="1">
+              <a:lnSpc>
+                <a:spcPct val="90000"/>
+              </a:lnSpc>
+              <a:spcBef>
+                <a:spcPts val="500"/>
+              </a:spcBef>
+              <a:buFont typeface="Arial" panose="020B0604020202020204" pitchFamily="34" charset="0"/>
+              <a:buChar char="•"/>
+              <a:defRPr sz="1800" kern="1200">
+                <a:solidFill>
+                  <a:schemeClr val="tx1"/>
+                </a:solidFill>
+                <a:latin typeface="+mn-lt"/>
+                <a:ea typeface="+mn-ea"/>
+                <a:cs typeface="+mn-cs"/>
+              </a:defRPr>
+            </a:lvl8pPr>
+            <a:lvl9pPr marL="3886200" indent="-228600" algn="l" defTabSz="914400" rtl="0" eaLnBrk="1" latinLnBrk="0" hangingPunct="1">
+              <a:lnSpc>
+                <a:spcPct val="90000"/>
+              </a:lnSpc>
+              <a:spcBef>
+                <a:spcPts val="500"/>
+              </a:spcBef>
+              <a:buFont typeface="Arial" panose="020B0604020202020204" pitchFamily="34" charset="0"/>
+              <a:buChar char="•"/>
+              <a:defRPr sz="1800" kern="1200">
+                <a:solidFill>
+                  <a:schemeClr val="tx1"/>
+                </a:solidFill>
+                <a:latin typeface="+mn-lt"/>
+                <a:ea typeface="+mn-ea"/>
+                <a:cs typeface="+mn-cs"/>
+              </a:defRPr>
+            </a:lvl9pPr>
+          </a:lstStyle>
+          <a:p>
+            <a:pPr marL="383540" indent="-383540">
               <a:lnSpc>
                 <a:spcPct val="150000"/>
               </a:lnSpc>
-              <a:buFont typeface="Arial" panose="020B0604020202020204" pitchFamily="34" charset="0"/>
-              <a:buChar char="•"/>
             </a:pPr>
             <a:r>
-              <a:rPr lang="en-US" sz="2800" dirty="0">
-                <a:solidFill>
-                  <a:schemeClr val="bg1"/>
-                </a:solidFill>
+              <a:rPr lang="en-US" dirty="0">
                 <a:latin typeface="Amasis MT Pro Medium" panose="02040604050005020304" pitchFamily="18" charset="0"/>
               </a:rPr>
               <a:t>Apps/Language that we used</a:t>
             </a:r>
           </a:p>
           <a:p>
-            <a:pPr marL="457200" indent="-457200">
+            <a:pPr marL="383540" indent="-383540">
               <a:lnSpc>
                 <a:spcPct val="150000"/>
               </a:lnSpc>
-              <a:buFont typeface="Arial" panose="020B0604020202020204" pitchFamily="34" charset="0"/>
-              <a:buChar char="•"/>
             </a:pPr>
             <a:r>
-              <a:rPr lang="en-US" sz="2800" dirty="0">
-                <a:solidFill>
-                  <a:schemeClr val="bg1"/>
-                </a:solidFill>
+              <a:rPr lang="en-US" dirty="0">
                 <a:latin typeface="Amasis MT Pro Medium" panose="02040604050005020304" pitchFamily="18" charset="0"/>
               </a:rPr>
               <a:t>Block Scheme</a:t>
             </a:r>
           </a:p>
           <a:p>
-            <a:pPr marL="457200" indent="-457200">
+            <a:pPr marL="383540" indent="-383540">
               <a:lnSpc>
                 <a:spcPct val="150000"/>
               </a:lnSpc>
-              <a:buFont typeface="Arial" panose="020B0604020202020204" pitchFamily="34" charset="0"/>
-              <a:buChar char="•"/>
             </a:pPr>
             <a:r>
-              <a:rPr lang="en-US" sz="2800" dirty="0">
-                <a:solidFill>
-                  <a:schemeClr val="bg1"/>
-                </a:solidFill>
+              <a:rPr lang="en-US" dirty="0">
                 <a:latin typeface="Amasis MT Pro Medium" panose="02040604050005020304" pitchFamily="18" charset="0"/>
               </a:rPr>
               <a:t>Demonstration</a:t>
@@ -4499,85 +8353,12 @@
           </a:p>
         </p:txBody>
       </p:sp>
-      <p:sp>
-        <p:nvSpPr>
-          <p:cNvPr id="18" name="Rectangle 17">
-            <a:extLst>
-              <a:ext uri="{FF2B5EF4-FFF2-40B4-BE49-F238E27FC236}">
-                <a16:creationId xmlns:a16="http://schemas.microsoft.com/office/drawing/2014/main" id="{E765FF50-D2F9-4A4F-86ED-F101E172BA93}"/>
-              </a:ext>
-              <a:ext uri="{C183D7F6-B498-43B3-948B-1728B52AA6E4}">
-                <adec:decorative xmlns:adec="http://schemas.microsoft.com/office/drawing/2017/decorative" val="1"/>
-              </a:ext>
-            </a:extLst>
-          </p:cNvPr>
-          <p:cNvSpPr>
-            <a:spLocks noGrp="1" noRot="1" noChangeAspect="1" noMove="1" noResize="1" noEditPoints="1" noAdjustHandles="1" noChangeArrowheads="1" noChangeShapeType="1" noTextEdit="1"/>
-          </p:cNvSpPr>
-          <p:nvPr>
-            <p:extLst>
-              <p:ext uri="{386F3935-93C4-4BCD-93E2-E3B085C9AB24}">
-                <p16:designElem xmlns:p16="http://schemas.microsoft.com/office/powerpoint/2015/main" val="1"/>
-              </p:ext>
-            </p:extLst>
-          </p:nvPr>
-        </p:nvSpPr>
-        <p:spPr>
-          <a:xfrm>
-            <a:off x="0" y="0"/>
-            <a:ext cx="12188952" cy="6858000"/>
-          </a:xfrm>
-          <a:prstGeom prst="rect">
-            <a:avLst/>
-          </a:prstGeom>
-          <a:solidFill>
-            <a:schemeClr val="bg2">
-              <a:alpha val="70000"/>
-            </a:schemeClr>
-          </a:solidFill>
-          <a:ln>
-            <a:noFill/>
-          </a:ln>
-        </p:spPr>
-        <p:style>
-          <a:lnRef idx="2">
-            <a:schemeClr val="accent1">
-              <a:shade val="50000"/>
-            </a:schemeClr>
-          </a:lnRef>
-          <a:fillRef idx="1">
-            <a:schemeClr val="accent1"/>
-          </a:fillRef>
-          <a:effectRef idx="0">
-            <a:schemeClr val="accent1"/>
-          </a:effectRef>
-          <a:fontRef idx="minor">
-            <a:schemeClr val="lt1"/>
-          </a:fontRef>
-        </p:style>
-        <p:txBody>
-          <a:bodyPr rtlCol="0" anchor="ctr"/>
-          <a:lstStyle/>
-          <a:p>
-            <a:pPr algn="ctr"/>
-            <a:endParaRPr lang="en-US">
-              <a:solidFill>
-                <a:schemeClr val="tx1">
-                  <a:lumMod val="65000"/>
-                  <a:lumOff val="35000"/>
-                </a:schemeClr>
-              </a:solidFill>
-              <a:latin typeface="AvenirNext LT Pro Medium" panose="020B0504020202020204" pitchFamily="34" charset="0"/>
-            </a:endParaRPr>
-          </a:p>
-        </p:txBody>
-      </p:sp>
       <p:pic>
         <p:nvPicPr>
-          <p:cNvPr id="20" name="Picture 19">
-            <a:extLst>
-              <a:ext uri="{FF2B5EF4-FFF2-40B4-BE49-F238E27FC236}">
-                <a16:creationId xmlns:a16="http://schemas.microsoft.com/office/drawing/2014/main" id="{FFECA84E-1776-4B03-9261-CF74A291DF06}"/>
+          <p:cNvPr id="22" name="Picture 21">
+            <a:extLst>
+              <a:ext uri="{FF2B5EF4-FFF2-40B4-BE49-F238E27FC236}">
+                <a16:creationId xmlns:a16="http://schemas.microsoft.com/office/drawing/2014/main" id="{2BFFF490-82EC-4000-BB36-A67FD39E3AD1}"/>
               </a:ext>
               <a:ext uri="{C183D7F6-B498-43B3-948B-1728B52AA6E4}">
                 <adec:decorative xmlns:adec="http://schemas.microsoft.com/office/drawing/2017/decorative" val="1"/>
@@ -4610,6 +8391,130 @@
               </a:ext>
             </a:extLst>
           </a:blip>
+          <a:srcRect r="46048"/>
+          <a:stretch/>
+        </p:blipFill>
+        <p:spPr>
+          <a:xfrm>
+            <a:off x="10820400" y="2356288"/>
+            <a:ext cx="1371600" cy="2548349"/>
+          </a:xfrm>
+          <a:prstGeom prst="rect">
+            <a:avLst/>
+          </a:prstGeom>
+        </p:spPr>
+      </p:pic>
+      <p:sp>
+        <p:nvSpPr>
+          <p:cNvPr id="18" name="Rectangle 17">
+            <a:extLst>
+              <a:ext uri="{FF2B5EF4-FFF2-40B4-BE49-F238E27FC236}">
+                <a16:creationId xmlns:a16="http://schemas.microsoft.com/office/drawing/2014/main" id="{E765FF50-D2F9-4A4F-86ED-F101E172BA93}"/>
+              </a:ext>
+              <a:ext uri="{C183D7F6-B498-43B3-948B-1728B52AA6E4}">
+                <adec:decorative xmlns:adec="http://schemas.microsoft.com/office/drawing/2017/decorative" val="1"/>
+              </a:ext>
+            </a:extLst>
+          </p:cNvPr>
+          <p:cNvSpPr>
+            <a:spLocks noGrp="1" noRot="1" noChangeAspect="1" noMove="1" noResize="1" noEditPoints="1" noAdjustHandles="1" noChangeArrowheads="1" noChangeShapeType="1" noTextEdit="1"/>
+          </p:cNvSpPr>
+          <p:nvPr>
+            <p:extLst>
+              <p:ext uri="{386F3935-93C4-4BCD-93E2-E3B085C9AB24}">
+                <p16:designElem xmlns:p16="http://schemas.microsoft.com/office/powerpoint/2015/main" val="1"/>
+              </p:ext>
+            </p:extLst>
+          </p:nvPr>
+        </p:nvSpPr>
+        <p:spPr>
+          <a:xfrm>
+            <a:off x="0" y="0"/>
+            <a:ext cx="12188952" cy="6858000"/>
+          </a:xfrm>
+          <a:prstGeom prst="rect">
+            <a:avLst/>
+          </a:prstGeom>
+          <a:solidFill>
+            <a:schemeClr val="bg2">
+              <a:alpha val="70000"/>
+            </a:schemeClr>
+          </a:solidFill>
+          <a:ln>
+            <a:noFill/>
+          </a:ln>
+        </p:spPr>
+        <p:style>
+          <a:lnRef idx="2">
+            <a:schemeClr val="accent1">
+              <a:shade val="50000"/>
+            </a:schemeClr>
+          </a:lnRef>
+          <a:fillRef idx="1">
+            <a:schemeClr val="accent1"/>
+          </a:fillRef>
+          <a:effectRef idx="0">
+            <a:schemeClr val="accent1"/>
+          </a:effectRef>
+          <a:fontRef idx="minor">
+            <a:schemeClr val="lt1"/>
+          </a:fontRef>
+        </p:style>
+        <p:txBody>
+          <a:bodyPr rtlCol="0" anchor="ctr"/>
+          <a:lstStyle/>
+          <a:p>
+            <a:pPr algn="ctr"/>
+            <a:endParaRPr lang="en-US">
+              <a:solidFill>
+                <a:schemeClr val="tx1">
+                  <a:lumMod val="65000"/>
+                  <a:lumOff val="35000"/>
+                </a:schemeClr>
+              </a:solidFill>
+              <a:latin typeface="AvenirNext LT Pro Medium" panose="020B0504020202020204" pitchFamily="34" charset="0"/>
+            </a:endParaRPr>
+          </a:p>
+        </p:txBody>
+      </p:sp>
+      <p:pic>
+        <p:nvPicPr>
+          <p:cNvPr id="20" name="Picture 19">
+            <a:extLst>
+              <a:ext uri="{FF2B5EF4-FFF2-40B4-BE49-F238E27FC236}">
+                <a16:creationId xmlns:a16="http://schemas.microsoft.com/office/drawing/2014/main" id="{FFECA84E-1776-4B03-9261-CF74A291DF06}"/>
+              </a:ext>
+              <a:ext uri="{C183D7F6-B498-43B3-948B-1728B52AA6E4}">
+                <adec:decorative xmlns:adec="http://schemas.microsoft.com/office/drawing/2017/decorative" val="1"/>
+              </a:ext>
+            </a:extLst>
+          </p:cNvPr>
+          <p:cNvPicPr>
+            <a:picLocks noGrp="1" noRot="1" noChangeAspect="1" noMove="1" noResize="1" noEditPoints="1" noAdjustHandles="1" noChangeArrowheads="1" noChangeShapeType="1" noCrop="1"/>
+          </p:cNvPicPr>
+          <p:nvPr>
+            <p:extLst>
+              <p:ext uri="{386F3935-93C4-4BCD-93E2-E3B085C9AB24}">
+                <p16:designElem xmlns:p16="http://schemas.microsoft.com/office/powerpoint/2015/main" val="1"/>
+              </p:ext>
+            </p:extLst>
+          </p:nvPr>
+        </p:nvPicPr>
+        <p:blipFill rotWithShape="1">
+          <a:blip r:embed="rId3">
+            <a:duotone>
+              <a:schemeClr val="accent1">
+                <a:shade val="45000"/>
+                <a:satMod val="135000"/>
+              </a:schemeClr>
+              <a:prstClr val="white"/>
+            </a:duotone>
+            <a:extLst>
+              <a:ext uri="{28A0092B-C50C-407E-A947-70E740481C1C}">
+                <a14:useLocalDpi xmlns:a14="http://schemas.microsoft.com/office/drawing/2010/main" val="0"/>
+              </a:ext>
+            </a:extLst>
+          </a:blip>
           <a:srcRect t="37018" r="40625"/>
           <a:stretch/>
         </p:blipFill>
@@ -4692,18 +8597,18 @@
         </p:nvSpPr>
         <p:spPr>
           <a:xfrm>
-            <a:off x="610092" y="2129136"/>
+            <a:off x="610092" y="2415221"/>
             <a:ext cx="2249424" cy="904101"/>
           </a:xfrm>
         </p:spPr>
         <p:txBody>
           <a:bodyPr anchor="t">
-            <a:normAutofit lnSpcReduction="10000"/>
+            <a:normAutofit fontScale="92500" lnSpcReduction="10000"/>
           </a:bodyPr>
           <a:lstStyle/>
           <a:p>
             <a:r>
-              <a:rPr lang="en-US" sz="2200" dirty="0">
+              <a:rPr lang="en-US" sz="2600" b="1" dirty="0">
                 <a:solidFill>
                   <a:schemeClr val="tx2"/>
                 </a:solidFill>
@@ -4712,7 +8617,7 @@
               <a:t>Petya </a:t>
             </a:r>
             <a:r>
-              <a:rPr lang="en-US" sz="2200" dirty="0" err="1">
+              <a:rPr lang="en-US" sz="2600" b="1" dirty="0" err="1">
                 <a:solidFill>
                   <a:schemeClr val="tx2"/>
                 </a:solidFill>
@@ -4720,7 +8625,7 @@
               </a:rPr>
               <a:t>Petkova</a:t>
             </a:r>
-            <a:endParaRPr lang="en-US" sz="2200" dirty="0">
+            <a:endParaRPr lang="en-US" sz="2600" b="1" dirty="0">
               <a:solidFill>
                 <a:schemeClr val="tx2"/>
               </a:solidFill>
@@ -4731,7 +8636,7 @@
             <a:r>
               <a:rPr lang="en-US" sz="2200" dirty="0">
                 <a:solidFill>
-                  <a:schemeClr val="tx2"/>
+                  <a:srgbClr val="972A3A"/>
                 </a:solidFill>
                 <a:latin typeface="Amasis MT Pro Medium" panose="02040604050005020304" pitchFamily="18" charset="0"/>
               </a:rPr>
@@ -4746,36 +8651,6 @@
             <a:extLst>
               <a:ext uri="{FF2B5EF4-FFF2-40B4-BE49-F238E27FC236}">
                 <a16:creationId xmlns:a16="http://schemas.microsoft.com/office/drawing/2014/main" id="{51613E4C-9516-4B92-A36A-4DC55277B751}"/>
-              </a:ext>
-            </a:extLst>
-          </p:cNvPr>
-          <p:cNvPicPr>
-            <a:picLocks noChangeAspect="1"/>
-          </p:cNvPicPr>
-          <p:nvPr/>
-        </p:nvPicPr>
-        <p:blipFill>
-          <a:blip r:embed="rId3"/>
-          <a:stretch>
-            <a:fillRect/>
-          </a:stretch>
-        </p:blipFill>
-        <p:spPr>
-          <a:xfrm>
-            <a:off x="359575" y="3503668"/>
-            <a:ext cx="2750458" cy="2801938"/>
-          </a:xfrm>
-          <a:prstGeom prst="rect">
-            <a:avLst/>
-          </a:prstGeom>
-        </p:spPr>
-      </p:pic>
-      <p:pic>
-        <p:nvPicPr>
-          <p:cNvPr id="5" name="Picture 4">
-            <a:extLst>
-              <a:ext uri="{FF2B5EF4-FFF2-40B4-BE49-F238E27FC236}">
-                <a16:creationId xmlns:a16="http://schemas.microsoft.com/office/drawing/2014/main" id="{A15480AE-0C7A-488C-AE9F-044B7A1DCA8F}"/>
               </a:ext>
             </a:extLst>
           </p:cNvPr>
@@ -4792,8 +8667,8 @@
         </p:blipFill>
         <p:spPr>
           <a:xfrm>
-            <a:off x="3242824" y="3503668"/>
-            <a:ext cx="2779832" cy="2801938"/>
+            <a:off x="359575" y="3503668"/>
+            <a:ext cx="2750458" cy="2801938"/>
           </a:xfrm>
           <a:prstGeom prst="rect">
             <a:avLst/>
@@ -4802,10 +8677,10 @@
       </p:pic>
       <p:pic>
         <p:nvPicPr>
-          <p:cNvPr id="9" name="Picture 8">
-            <a:extLst>
-              <a:ext uri="{FF2B5EF4-FFF2-40B4-BE49-F238E27FC236}">
-                <a16:creationId xmlns:a16="http://schemas.microsoft.com/office/drawing/2014/main" id="{DAA00FB4-C5BC-40C1-AA5B-CA0795E4F0D7}"/>
+          <p:cNvPr id="5" name="Picture 4">
+            <a:extLst>
+              <a:ext uri="{FF2B5EF4-FFF2-40B4-BE49-F238E27FC236}">
+                <a16:creationId xmlns:a16="http://schemas.microsoft.com/office/drawing/2014/main" id="{A15480AE-0C7A-488C-AE9F-044B7A1DCA8F}"/>
               </a:ext>
             </a:extLst>
           </p:cNvPr>
@@ -4822,6 +8697,36 @@
         </p:blipFill>
         <p:spPr>
           <a:xfrm>
+            <a:off x="3242824" y="3503668"/>
+            <a:ext cx="2779832" cy="2801938"/>
+          </a:xfrm>
+          <a:prstGeom prst="rect">
+            <a:avLst/>
+          </a:prstGeom>
+        </p:spPr>
+      </p:pic>
+      <p:pic>
+        <p:nvPicPr>
+          <p:cNvPr id="9" name="Picture 8">
+            <a:extLst>
+              <a:ext uri="{FF2B5EF4-FFF2-40B4-BE49-F238E27FC236}">
+                <a16:creationId xmlns:a16="http://schemas.microsoft.com/office/drawing/2014/main" id="{DAA00FB4-C5BC-40C1-AA5B-CA0795E4F0D7}"/>
+              </a:ext>
+            </a:extLst>
+          </p:cNvPr>
+          <p:cNvPicPr>
+            <a:picLocks noChangeAspect="1"/>
+          </p:cNvPicPr>
+          <p:nvPr/>
+        </p:nvPicPr>
+        <p:blipFill>
+          <a:blip r:embed="rId6"/>
+          <a:stretch>
+            <a:fillRect/>
+          </a:stretch>
+        </p:blipFill>
+        <p:spPr>
+          <a:xfrm>
             <a:off x="6134148" y="3513103"/>
             <a:ext cx="2817808" cy="2792503"/>
           </a:xfrm>
@@ -4845,7 +8750,7 @@
           <p:nvPr/>
         </p:nvPicPr>
         <p:blipFill rotWithShape="1">
-          <a:blip r:embed="rId6"/>
+          <a:blip r:embed="rId7"/>
           <a:srcRect l="8817"/>
           <a:stretch/>
         </p:blipFill>
@@ -4853,57 +8758,6 @@
           <a:xfrm>
             <a:off x="9075814" y="3513103"/>
             <a:ext cx="2779850" cy="2792502"/>
-          </a:xfrm>
-          <a:prstGeom prst="rect">
-            <a:avLst/>
-          </a:prstGeom>
-        </p:spPr>
-      </p:pic>
-      <p:pic>
-        <p:nvPicPr>
-          <p:cNvPr id="22" name="Picture 21">
-            <a:extLst>
-              <a:ext uri="{FF2B5EF4-FFF2-40B4-BE49-F238E27FC236}">
-                <a16:creationId xmlns:a16="http://schemas.microsoft.com/office/drawing/2014/main" id="{2BFFF490-82EC-4000-BB36-A67FD39E3AD1}"/>
-              </a:ext>
-              <a:ext uri="{C183D7F6-B498-43B3-948B-1728B52AA6E4}">
-                <adec:decorative xmlns:adec="http://schemas.microsoft.com/office/drawing/2017/decorative" val="1"/>
-              </a:ext>
-            </a:extLst>
-          </p:cNvPr>
-          <p:cNvPicPr>
-            <a:picLocks noGrp="1" noRot="1" noChangeAspect="1" noMove="1" noResize="1" noEditPoints="1" noAdjustHandles="1" noChangeArrowheads="1" noChangeShapeType="1" noCrop="1"/>
-          </p:cNvPicPr>
-          <p:nvPr>
-            <p:extLst>
-              <p:ext uri="{386F3935-93C4-4BCD-93E2-E3B085C9AB24}">
-                <p16:designElem xmlns:p16="http://schemas.microsoft.com/office/powerpoint/2015/main" val="1"/>
-              </p:ext>
-            </p:extLst>
-          </p:nvPr>
-        </p:nvPicPr>
-        <p:blipFill rotWithShape="1">
-          <a:blip r:embed="rId7">
-            <a:duotone>
-              <a:schemeClr val="accent1">
-                <a:shade val="45000"/>
-                <a:satMod val="135000"/>
-              </a:schemeClr>
-              <a:prstClr val="white"/>
-            </a:duotone>
-            <a:extLst>
-              <a:ext uri="{28A0092B-C50C-407E-A947-70E740481C1C}">
-                <a14:useLocalDpi xmlns:a14="http://schemas.microsoft.com/office/drawing/2010/main" val="0"/>
-              </a:ext>
-            </a:extLst>
-          </a:blip>
-          <a:srcRect r="46048"/>
-          <a:stretch/>
-        </p:blipFill>
-        <p:spPr>
-          <a:xfrm>
-            <a:off x="10820400" y="2356288"/>
-            <a:ext cx="1371600" cy="2548349"/>
           </a:xfrm>
           <a:prstGeom prst="rect">
             <a:avLst/>
@@ -4924,8 +8778,8 @@
         </p:nvSpPr>
         <p:spPr>
           <a:xfrm>
-            <a:off x="3625746" y="2128108"/>
-            <a:ext cx="2013987" cy="939744"/>
+            <a:off x="3508028" y="2368554"/>
+            <a:ext cx="2249424" cy="973600"/>
           </a:xfrm>
           <a:prstGeom prst="rect">
             <a:avLst/>
@@ -4950,16 +8804,25 @@
               </a:buClr>
             </a:pPr>
             <a:r>
-              <a:rPr lang="en-US" sz="2200" dirty="0">
+              <a:rPr lang="en-US" sz="2400" b="1" dirty="0" err="1">
                 <a:solidFill>
                   <a:schemeClr val="tx2"/>
                 </a:solidFill>
                 <a:latin typeface="Amasis MT Pro Medium" panose="02040604050005020304" pitchFamily="18" charset="0"/>
               </a:rPr>
-              <a:t>Ivelin </a:t>
+              <a:t>Ivelin</a:t>
             </a:r>
             <a:r>
-              <a:rPr lang="en-US" sz="2200" dirty="0" err="1">
+              <a:rPr lang="en-US" sz="2400" b="1" dirty="0">
+                <a:solidFill>
+                  <a:schemeClr val="tx2"/>
+                </a:solidFill>
+                <a:latin typeface="Amasis MT Pro Medium" panose="02040604050005020304" pitchFamily="18" charset="0"/>
+              </a:rPr>
+              <a:t> </a:t>
+            </a:r>
+            <a:r>
+              <a:rPr lang="en-US" sz="2400" b="1" dirty="0" err="1">
                 <a:solidFill>
                   <a:schemeClr val="tx2"/>
                 </a:solidFill>
@@ -4967,7 +8830,7 @@
               </a:rPr>
               <a:t>Vasilev</a:t>
             </a:r>
-            <a:endParaRPr lang="en-US" sz="2200" dirty="0">
+            <a:endParaRPr lang="en-US" sz="2400" b="1" dirty="0">
               <a:solidFill>
                 <a:schemeClr val="tx2"/>
               </a:solidFill>
@@ -4987,56 +8850,64 @@
               </a:buClr>
             </a:pPr>
             <a:r>
-              <a:rPr lang="en-US" sz="2200" dirty="0">
+              <a:rPr lang="en-US" sz="2000" dirty="0">
+                <a:solidFill>
+                  <a:srgbClr val="972A3A"/>
+                </a:solidFill>
+                <a:latin typeface="Amasis MT Pro Medium" panose="02040604050005020304" pitchFamily="18" charset="0"/>
+              </a:rPr>
+              <a:t>QA Engineer</a:t>
+            </a:r>
+          </a:p>
+        </p:txBody>
+      </p:sp>
+      <p:sp>
+        <p:nvSpPr>
+          <p:cNvPr id="19" name="TextBox 18">
+            <a:extLst>
+              <a:ext uri="{FF2B5EF4-FFF2-40B4-BE49-F238E27FC236}">
+                <a16:creationId xmlns:a16="http://schemas.microsoft.com/office/drawing/2014/main" id="{46093884-826B-4273-9604-8AA4C5F10BC8}"/>
+              </a:ext>
+            </a:extLst>
+          </p:cNvPr>
+          <p:cNvSpPr txBox="1"/>
+          <p:nvPr/>
+        </p:nvSpPr>
+        <p:spPr>
+          <a:xfrm>
+            <a:off x="6065212" y="2403303"/>
+            <a:ext cx="2955680" cy="1379288"/>
+          </a:xfrm>
+          <a:prstGeom prst="rect">
+            <a:avLst/>
+          </a:prstGeom>
+          <a:noFill/>
+        </p:spPr>
+        <p:txBody>
+          <a:bodyPr wrap="square">
+            <a:spAutoFit/>
+          </a:bodyPr>
+          <a:lstStyle/>
+          <a:p>
+            <a:pPr algn="ctr">
+              <a:lnSpc>
+                <a:spcPct val="110000"/>
+              </a:lnSpc>
+              <a:spcBef>
+                <a:spcPts val="1000"/>
+              </a:spcBef>
+            </a:pPr>
+            <a:r>
+              <a:rPr lang="en-US" sz="2400" b="1" dirty="0">
                 <a:solidFill>
                   <a:schemeClr val="tx2"/>
                 </a:solidFill>
                 <a:latin typeface="Amasis MT Pro Medium" panose="02040604050005020304" pitchFamily="18" charset="0"/>
               </a:rPr>
-              <a:t>QA Engineer</a:t>
-            </a:r>
-          </a:p>
-        </p:txBody>
-      </p:sp>
-      <p:sp>
-        <p:nvSpPr>
-          <p:cNvPr id="19" name="TextBox 18">
-            <a:extLst>
-              <a:ext uri="{FF2B5EF4-FFF2-40B4-BE49-F238E27FC236}">
-                <a16:creationId xmlns:a16="http://schemas.microsoft.com/office/drawing/2014/main" id="{46093884-826B-4273-9604-8AA4C5F10BC8}"/>
-              </a:ext>
-            </a:extLst>
-          </p:cNvPr>
-          <p:cNvSpPr txBox="1"/>
-          <p:nvPr/>
-        </p:nvSpPr>
-        <p:spPr>
-          <a:xfrm>
-            <a:off x="6346130" y="2128108"/>
-            <a:ext cx="2568212" cy="1384995"/>
-          </a:xfrm>
-          <a:prstGeom prst="rect">
-            <a:avLst/>
-          </a:prstGeom>
-          <a:noFill/>
-        </p:spPr>
-        <p:txBody>
-          <a:bodyPr wrap="square">
-            <a:spAutoFit/>
-          </a:bodyPr>
-          <a:lstStyle/>
-          <a:p>
-            <a:r>
-              <a:rPr lang="en-US" sz="2200" dirty="0">
-                <a:solidFill>
-                  <a:schemeClr val="tx2"/>
-                </a:solidFill>
-                <a:latin typeface="Amasis MT Pro Medium" panose="02040604050005020304" pitchFamily="18" charset="0"/>
-              </a:rPr>
-              <a:t>   Daniel </a:t>
+              <a:t>Daniel </a:t>
             </a:r>
             <a:r>
-              <a:rPr lang="en-US" sz="2200" dirty="0" err="1">
+              <a:rPr lang="en-US" sz="2400" b="1" dirty="0" err="1">
                 <a:solidFill>
                   <a:schemeClr val="tx2"/>
                 </a:solidFill>
@@ -5044,7 +8915,7 @@
               </a:rPr>
               <a:t>Georgiev</a:t>
             </a:r>
-            <a:endParaRPr lang="en-US" sz="2200" dirty="0">
+            <a:endParaRPr lang="en-US" sz="2400" b="1" dirty="0">
               <a:solidFill>
                 <a:schemeClr val="tx2"/>
               </a:solidFill>
@@ -5052,61 +8923,84 @@
             </a:endParaRPr>
           </a:p>
           <a:p>
-            <a:pPr algn="ctr"/>
+            <a:pPr algn="ctr">
+              <a:lnSpc>
+                <a:spcPct val="110000"/>
+              </a:lnSpc>
+              <a:spcBef>
+                <a:spcPts val="1000"/>
+              </a:spcBef>
+            </a:pPr>
             <a:r>
-              <a:rPr lang="en-US" sz="2200" dirty="0">
+              <a:rPr lang="en-US" sz="2000" dirty="0">
+                <a:solidFill>
+                  <a:srgbClr val="972A3A"/>
+                </a:solidFill>
+                <a:latin typeface="Amasis MT Pro Medium" panose="02040604050005020304" pitchFamily="18" charset="0"/>
+              </a:rPr>
+              <a:t>Front-End Developer</a:t>
+            </a:r>
+          </a:p>
+          <a:p>
+            <a:pPr algn="ctr">
+              <a:lnSpc>
+                <a:spcPct val="110000"/>
+              </a:lnSpc>
+              <a:spcBef>
+                <a:spcPts val="1000"/>
+              </a:spcBef>
+            </a:pPr>
+            <a:endParaRPr lang="en-US" dirty="0"/>
+          </a:p>
+        </p:txBody>
+      </p:sp>
+      <p:sp>
+        <p:nvSpPr>
+          <p:cNvPr id="21" name="TextBox 20">
+            <a:extLst>
+              <a:ext uri="{FF2B5EF4-FFF2-40B4-BE49-F238E27FC236}">
+                <a16:creationId xmlns:a16="http://schemas.microsoft.com/office/drawing/2014/main" id="{F5FFC842-256C-4FA6-B3EE-0CF79423A1B6}"/>
+              </a:ext>
+            </a:extLst>
+          </p:cNvPr>
+          <p:cNvSpPr txBox="1"/>
+          <p:nvPr/>
+        </p:nvSpPr>
+        <p:spPr>
+          <a:xfrm>
+            <a:off x="8958801" y="2400101"/>
+            <a:ext cx="3001283" cy="942053"/>
+          </a:xfrm>
+          <a:prstGeom prst="rect">
+            <a:avLst/>
+          </a:prstGeom>
+          <a:noFill/>
+        </p:spPr>
+        <p:txBody>
+          <a:bodyPr wrap="square">
+            <a:spAutoFit/>
+          </a:bodyPr>
+          <a:lstStyle/>
+          <a:p>
+            <a:pPr algn="ctr">
+              <a:lnSpc>
+                <a:spcPct val="110000"/>
+              </a:lnSpc>
+              <a:spcBef>
+                <a:spcPts val="1000"/>
+              </a:spcBef>
+            </a:pPr>
+            <a:r>
+              <a:rPr lang="en-US" sz="2400" b="1" dirty="0">
                 <a:solidFill>
                   <a:schemeClr val="tx2"/>
                 </a:solidFill>
                 <a:latin typeface="Amasis MT Pro Medium" panose="02040604050005020304" pitchFamily="18" charset="0"/>
               </a:rPr>
-              <a:t>Front-End Developer</a:t>
-            </a:r>
-          </a:p>
-          <a:p>
-            <a:endParaRPr lang="en-US" dirty="0"/>
-          </a:p>
-        </p:txBody>
-      </p:sp>
-      <p:sp>
-        <p:nvSpPr>
-          <p:cNvPr id="21" name="TextBox 20">
-            <a:extLst>
-              <a:ext uri="{FF2B5EF4-FFF2-40B4-BE49-F238E27FC236}">
-                <a16:creationId xmlns:a16="http://schemas.microsoft.com/office/drawing/2014/main" id="{F5FFC842-256C-4FA6-B3EE-0CF79423A1B6}"/>
-              </a:ext>
-            </a:extLst>
-          </p:cNvPr>
-          <p:cNvSpPr txBox="1"/>
-          <p:nvPr/>
-        </p:nvSpPr>
-        <p:spPr>
-          <a:xfrm>
-            <a:off x="9287453" y="2128108"/>
-            <a:ext cx="2568211" cy="1107996"/>
-          </a:xfrm>
-          <a:prstGeom prst="rect">
-            <a:avLst/>
-          </a:prstGeom>
-          <a:noFill/>
-        </p:spPr>
-        <p:txBody>
-          <a:bodyPr wrap="square">
-            <a:spAutoFit/>
-          </a:bodyPr>
-          <a:lstStyle/>
-          <a:p>
-            <a:r>
-              <a:rPr lang="en-US" sz="2200" dirty="0">
-                <a:solidFill>
-                  <a:schemeClr val="tx2"/>
-                </a:solidFill>
-                <a:latin typeface="Amasis MT Pro Medium" panose="02040604050005020304" pitchFamily="18" charset="0"/>
-              </a:rPr>
-              <a:t>   Vasil </a:t>
+              <a:t>Vasil </a:t>
             </a:r>
             <a:r>
-              <a:rPr lang="en-US" sz="2200" dirty="0" err="1">
+              <a:rPr lang="en-US" sz="2400" b="1" dirty="0" err="1">
                 <a:solidFill>
                   <a:schemeClr val="tx2"/>
                 </a:solidFill>
@@ -5114,7 +9008,7 @@
               </a:rPr>
               <a:t>Mladenov</a:t>
             </a:r>
-            <a:endParaRPr lang="en-US" sz="2200" dirty="0">
+            <a:endParaRPr lang="en-US" sz="2400" b="1" dirty="0">
               <a:solidFill>
                 <a:schemeClr val="tx2"/>
               </a:solidFill>
@@ -5122,11 +9016,18 @@
             </a:endParaRPr>
           </a:p>
           <a:p>
-            <a:pPr algn="ctr"/>
+            <a:pPr algn="ctr">
+              <a:lnSpc>
+                <a:spcPct val="110000"/>
+              </a:lnSpc>
+              <a:spcBef>
+                <a:spcPts val="1000"/>
+              </a:spcBef>
+            </a:pPr>
             <a:r>
-              <a:rPr lang="en-US" sz="2200" dirty="0">
+              <a:rPr lang="en-US" sz="2000" dirty="0">
                 <a:solidFill>
-                  <a:schemeClr val="tx2"/>
+                  <a:srgbClr val="972A3A"/>
                 </a:solidFill>
                 <a:latin typeface="Amasis MT Pro Medium" panose="02040604050005020304" pitchFamily="18" charset="0"/>
               </a:rPr>
@@ -5241,7 +9142,7 @@
         </p:nvSpPr>
         <p:spPr>
           <a:xfrm>
-            <a:off x="838200" y="728518"/>
+            <a:off x="838199" y="1043678"/>
             <a:ext cx="10515600" cy="1248201"/>
           </a:xfrm>
         </p:spPr>
@@ -5299,7 +9200,7 @@
         </p:blipFill>
         <p:spPr>
           <a:xfrm>
-            <a:off x="2812868" y="1140759"/>
+            <a:off x="2812868" y="6506950"/>
             <a:ext cx="6566263" cy="52315"/>
           </a:xfrm>
           <a:prstGeom prst="rect">
@@ -5449,7 +9350,7 @@
         </p:blipFill>
         <p:spPr>
           <a:xfrm>
-            <a:off x="924198" y="1603653"/>
+            <a:off x="2939687" y="2077511"/>
             <a:ext cx="6312625" cy="3042285"/>
           </a:xfrm>
           <a:prstGeom prst="rect">
@@ -5460,13 +9361,7 @@
               <a:srgbClr val="FFFFFF"/>
             </a:solidFill>
           </a:ln>
-          <a:effectLst>
-            <a:outerShdw blurRad="76200" dist="95250" dir="10500000" sx="97000" sy="23000" kx="900000" algn="br" rotWithShape="0">
-              <a:srgbClr val="000000">
-                <a:alpha val="20000"/>
-              </a:srgbClr>
-            </a:outerShdw>
-          </a:effectLst>
+          <a:effectLst/>
           <a:scene3d>
             <a:camera prst="orthographicFront"/>
             <a:lightRig rig="twoPt" dir="t">
@@ -5495,7 +9390,7 @@
         </p:nvSpPr>
         <p:spPr>
           <a:xfrm>
-            <a:off x="1072244" y="1939206"/>
+            <a:off x="3456526" y="2659850"/>
             <a:ext cx="5232762" cy="1689373"/>
           </a:xfrm>
           <a:prstGeom prst="rect">
@@ -5564,7 +9459,7 @@
         </p:blipFill>
         <p:spPr>
           <a:xfrm>
-            <a:off x="5787451" y="2430410"/>
+            <a:off x="7802940" y="2904268"/>
             <a:ext cx="3549004" cy="3549004"/>
           </a:xfrm>
           <a:prstGeom prst="rect">
@@ -5603,8 +9498,125 @@
         </p:blipFill>
         <p:spPr>
           <a:xfrm>
-            <a:off x="6584681" y="3118634"/>
+            <a:off x="8600170" y="3592492"/>
             <a:ext cx="2962369" cy="2962369"/>
+          </a:xfrm>
+          <a:prstGeom prst="rect">
+            <a:avLst/>
+          </a:prstGeom>
+        </p:spPr>
+      </p:pic>
+      <p:pic>
+        <p:nvPicPr>
+          <p:cNvPr id="12" name="Graphic 11" descr="Two overlapping organic shapes">
+            <a:extLst>
+              <a:ext uri="{FF2B5EF4-FFF2-40B4-BE49-F238E27FC236}">
+                <a16:creationId xmlns:a16="http://schemas.microsoft.com/office/drawing/2014/main" id="{E702E545-803A-4223-9D16-8A83C88269A8}"/>
+              </a:ext>
+            </a:extLst>
+          </p:cNvPr>
+          <p:cNvPicPr>
+            <a:picLocks noChangeAspect="1"/>
+          </p:cNvPicPr>
+          <p:nvPr/>
+        </p:nvPicPr>
+        <p:blipFill>
+          <a:blip r:embed="rId4">
+            <a:extLst>
+              <a:ext uri="{28A0092B-C50C-407E-A947-70E740481C1C}">
+                <a14:useLocalDpi xmlns:a14="http://schemas.microsoft.com/office/drawing/2010/main" val="0"/>
+              </a:ext>
+              <a:ext uri="{96DAC541-7B7A-43D3-8B79-37D633B846F1}">
+                <asvg:svgBlip xmlns:asvg="http://schemas.microsoft.com/office/drawing/2016/SVG/main" r:embed="rId5"/>
+              </a:ext>
+            </a:extLst>
+          </a:blip>
+          <a:stretch>
+            <a:fillRect/>
+          </a:stretch>
+        </p:blipFill>
+        <p:spPr>
+          <a:xfrm rot="13355047">
+            <a:off x="1508139" y="867199"/>
+            <a:ext cx="2611772" cy="2611772"/>
+          </a:xfrm>
+          <a:prstGeom prst="rect">
+            <a:avLst/>
+          </a:prstGeom>
+        </p:spPr>
+      </p:pic>
+      <p:pic>
+        <p:nvPicPr>
+          <p:cNvPr id="17" name="Graphic 16" descr="An organic shape">
+            <a:extLst>
+              <a:ext uri="{FF2B5EF4-FFF2-40B4-BE49-F238E27FC236}">
+                <a16:creationId xmlns:a16="http://schemas.microsoft.com/office/drawing/2014/main" id="{62B6C704-E32B-4A14-8A5F-8616E637FA9D}"/>
+              </a:ext>
+            </a:extLst>
+          </p:cNvPr>
+          <p:cNvPicPr>
+            <a:picLocks noChangeAspect="1"/>
+          </p:cNvPicPr>
+          <p:nvPr/>
+        </p:nvPicPr>
+        <p:blipFill>
+          <a:blip r:embed="rId8">
+            <a:extLst>
+              <a:ext uri="{28A0092B-C50C-407E-A947-70E740481C1C}">
+                <a14:useLocalDpi xmlns:a14="http://schemas.microsoft.com/office/drawing/2010/main" val="0"/>
+              </a:ext>
+              <a:ext uri="{96DAC541-7B7A-43D3-8B79-37D633B846F1}">
+                <asvg:svgBlip xmlns:asvg="http://schemas.microsoft.com/office/drawing/2016/SVG/main" r:embed="rId9"/>
+              </a:ext>
+            </a:extLst>
+          </a:blip>
+          <a:stretch>
+            <a:fillRect/>
+          </a:stretch>
+        </p:blipFill>
+        <p:spPr>
+          <a:xfrm>
+            <a:off x="1567233" y="1667778"/>
+            <a:ext cx="1927159" cy="1927159"/>
+          </a:xfrm>
+          <a:prstGeom prst="rect">
+            <a:avLst/>
+          </a:prstGeom>
+        </p:spPr>
+      </p:pic>
+      <p:pic>
+        <p:nvPicPr>
+          <p:cNvPr id="15" name="Graphic 14" descr="A circle filled with small lines like sprinkles">
+            <a:extLst>
+              <a:ext uri="{FF2B5EF4-FFF2-40B4-BE49-F238E27FC236}">
+                <a16:creationId xmlns:a16="http://schemas.microsoft.com/office/drawing/2014/main" id="{1A6A5764-CA02-4327-9B02-9DF06E4138D1}"/>
+              </a:ext>
+            </a:extLst>
+          </p:cNvPr>
+          <p:cNvPicPr>
+            <a:picLocks noChangeAspect="1"/>
+          </p:cNvPicPr>
+          <p:nvPr/>
+        </p:nvPicPr>
+        <p:blipFill>
+          <a:blip r:embed="rId6">
+            <a:extLst>
+              <a:ext uri="{28A0092B-C50C-407E-A947-70E740481C1C}">
+                <a14:useLocalDpi xmlns:a14="http://schemas.microsoft.com/office/drawing/2010/main" val="0"/>
+              </a:ext>
+              <a:ext uri="{96DAC541-7B7A-43D3-8B79-37D633B846F1}">
+                <asvg:svgBlip xmlns:asvg="http://schemas.microsoft.com/office/drawing/2016/SVG/main" r:embed="rId7"/>
+              </a:ext>
+            </a:extLst>
+          </a:blip>
+          <a:stretch>
+            <a:fillRect/>
+          </a:stretch>
+        </p:blipFill>
+        <p:spPr>
+          <a:xfrm>
+            <a:off x="758269" y="141258"/>
+            <a:ext cx="3187085" cy="3187085"/>
           </a:xfrm>
           <a:prstGeom prst="rect">
             <a:avLst/>
@@ -5859,8 +9871,8 @@
         </p:nvSpPr>
         <p:spPr>
           <a:xfrm>
-            <a:off x="1292350" y="-392828"/>
-            <a:ext cx="9601200" cy="1740411"/>
+            <a:off x="1293876" y="312574"/>
+            <a:ext cx="9601200" cy="814183"/>
           </a:xfrm>
         </p:spPr>
         <p:txBody>
@@ -5876,68 +9888,6 @@
                 </a:solidFill>
               </a:rPr>
               <a:t>Stages of Realisation</a:t>
-            </a:r>
-          </a:p>
-        </p:txBody>
-      </p:sp>
-      <p:sp>
-        <p:nvSpPr>
-          <p:cNvPr id="3" name="Subtitle 2">
-            <a:extLst>
-              <a:ext uri="{FF2B5EF4-FFF2-40B4-BE49-F238E27FC236}">
-                <a16:creationId xmlns:a16="http://schemas.microsoft.com/office/drawing/2014/main" id="{982D0083-9C72-40FD-8D1D-C0B2402A149E}"/>
-              </a:ext>
-            </a:extLst>
-          </p:cNvPr>
-          <p:cNvSpPr>
-            <a:spLocks noGrp="1"/>
-          </p:cNvSpPr>
-          <p:nvPr>
-            <p:ph type="subTitle" idx="1"/>
-          </p:nvPr>
-        </p:nvSpPr>
-        <p:spPr>
-          <a:xfrm>
-            <a:off x="2141906" y="2646453"/>
-            <a:ext cx="7902088" cy="1968018"/>
-          </a:xfrm>
-        </p:spPr>
-        <p:txBody>
-          <a:bodyPr anchor="t">
-            <a:normAutofit fontScale="92500"/>
-          </a:bodyPr>
-          <a:lstStyle/>
-          <a:p>
-            <a:r>
-              <a:rPr lang="en-US" sz="3600" dirty="0">
-                <a:solidFill>
-                  <a:schemeClr val="tx2"/>
-                </a:solidFill>
-                <a:latin typeface="Amasis MT Pro Medium" panose="02040604050005020304" pitchFamily="18" charset="0"/>
-              </a:rPr>
-              <a:t>Organization</a:t>
-            </a:r>
-          </a:p>
-          <a:p>
-            <a:r>
-              <a:rPr lang="en-US" sz="3600" dirty="0">
-                <a:solidFill>
-                  <a:schemeClr val="tx2"/>
-                </a:solidFill>
-                <a:latin typeface="Amasis MT Pro Medium" panose="02040604050005020304" pitchFamily="18" charset="0"/>
-              </a:rPr>
-              <a:t>Realisation</a:t>
-            </a:r>
-          </a:p>
-          <a:p>
-            <a:r>
-              <a:rPr lang="en-US" sz="3600" dirty="0">
-                <a:solidFill>
-                  <a:schemeClr val="tx2"/>
-                </a:solidFill>
-                <a:latin typeface="Amasis MT Pro Medium" panose="02040604050005020304" pitchFamily="18" charset="0"/>
-              </a:rPr>
-              <a:t>Presentation </a:t>
             </a:r>
           </a:p>
         </p:txBody>
@@ -5995,64 +9945,6 @@
       </p:pic>
       <p:pic>
         <p:nvPicPr>
-          <p:cNvPr id="23" name="Picture 22">
-            <a:extLst>
-              <a:ext uri="{FF2B5EF4-FFF2-40B4-BE49-F238E27FC236}">
-                <a16:creationId xmlns:a16="http://schemas.microsoft.com/office/drawing/2014/main" id="{EBD699E3-2B9C-4C05-BE07-B3BB1BC57D46}"/>
-              </a:ext>
-            </a:extLst>
-          </p:cNvPr>
-          <p:cNvPicPr>
-            <a:picLocks noChangeAspect="1"/>
-          </p:cNvPicPr>
-          <p:nvPr/>
-        </p:nvPicPr>
-        <p:blipFill rotWithShape="1">
-          <a:blip r:embed="rId4"/>
-          <a:srcRect l="54325" t="-519660" r="9302" b="-36116"/>
-          <a:stretch/>
-        </p:blipFill>
-        <p:spPr>
-          <a:xfrm>
-            <a:off x="3302199" y="1069553"/>
-            <a:ext cx="5584553" cy="376573"/>
-          </a:xfrm>
-          <a:prstGeom prst="rect">
-            <a:avLst/>
-          </a:prstGeom>
-        </p:spPr>
-      </p:pic>
-      <p:pic>
-        <p:nvPicPr>
-          <p:cNvPr id="24" name="Picture 23">
-            <a:extLst>
-              <a:ext uri="{FF2B5EF4-FFF2-40B4-BE49-F238E27FC236}">
-                <a16:creationId xmlns:a16="http://schemas.microsoft.com/office/drawing/2014/main" id="{4705BE67-B514-4157-B539-9E10A5C36E7E}"/>
-              </a:ext>
-            </a:extLst>
-          </p:cNvPr>
-          <p:cNvPicPr>
-            <a:picLocks noChangeAspect="1"/>
-          </p:cNvPicPr>
-          <p:nvPr/>
-        </p:nvPicPr>
-        <p:blipFill rotWithShape="1">
-          <a:blip r:embed="rId4"/>
-          <a:srcRect l="54325" t="-519660" r="9302" b="-36116"/>
-          <a:stretch/>
-        </p:blipFill>
-        <p:spPr>
-          <a:xfrm>
-            <a:off x="3300674" y="257164"/>
-            <a:ext cx="5584553" cy="376573"/>
-          </a:xfrm>
-          <a:prstGeom prst="rect">
-            <a:avLst/>
-          </a:prstGeom>
-        </p:spPr>
-      </p:pic>
-      <p:pic>
-        <p:nvPicPr>
           <p:cNvPr id="32" name="Graphic 31" descr="An organic corner shape">
             <a:extLst>
               <a:ext uri="{FF2B5EF4-FFF2-40B4-BE49-F238E27FC236}">
@@ -6066,13 +9958,13 @@
           <p:nvPr/>
         </p:nvPicPr>
         <p:blipFill>
-          <a:blip r:embed="rId5">
+          <a:blip r:embed="rId4">
             <a:extLst>
               <a:ext uri="{28A0092B-C50C-407E-A947-70E740481C1C}">
                 <a14:useLocalDpi xmlns:a14="http://schemas.microsoft.com/office/drawing/2010/main" val="0"/>
               </a:ext>
               <a:ext uri="{96DAC541-7B7A-43D3-8B79-37D633B846F1}">
-                <asvg:svgBlip xmlns:asvg="http://schemas.microsoft.com/office/drawing/2016/SVG/main" r:embed="rId6"/>
+                <asvg:svgBlip xmlns:asvg="http://schemas.microsoft.com/office/drawing/2016/SVG/main" r:embed="rId5"/>
               </a:ext>
             </a:extLst>
           </a:blip>
@@ -6105,13 +9997,13 @@
           <p:nvPr/>
         </p:nvPicPr>
         <p:blipFill>
-          <a:blip r:embed="rId7">
+          <a:blip r:embed="rId6">
             <a:extLst>
               <a:ext uri="{28A0092B-C50C-407E-A947-70E740481C1C}">
                 <a14:useLocalDpi xmlns:a14="http://schemas.microsoft.com/office/drawing/2010/main" val="0"/>
               </a:ext>
               <a:ext uri="{96DAC541-7B7A-43D3-8B79-37D633B846F1}">
-                <asvg:svgBlip xmlns:asvg="http://schemas.microsoft.com/office/drawing/2016/SVG/main" r:embed="rId8"/>
+                <asvg:svgBlip xmlns:asvg="http://schemas.microsoft.com/office/drawing/2016/SVG/main" r:embed="rId7"/>
               </a:ext>
             </a:extLst>
           </a:blip>
@@ -6144,13 +10036,13 @@
           <p:nvPr/>
         </p:nvPicPr>
         <p:blipFill>
-          <a:blip r:embed="rId9">
+          <a:blip r:embed="rId8">
             <a:extLst>
               <a:ext uri="{28A0092B-C50C-407E-A947-70E740481C1C}">
                 <a14:useLocalDpi xmlns:a14="http://schemas.microsoft.com/office/drawing/2010/main" val="0"/>
               </a:ext>
               <a:ext uri="{96DAC541-7B7A-43D3-8B79-37D633B846F1}">
-                <asvg:svgBlip xmlns:asvg="http://schemas.microsoft.com/office/drawing/2016/SVG/main" r:embed="rId10"/>
+                <asvg:svgBlip xmlns:asvg="http://schemas.microsoft.com/office/drawing/2016/SVG/main" r:embed="rId9"/>
               </a:ext>
             </a:extLst>
           </a:blip>
@@ -6183,13 +10075,13 @@
           <p:nvPr/>
         </p:nvPicPr>
         <p:blipFill>
-          <a:blip r:embed="rId9">
+          <a:blip r:embed="rId8">
             <a:extLst>
               <a:ext uri="{28A0092B-C50C-407E-A947-70E740481C1C}">
                 <a14:useLocalDpi xmlns:a14="http://schemas.microsoft.com/office/drawing/2010/main" val="0"/>
               </a:ext>
               <a:ext uri="{96DAC541-7B7A-43D3-8B79-37D633B846F1}">
-                <asvg:svgBlip xmlns:asvg="http://schemas.microsoft.com/office/drawing/2016/SVG/main" r:embed="rId10"/>
+                <asvg:svgBlip xmlns:asvg="http://schemas.microsoft.com/office/drawing/2016/SVG/main" r:embed="rId9"/>
               </a:ext>
             </a:extLst>
           </a:blip>
@@ -6207,6 +10099,34 @@
           </a:prstGeom>
         </p:spPr>
       </p:pic>
+      <p:graphicFrame>
+        <p:nvGraphicFramePr>
+          <p:cNvPr id="6" name="Diagram 5">
+            <a:extLst>
+              <a:ext uri="{FF2B5EF4-FFF2-40B4-BE49-F238E27FC236}">
+                <a16:creationId xmlns:a16="http://schemas.microsoft.com/office/drawing/2014/main" id="{83AB89EB-C775-43A2-8646-1FB753F825AF}"/>
+              </a:ext>
+            </a:extLst>
+          </p:cNvPr>
+          <p:cNvGraphicFramePr/>
+          <p:nvPr>
+            <p:extLst>
+              <p:ext uri="{D42A27DB-BD31-4B8C-83A1-F6EECF244321}">
+                <p14:modId xmlns:p14="http://schemas.microsoft.com/office/powerpoint/2010/main" val="42063775"/>
+              </p:ext>
+            </p:extLst>
+          </p:nvPr>
+        </p:nvGraphicFramePr>
+        <p:xfrm>
+          <a:off x="2032000" y="719666"/>
+          <a:ext cx="8128000" cy="5418667"/>
+        </p:xfrm>
+        <a:graphic>
+          <a:graphicData uri="http://schemas.openxmlformats.org/drawingml/2006/diagram">
+            <dgm:relIds xmlns:dgm="http://schemas.openxmlformats.org/drawingml/2006/diagram" xmlns:r="http://schemas.openxmlformats.org/officeDocument/2006/relationships" r:dm="rId10" r:lo="rId11" r:qs="rId12" r:cs="rId13"/>
+          </a:graphicData>
+        </a:graphic>
+      </p:graphicFrame>
     </p:spTree>
     <p:extLst>
       <p:ext uri="{BB962C8B-B14F-4D97-AF65-F5344CB8AC3E}">
@@ -6406,7 +10326,7 @@
         </p:blipFill>
         <p:spPr>
           <a:xfrm rot="16200000">
-            <a:off x="95155" y="4204912"/>
+            <a:off x="-712" y="4100373"/>
             <a:ext cx="1352739" cy="1352739"/>
           </a:xfrm>
           <a:prstGeom prst="rect">
@@ -6446,331 +10366,182 @@
       </p:pic>
       <p:pic>
         <p:nvPicPr>
-          <p:cNvPr id="1026" name="Picture 2" descr="Visual Studio logo and symbol, meaning, history, PNG">
-            <a:extLst>
-              <a:ext uri="{FF2B5EF4-FFF2-40B4-BE49-F238E27FC236}">
-                <a16:creationId xmlns:a16="http://schemas.microsoft.com/office/drawing/2014/main" id="{503FAC4A-0676-44A8-BC0C-DB6C269917B5}"/>
+          <p:cNvPr id="10" name="Picture 9">
+            <a:extLst>
+              <a:ext uri="{FF2B5EF4-FFF2-40B4-BE49-F238E27FC236}">
+                <a16:creationId xmlns:a16="http://schemas.microsoft.com/office/drawing/2014/main" id="{5A788B70-9FA1-47B8-AFE9-CE1FA2796943}"/>
               </a:ext>
             </a:extLst>
           </p:cNvPr>
           <p:cNvPicPr>
-            <a:picLocks noChangeAspect="1" noChangeArrowheads="1"/>
+            <a:picLocks noChangeAspect="1"/>
           </p:cNvPicPr>
           <p:nvPr/>
         </p:nvPicPr>
         <p:blipFill>
-          <a:blip r:embed="rId4">
-            <a:extLst>
-              <a:ext uri="{28A0092B-C50C-407E-A947-70E740481C1C}">
-                <a14:useLocalDpi xmlns:a14="http://schemas.microsoft.com/office/drawing/2010/main" val="0"/>
-              </a:ext>
-            </a:extLst>
-          </a:blip>
-          <a:srcRect/>
+          <a:blip r:embed="rId4"/>
           <a:stretch>
             <a:fillRect/>
           </a:stretch>
         </p:blipFill>
-        <p:spPr bwMode="auto">
+        <p:spPr>
           <a:xfrm>
-            <a:off x="846374" y="1919652"/>
-            <a:ext cx="2560256" cy="1600160"/>
+            <a:off x="1676544" y="2036773"/>
+            <a:ext cx="2712014" cy="1691780"/>
           </a:xfrm>
           <a:prstGeom prst="rect">
             <a:avLst/>
           </a:prstGeom>
-          <a:noFill/>
-          <a:extLst>
-            <a:ext uri="{909E8E84-426E-40DD-AFC4-6F175D3DCCD1}">
-              <a14:hiddenFill xmlns:a14="http://schemas.microsoft.com/office/drawing/2010/main">
-                <a:solidFill>
-                  <a:srgbClr val="FFFFFF"/>
-                </a:solidFill>
-              </a14:hiddenFill>
-            </a:ext>
-          </a:extLst>
         </p:spPr>
       </p:pic>
       <p:pic>
         <p:nvPicPr>
-          <p:cNvPr id="1028" name="Picture 4" descr="GitHub Logo, history, meaning, symbol, PNG">
-            <a:extLst>
-              <a:ext uri="{FF2B5EF4-FFF2-40B4-BE49-F238E27FC236}">
-                <a16:creationId xmlns:a16="http://schemas.microsoft.com/office/drawing/2014/main" id="{360FC806-A2F9-4C4E-ABDD-D4E7F3147FC1}"/>
+          <p:cNvPr id="12" name="Picture 11">
+            <a:extLst>
+              <a:ext uri="{FF2B5EF4-FFF2-40B4-BE49-F238E27FC236}">
+                <a16:creationId xmlns:a16="http://schemas.microsoft.com/office/drawing/2014/main" id="{2791A274-43A2-4D61-8FBA-B3356ED537D5}"/>
               </a:ext>
             </a:extLst>
           </p:cNvPr>
           <p:cNvPicPr>
-            <a:picLocks noChangeAspect="1" noChangeArrowheads="1"/>
+            <a:picLocks noChangeAspect="1"/>
           </p:cNvPicPr>
           <p:nvPr/>
         </p:nvPicPr>
         <p:blipFill>
-          <a:blip r:embed="rId5">
-            <a:extLst>
-              <a:ext uri="{28A0092B-C50C-407E-A947-70E740481C1C}">
-                <a14:useLocalDpi xmlns:a14="http://schemas.microsoft.com/office/drawing/2010/main" val="0"/>
-              </a:ext>
-            </a:extLst>
-          </a:blip>
-          <a:srcRect/>
+          <a:blip r:embed="rId5"/>
           <a:stretch>
             <a:fillRect/>
           </a:stretch>
         </p:blipFill>
-        <p:spPr bwMode="auto">
+        <p:spPr>
           <a:xfrm>
-            <a:off x="3168726" y="2719732"/>
-            <a:ext cx="2844730" cy="1600161"/>
+            <a:off x="4169151" y="1854419"/>
+            <a:ext cx="3180067" cy="2056489"/>
           </a:xfrm>
           <a:prstGeom prst="rect">
             <a:avLst/>
           </a:prstGeom>
-          <a:noFill/>
-          <a:extLst>
-            <a:ext uri="{909E8E84-426E-40DD-AFC4-6F175D3DCCD1}">
-              <a14:hiddenFill xmlns:a14="http://schemas.microsoft.com/office/drawing/2010/main">
-                <a:solidFill>
-                  <a:srgbClr val="FFFFFF"/>
-                </a:solidFill>
-              </a14:hiddenFill>
-            </a:ext>
-          </a:extLst>
         </p:spPr>
       </p:pic>
       <p:pic>
         <p:nvPicPr>
-          <p:cNvPr id="1030" name="Picture 6" descr="Microsoft Teams Logo transparent PNG - StickPNG">
-            <a:extLst>
-              <a:ext uri="{FF2B5EF4-FFF2-40B4-BE49-F238E27FC236}">
-                <a16:creationId xmlns:a16="http://schemas.microsoft.com/office/drawing/2014/main" id="{BA5DC793-46CF-4AD6-A621-A986E42BD79D}"/>
+          <p:cNvPr id="19" name="Picture 18">
+            <a:extLst>
+              <a:ext uri="{FF2B5EF4-FFF2-40B4-BE49-F238E27FC236}">
+                <a16:creationId xmlns:a16="http://schemas.microsoft.com/office/drawing/2014/main" id="{4D62A0C0-550B-4343-913C-DF83B6B4AB4B}"/>
               </a:ext>
             </a:extLst>
           </p:cNvPr>
           <p:cNvPicPr>
-            <a:picLocks noChangeAspect="1" noChangeArrowheads="1"/>
+            <a:picLocks noChangeAspect="1"/>
           </p:cNvPicPr>
           <p:nvPr/>
         </p:nvPicPr>
         <p:blipFill>
-          <a:blip r:embed="rId6">
-            <a:extLst>
-              <a:ext uri="{28A0092B-C50C-407E-A947-70E740481C1C}">
-                <a14:useLocalDpi xmlns:a14="http://schemas.microsoft.com/office/drawing/2010/main" val="0"/>
-              </a:ext>
-            </a:extLst>
-          </a:blip>
-          <a:srcRect/>
+          <a:blip r:embed="rId6"/>
           <a:stretch>
             <a:fillRect/>
           </a:stretch>
         </p:blipFill>
-        <p:spPr bwMode="auto">
+        <p:spPr>
           <a:xfrm>
-            <a:off x="5713819" y="1240429"/>
-            <a:ext cx="2560256" cy="2560256"/>
+            <a:off x="6821921" y="1215189"/>
+            <a:ext cx="3379180" cy="3379180"/>
           </a:xfrm>
           <a:prstGeom prst="rect">
             <a:avLst/>
           </a:prstGeom>
-          <a:noFill/>
-          <a:extLst>
-            <a:ext uri="{909E8E84-426E-40DD-AFC4-6F175D3DCCD1}">
-              <a14:hiddenFill xmlns:a14="http://schemas.microsoft.com/office/drawing/2010/main">
-                <a:solidFill>
-                  <a:srgbClr val="FFFFFF"/>
-                </a:solidFill>
-              </a14:hiddenFill>
-            </a:ext>
-          </a:extLst>
         </p:spPr>
       </p:pic>
       <p:pic>
         <p:nvPicPr>
-          <p:cNvPr id="1032" name="Picture 8" descr="Discord Logo Png - Free Transparent PNG Logos">
-            <a:extLst>
-              <a:ext uri="{FF2B5EF4-FFF2-40B4-BE49-F238E27FC236}">
-                <a16:creationId xmlns:a16="http://schemas.microsoft.com/office/drawing/2014/main" id="{CB5DB33F-E6B7-4668-982B-A9A5F700C280}"/>
+          <p:cNvPr id="25" name="Picture 24">
+            <a:extLst>
+              <a:ext uri="{FF2B5EF4-FFF2-40B4-BE49-F238E27FC236}">
+                <a16:creationId xmlns:a16="http://schemas.microsoft.com/office/drawing/2014/main" id="{37091133-5F2B-41D2-A777-74CA55C135F8}"/>
               </a:ext>
             </a:extLst>
           </p:cNvPr>
           <p:cNvPicPr>
-            <a:picLocks noChangeAspect="1" noChangeArrowheads="1"/>
+            <a:picLocks noChangeAspect="1"/>
           </p:cNvPicPr>
           <p:nvPr/>
         </p:nvPicPr>
         <p:blipFill>
-          <a:blip r:embed="rId7">
-            <a:extLst>
-              <a:ext uri="{28A0092B-C50C-407E-A947-70E740481C1C}">
-                <a14:useLocalDpi xmlns:a14="http://schemas.microsoft.com/office/drawing/2010/main" val="0"/>
-              </a:ext>
-            </a:extLst>
-          </a:blip>
-          <a:srcRect/>
+          <a:blip r:embed="rId7"/>
           <a:stretch>
             <a:fillRect/>
           </a:stretch>
         </p:blipFill>
-        <p:spPr bwMode="auto">
+        <p:spPr>
           <a:xfrm>
-            <a:off x="5611246" y="4197032"/>
-            <a:ext cx="1830786" cy="1830786"/>
+            <a:off x="2075304" y="4486307"/>
+            <a:ext cx="1910074" cy="1691780"/>
           </a:xfrm>
           <a:prstGeom prst="rect">
             <a:avLst/>
           </a:prstGeom>
-          <a:noFill/>
-          <a:extLst>
-            <a:ext uri="{909E8E84-426E-40DD-AFC4-6F175D3DCCD1}">
-              <a14:hiddenFill xmlns:a14="http://schemas.microsoft.com/office/drawing/2010/main">
-                <a:solidFill>
-                  <a:srgbClr val="FFFFFF"/>
-                </a:solidFill>
-              </a14:hiddenFill>
-            </a:ext>
-          </a:extLst>
         </p:spPr>
       </p:pic>
       <p:pic>
         <p:nvPicPr>
-          <p:cNvPr id="1034" name="Picture 10" descr="Microsoft Word Reviews: Pricing &amp;amp; Software Features 2022 -  Financesonline.com">
-            <a:extLst>
-              <a:ext uri="{FF2B5EF4-FFF2-40B4-BE49-F238E27FC236}">
-                <a16:creationId xmlns:a16="http://schemas.microsoft.com/office/drawing/2014/main" id="{0EDE11CC-2F7B-4300-A5C2-261C20FCB03E}"/>
+          <p:cNvPr id="27" name="Picture 26">
+            <a:extLst>
+              <a:ext uri="{FF2B5EF4-FFF2-40B4-BE49-F238E27FC236}">
+                <a16:creationId xmlns:a16="http://schemas.microsoft.com/office/drawing/2014/main" id="{96644AC5-98A2-4E09-8266-97DABECB63C8}"/>
               </a:ext>
             </a:extLst>
           </p:cNvPr>
           <p:cNvPicPr>
-            <a:picLocks noChangeAspect="1" noChangeArrowheads="1"/>
+            <a:picLocks noChangeAspect="1"/>
           </p:cNvPicPr>
           <p:nvPr/>
         </p:nvPicPr>
         <p:blipFill>
-          <a:blip r:embed="rId8">
-            <a:extLst>
-              <a:ext uri="{28A0092B-C50C-407E-A947-70E740481C1C}">
-                <a14:useLocalDpi xmlns:a14="http://schemas.microsoft.com/office/drawing/2010/main" val="0"/>
-              </a:ext>
-            </a:extLst>
-          </a:blip>
-          <a:srcRect/>
+          <a:blip r:embed="rId8"/>
           <a:stretch>
             <a:fillRect/>
           </a:stretch>
         </p:blipFill>
-        <p:spPr bwMode="auto">
+        <p:spPr>
           <a:xfrm>
-            <a:off x="721634" y="4303060"/>
-            <a:ext cx="3956896" cy="1618730"/>
+            <a:off x="4707943" y="4280954"/>
+            <a:ext cx="2102485" cy="2102485"/>
           </a:xfrm>
           <a:prstGeom prst="rect">
             <a:avLst/>
           </a:prstGeom>
-          <a:noFill/>
-          <a:extLst>
-            <a:ext uri="{909E8E84-426E-40DD-AFC4-6F175D3DCCD1}">
-              <a14:hiddenFill xmlns:a14="http://schemas.microsoft.com/office/drawing/2010/main">
-                <a:solidFill>
-                  <a:srgbClr val="FFFFFF"/>
-                </a:solidFill>
-              </a14:hiddenFill>
-            </a:ext>
-          </a:extLst>
         </p:spPr>
       </p:pic>
       <p:pic>
         <p:nvPicPr>
-          <p:cNvPr id="1036" name="Picture 12">
-            <a:extLst>
-              <a:ext uri="{FF2B5EF4-FFF2-40B4-BE49-F238E27FC236}">
-                <a16:creationId xmlns:a16="http://schemas.microsoft.com/office/drawing/2014/main" id="{23597797-A098-4895-B98B-4E8AFE9E0687}"/>
+          <p:cNvPr id="31" name="Picture 30">
+            <a:extLst>
+              <a:ext uri="{FF2B5EF4-FFF2-40B4-BE49-F238E27FC236}">
+                <a16:creationId xmlns:a16="http://schemas.microsoft.com/office/drawing/2014/main" id="{DDF9AC78-DDC4-46F3-9B85-6EDCEE3AE9AD}"/>
               </a:ext>
             </a:extLst>
           </p:cNvPr>
           <p:cNvPicPr>
-            <a:picLocks noChangeAspect="1" noChangeArrowheads="1"/>
+            <a:picLocks noChangeAspect="1"/>
           </p:cNvPicPr>
           <p:nvPr/>
         </p:nvPicPr>
         <p:blipFill>
-          <a:blip r:embed="rId9">
-            <a:extLst>
-              <a:ext uri="{28A0092B-C50C-407E-A947-70E740481C1C}">
-                <a14:useLocalDpi xmlns:a14="http://schemas.microsoft.com/office/drawing/2010/main" val="0"/>
-              </a:ext>
-            </a:extLst>
-          </a:blip>
-          <a:srcRect/>
+          <a:blip r:embed="rId9"/>
           <a:stretch>
             <a:fillRect/>
           </a:stretch>
         </p:blipFill>
-        <p:spPr bwMode="auto">
+        <p:spPr>
           <a:xfrm>
-            <a:off x="7651725" y="2818838"/>
-            <a:ext cx="1963694" cy="1963694"/>
+            <a:off x="7533705" y="4486307"/>
+            <a:ext cx="1955613" cy="1830786"/>
           </a:xfrm>
           <a:prstGeom prst="rect">
             <a:avLst/>
           </a:prstGeom>
-          <a:noFill/>
-          <a:extLst>
-            <a:ext uri="{909E8E84-426E-40DD-AFC4-6F175D3DCCD1}">
-              <a14:hiddenFill xmlns:a14="http://schemas.microsoft.com/office/drawing/2010/main">
-                <a:solidFill>
-                  <a:srgbClr val="FFFFFF"/>
-                </a:solidFill>
-              </a14:hiddenFill>
-            </a:ext>
-          </a:extLst>
-        </p:spPr>
-      </p:pic>
-      <p:pic>
-        <p:nvPicPr>
-          <p:cNvPr id="1038" name="Picture 14">
-            <a:extLst>
-              <a:ext uri="{FF2B5EF4-FFF2-40B4-BE49-F238E27FC236}">
-                <a16:creationId xmlns:a16="http://schemas.microsoft.com/office/drawing/2014/main" id="{E25ECC6A-7290-40C9-BD1D-5F4093E64813}"/>
-              </a:ext>
-            </a:extLst>
-          </p:cNvPr>
-          <p:cNvPicPr>
-            <a:picLocks noChangeAspect="1" noChangeArrowheads="1"/>
-          </p:cNvPicPr>
-          <p:nvPr/>
-        </p:nvPicPr>
-        <p:blipFill>
-          <a:blip r:embed="rId10">
-            <a:extLst>
-              <a:ext uri="{28A0092B-C50C-407E-A947-70E740481C1C}">
-                <a14:useLocalDpi xmlns:a14="http://schemas.microsoft.com/office/drawing/2010/main" val="0"/>
-              </a:ext>
-            </a:extLst>
-          </a:blip>
-          <a:srcRect/>
-          <a:stretch>
-            <a:fillRect/>
-          </a:stretch>
-        </p:blipFill>
-        <p:spPr bwMode="auto">
-          <a:xfrm>
-            <a:off x="9309958" y="4434873"/>
-            <a:ext cx="1598781" cy="1486918"/>
-          </a:xfrm>
-          <a:prstGeom prst="rect">
-            <a:avLst/>
-          </a:prstGeom>
-          <a:noFill/>
-          <a:extLst>
-            <a:ext uri="{909E8E84-426E-40DD-AFC4-6F175D3DCCD1}">
-              <a14:hiddenFill xmlns:a14="http://schemas.microsoft.com/office/drawing/2010/main">
-                <a:solidFill>
-                  <a:srgbClr val="FFFFFF"/>
-                </a:solidFill>
-              </a14:hiddenFill>
-            </a:ext>
-          </a:extLst>
         </p:spPr>
       </p:pic>
     </p:spTree>
@@ -7021,7 +10792,7 @@
         </p:nvSpPr>
         <p:spPr>
           <a:xfrm>
-            <a:off x="-1221120" y="1328438"/>
+            <a:off x="-2409840" y="2558794"/>
             <a:ext cx="9601200" cy="1740411"/>
           </a:xfrm>
         </p:spPr>
@@ -7108,10 +10879,68 @@
       </p:pic>
       <p:pic>
         <p:nvPicPr>
-          <p:cNvPr id="10" name="Picture 9">
-            <a:extLst>
-              <a:ext uri="{FF2B5EF4-FFF2-40B4-BE49-F238E27FC236}">
-                <a16:creationId xmlns:a16="http://schemas.microsoft.com/office/drawing/2014/main" id="{2E4FB68E-48E2-43F7-A5BE-21E7152EAF19}"/>
+          <p:cNvPr id="25" name="Picture 24">
+            <a:extLst>
+              <a:ext uri="{FF2B5EF4-FFF2-40B4-BE49-F238E27FC236}">
+                <a16:creationId xmlns:a16="http://schemas.microsoft.com/office/drawing/2014/main" id="{6DF6C97D-18E9-45C6-9898-540ED4F880A0}"/>
+              </a:ext>
+            </a:extLst>
+          </p:cNvPr>
+          <p:cNvPicPr>
+            <a:picLocks noChangeAspect="1"/>
+          </p:cNvPicPr>
+          <p:nvPr/>
+        </p:nvPicPr>
+        <p:blipFill rotWithShape="1">
+          <a:blip r:embed="rId4"/>
+          <a:srcRect l="54325" t="-519660" r="9302" b="-36116"/>
+          <a:stretch/>
+        </p:blipFill>
+        <p:spPr>
+          <a:xfrm>
+            <a:off x="206630" y="3612683"/>
+            <a:ext cx="4538865" cy="342822"/>
+          </a:xfrm>
+          <a:prstGeom prst="rect">
+            <a:avLst/>
+          </a:prstGeom>
+        </p:spPr>
+      </p:pic>
+      <p:pic>
+        <p:nvPicPr>
+          <p:cNvPr id="26" name="Picture 25">
+            <a:extLst>
+              <a:ext uri="{FF2B5EF4-FFF2-40B4-BE49-F238E27FC236}">
+                <a16:creationId xmlns:a16="http://schemas.microsoft.com/office/drawing/2014/main" id="{B80B3244-E6EE-40F7-8E23-B6BB60D56036}"/>
+              </a:ext>
+            </a:extLst>
+          </p:cNvPr>
+          <p:cNvPicPr>
+            <a:picLocks noChangeAspect="1"/>
+          </p:cNvPicPr>
+          <p:nvPr/>
+        </p:nvPicPr>
+        <p:blipFill rotWithShape="1">
+          <a:blip r:embed="rId4"/>
+          <a:srcRect l="54325" t="-519660" r="9302" b="-36116"/>
+          <a:stretch/>
+        </p:blipFill>
+        <p:spPr>
+          <a:xfrm>
+            <a:off x="206629" y="2545960"/>
+            <a:ext cx="4538865" cy="342822"/>
+          </a:xfrm>
+          <a:prstGeom prst="rect">
+            <a:avLst/>
+          </a:prstGeom>
+        </p:spPr>
+      </p:pic>
+      <p:pic>
+        <p:nvPicPr>
+          <p:cNvPr id="15" name="Graphic 14" descr="An organic shape">
+            <a:extLst>
+              <a:ext uri="{FF2B5EF4-FFF2-40B4-BE49-F238E27FC236}">
+                <a16:creationId xmlns:a16="http://schemas.microsoft.com/office/drawing/2014/main" id="{EB228676-94A4-40B2-B18B-C6164ACEAF01}"/>
               </a:ext>
             </a:extLst>
           </p:cNvPr>
@@ -7121,15 +10950,24 @@
           <p:nvPr/>
         </p:nvPicPr>
         <p:blipFill>
-          <a:blip r:embed="rId4"/>
+          <a:blip r:embed="rId5">
+            <a:extLst>
+              <a:ext uri="{28A0092B-C50C-407E-A947-70E740481C1C}">
+                <a14:useLocalDpi xmlns:a14="http://schemas.microsoft.com/office/drawing/2010/main" val="0"/>
+              </a:ext>
+              <a:ext uri="{96DAC541-7B7A-43D3-8B79-37D633B846F1}">
+                <asvg:svgBlip xmlns:asvg="http://schemas.microsoft.com/office/drawing/2016/SVG/main" r:embed="rId6"/>
+              </a:ext>
+            </a:extLst>
+          </a:blip>
           <a:stretch>
             <a:fillRect/>
           </a:stretch>
         </p:blipFill>
         <p:spPr>
           <a:xfrm>
-            <a:off x="6431781" y="0"/>
-            <a:ext cx="5772561" cy="6858000"/>
+            <a:off x="-1933739" y="4046021"/>
+            <a:ext cx="4572000" cy="4572000"/>
           </a:xfrm>
           <a:prstGeom prst="rect">
             <a:avLst/>
@@ -7138,68 +10976,10 @@
       </p:pic>
       <p:pic>
         <p:nvPicPr>
-          <p:cNvPr id="25" name="Picture 24">
-            <a:extLst>
-              <a:ext uri="{FF2B5EF4-FFF2-40B4-BE49-F238E27FC236}">
-                <a16:creationId xmlns:a16="http://schemas.microsoft.com/office/drawing/2014/main" id="{6DF6C97D-18E9-45C6-9898-540ED4F880A0}"/>
-              </a:ext>
-            </a:extLst>
-          </p:cNvPr>
-          <p:cNvPicPr>
-            <a:picLocks noChangeAspect="1"/>
-          </p:cNvPicPr>
-          <p:nvPr/>
-        </p:nvPicPr>
-        <p:blipFill rotWithShape="1">
-          <a:blip r:embed="rId5"/>
-          <a:srcRect l="54325" t="-519660" r="9302" b="-36116"/>
-          <a:stretch/>
-        </p:blipFill>
-        <p:spPr>
-          <a:xfrm>
-            <a:off x="1395350" y="2382327"/>
-            <a:ext cx="4538865" cy="342822"/>
-          </a:xfrm>
-          <a:prstGeom prst="rect">
-            <a:avLst/>
-          </a:prstGeom>
-        </p:spPr>
-      </p:pic>
-      <p:pic>
-        <p:nvPicPr>
-          <p:cNvPr id="26" name="Picture 25">
-            <a:extLst>
-              <a:ext uri="{FF2B5EF4-FFF2-40B4-BE49-F238E27FC236}">
-                <a16:creationId xmlns:a16="http://schemas.microsoft.com/office/drawing/2014/main" id="{B80B3244-E6EE-40F7-8E23-B6BB60D56036}"/>
-              </a:ext>
-            </a:extLst>
-          </p:cNvPr>
-          <p:cNvPicPr>
-            <a:picLocks noChangeAspect="1"/>
-          </p:cNvPicPr>
-          <p:nvPr/>
-        </p:nvPicPr>
-        <p:blipFill rotWithShape="1">
-          <a:blip r:embed="rId5"/>
-          <a:srcRect l="54325" t="-519660" r="9302" b="-36116"/>
-          <a:stretch/>
-        </p:blipFill>
-        <p:spPr>
-          <a:xfrm>
-            <a:off x="1395349" y="1315604"/>
-            <a:ext cx="4538865" cy="342822"/>
-          </a:xfrm>
-          <a:prstGeom prst="rect">
-            <a:avLst/>
-          </a:prstGeom>
-        </p:spPr>
-      </p:pic>
-      <p:pic>
-        <p:nvPicPr>
-          <p:cNvPr id="15" name="Graphic 14" descr="An organic shape">
-            <a:extLst>
-              <a:ext uri="{FF2B5EF4-FFF2-40B4-BE49-F238E27FC236}">
-                <a16:creationId xmlns:a16="http://schemas.microsoft.com/office/drawing/2014/main" id="{EB228676-94A4-40B2-B18B-C6164ACEAF01}"/>
+          <p:cNvPr id="27" name="Graphic 26" descr="An organic shape">
+            <a:extLst>
+              <a:ext uri="{FF2B5EF4-FFF2-40B4-BE49-F238E27FC236}">
+                <a16:creationId xmlns:a16="http://schemas.microsoft.com/office/drawing/2014/main" id="{DD2DAA0F-0ED7-4258-9EEC-41A744F1A54D}"/>
               </a:ext>
             </a:extLst>
           </p:cNvPr>
@@ -7209,13 +10989,13 @@
           <p:nvPr/>
         </p:nvPicPr>
         <p:blipFill>
-          <a:blip r:embed="rId6">
+          <a:blip r:embed="rId7">
             <a:extLst>
               <a:ext uri="{28A0092B-C50C-407E-A947-70E740481C1C}">
                 <a14:useLocalDpi xmlns:a14="http://schemas.microsoft.com/office/drawing/2010/main" val="0"/>
               </a:ext>
               <a:ext uri="{96DAC541-7B7A-43D3-8B79-37D633B846F1}">
-                <asvg:svgBlip xmlns:asvg="http://schemas.microsoft.com/office/drawing/2016/SVG/main" r:embed="rId7"/>
+                <asvg:svgBlip xmlns:asvg="http://schemas.microsoft.com/office/drawing/2016/SVG/main" r:embed="rId8"/>
               </a:ext>
             </a:extLst>
           </a:blip>
@@ -7225,46 +11005,7 @@
         </p:blipFill>
         <p:spPr>
           <a:xfrm>
-            <a:off x="-734859" y="3081683"/>
-            <a:ext cx="4572000" cy="4572000"/>
-          </a:xfrm>
-          <a:prstGeom prst="rect">
-            <a:avLst/>
-          </a:prstGeom>
-        </p:spPr>
-      </p:pic>
-      <p:pic>
-        <p:nvPicPr>
-          <p:cNvPr id="27" name="Graphic 26" descr="An organic shape">
-            <a:extLst>
-              <a:ext uri="{FF2B5EF4-FFF2-40B4-BE49-F238E27FC236}">
-                <a16:creationId xmlns:a16="http://schemas.microsoft.com/office/drawing/2014/main" id="{DD2DAA0F-0ED7-4258-9EEC-41A744F1A54D}"/>
-              </a:ext>
-            </a:extLst>
-          </p:cNvPr>
-          <p:cNvPicPr>
-            <a:picLocks noChangeAspect="1"/>
-          </p:cNvPicPr>
-          <p:nvPr/>
-        </p:nvPicPr>
-        <p:blipFill>
-          <a:blip r:embed="rId8">
-            <a:extLst>
-              <a:ext uri="{28A0092B-C50C-407E-A947-70E740481C1C}">
-                <a14:useLocalDpi xmlns:a14="http://schemas.microsoft.com/office/drawing/2010/main" val="0"/>
-              </a:ext>
-              <a:ext uri="{96DAC541-7B7A-43D3-8B79-37D633B846F1}">
-                <asvg:svgBlip xmlns:asvg="http://schemas.microsoft.com/office/drawing/2016/SVG/main" r:embed="rId9"/>
-              </a:ext>
-            </a:extLst>
-          </a:blip>
-          <a:stretch>
-            <a:fillRect/>
-          </a:stretch>
-        </p:blipFill>
-        <p:spPr>
-          <a:xfrm>
-            <a:off x="421350" y="2974030"/>
+            <a:off x="-389707" y="3649839"/>
             <a:ext cx="3570111" cy="3570111"/>
           </a:xfrm>
           <a:prstGeom prst="rect">
@@ -7490,36 +11231,147 @@
           </a:prstGeom>
         </p:spPr>
       </p:pic>
-      <p:pic>
-        <p:nvPicPr>
-          <p:cNvPr id="4" name="Picture 3">
-            <a:extLst>
-              <a:ext uri="{FF2B5EF4-FFF2-40B4-BE49-F238E27FC236}">
-                <a16:creationId xmlns:a16="http://schemas.microsoft.com/office/drawing/2014/main" id="{801EBDC5-96F4-4988-8CD1-1B7E88FC01EB}"/>
-              </a:ext>
-            </a:extLst>
-          </p:cNvPr>
-          <p:cNvPicPr>
-            <a:picLocks noChangeAspect="1"/>
-          </p:cNvPicPr>
+      <p:sp>
+        <p:nvSpPr>
+          <p:cNvPr id="50" name="TextBox 49">
+            <a:extLst>
+              <a:ext uri="{FF2B5EF4-FFF2-40B4-BE49-F238E27FC236}">
+                <a16:creationId xmlns:a16="http://schemas.microsoft.com/office/drawing/2014/main" id="{F2D360D4-BC6A-4AE6-800D-EB13662B059C}"/>
+              </a:ext>
+            </a:extLst>
+          </p:cNvPr>
+          <p:cNvSpPr txBox="1"/>
           <p:nvPr/>
-        </p:nvPicPr>
-        <p:blipFill>
-          <a:blip r:embed="rId4"/>
-          <a:stretch>
-            <a:fillRect/>
-          </a:stretch>
-        </p:blipFill>
+        </p:nvSpPr>
         <p:spPr>
           <a:xfrm>
-            <a:off x="2812868" y="2143523"/>
-            <a:ext cx="6634871" cy="3573718"/>
+            <a:off x="5754440" y="2546178"/>
+            <a:ext cx="1210265" cy="2400657"/>
           </a:xfrm>
           <a:prstGeom prst="rect">
             <a:avLst/>
           </a:prstGeom>
-        </p:spPr>
-      </p:pic>
+          <a:noFill/>
+        </p:spPr>
+        <p:txBody>
+          <a:bodyPr wrap="square">
+            <a:spAutoFit/>
+          </a:bodyPr>
+          <a:lstStyle/>
+          <a:p>
+            <a:pPr algn="l"/>
+            <a:r>
+              <a:rPr lang="bg-BG" sz="15000" dirty="0">
+                <a:solidFill>
+                  <a:srgbClr val="F6F2F0"/>
+                </a:solidFill>
+                <a:latin typeface="Amasis MT Pro Medium" panose="02040604050005020304" pitchFamily="18" charset="0"/>
+              </a:rPr>
+              <a:t>?</a:t>
+            </a:r>
+            <a:endParaRPr lang="en-US" sz="15000" dirty="0">
+              <a:solidFill>
+                <a:srgbClr val="F6F2F0"/>
+              </a:solidFill>
+              <a:latin typeface="Amasis MT Pro Medium" panose="02040604050005020304" pitchFamily="18" charset="0"/>
+            </a:endParaRPr>
+          </a:p>
+        </p:txBody>
+      </p:sp>
+      <p:sp>
+        <p:nvSpPr>
+          <p:cNvPr id="51" name="TextBox 50">
+            <a:extLst>
+              <a:ext uri="{FF2B5EF4-FFF2-40B4-BE49-F238E27FC236}">
+                <a16:creationId xmlns:a16="http://schemas.microsoft.com/office/drawing/2014/main" id="{C1D73321-EB10-4F22-A4FF-110EA0073369}"/>
+              </a:ext>
+            </a:extLst>
+          </p:cNvPr>
+          <p:cNvSpPr txBox="1"/>
+          <p:nvPr/>
+        </p:nvSpPr>
+        <p:spPr>
+          <a:xfrm rot="19800000">
+            <a:off x="5181185" y="3153216"/>
+            <a:ext cx="1210265" cy="1938992"/>
+          </a:xfrm>
+          <a:prstGeom prst="rect">
+            <a:avLst/>
+          </a:prstGeom>
+          <a:noFill/>
+        </p:spPr>
+        <p:txBody>
+          <a:bodyPr wrap="square">
+            <a:spAutoFit/>
+          </a:bodyPr>
+          <a:lstStyle/>
+          <a:p>
+            <a:pPr algn="l"/>
+            <a:r>
+              <a:rPr lang="bg-BG" sz="12000" dirty="0">
+                <a:solidFill>
+                  <a:srgbClr val="F6F2F0"/>
+                </a:solidFill>
+                <a:latin typeface="Amasis MT Pro Medium" panose="02040604050005020304" pitchFamily="18" charset="0"/>
+              </a:rPr>
+              <a:t>?</a:t>
+            </a:r>
+            <a:endParaRPr lang="en-US" sz="12000" dirty="0">
+              <a:solidFill>
+                <a:srgbClr val="F6F2F0"/>
+              </a:solidFill>
+              <a:latin typeface="Amasis MT Pro Medium" panose="02040604050005020304" pitchFamily="18" charset="0"/>
+            </a:endParaRPr>
+          </a:p>
+        </p:txBody>
+      </p:sp>
+      <p:sp>
+        <p:nvSpPr>
+          <p:cNvPr id="52" name="TextBox 51">
+            <a:extLst>
+              <a:ext uri="{FF2B5EF4-FFF2-40B4-BE49-F238E27FC236}">
+                <a16:creationId xmlns:a16="http://schemas.microsoft.com/office/drawing/2014/main" id="{414D4BF3-11FA-44EE-9400-B5C726751C65}"/>
+              </a:ext>
+            </a:extLst>
+          </p:cNvPr>
+          <p:cNvSpPr txBox="1"/>
+          <p:nvPr/>
+        </p:nvSpPr>
+        <p:spPr>
+          <a:xfrm rot="1800000">
+            <a:off x="6359572" y="3554814"/>
+            <a:ext cx="1210265" cy="1785104"/>
+          </a:xfrm>
+          <a:prstGeom prst="rect">
+            <a:avLst/>
+          </a:prstGeom>
+          <a:noFill/>
+        </p:spPr>
+        <p:txBody>
+          <a:bodyPr wrap="square">
+            <a:spAutoFit/>
+          </a:bodyPr>
+          <a:lstStyle/>
+          <a:p>
+            <a:pPr algn="l"/>
+            <a:r>
+              <a:rPr lang="bg-BG" sz="11000" dirty="0">
+                <a:solidFill>
+                  <a:srgbClr val="F6F2F0"/>
+                </a:solidFill>
+                <a:latin typeface="Amasis MT Pro Medium" panose="02040604050005020304" pitchFamily="18" charset="0"/>
+              </a:rPr>
+              <a:t>?</a:t>
+            </a:r>
+            <a:endParaRPr lang="en-US" sz="11000" dirty="0">
+              <a:solidFill>
+                <a:srgbClr val="F6F2F0"/>
+              </a:solidFill>
+              <a:latin typeface="Amasis MT Pro Medium" panose="02040604050005020304" pitchFamily="18" charset="0"/>
+            </a:endParaRPr>
+          </a:p>
+        </p:txBody>
+      </p:sp>
     </p:spTree>
     <p:extLst>
       <p:ext uri="{BB962C8B-B14F-4D97-AF65-F5344CB8AC3E}">

--- a/Documents/Presentation.pptx
+++ b/Documents/Presentation.pptx
@@ -1063,98 +1063,6 @@
         </a:p>
       </dgm:t>
     </dgm:pt>
-    <dgm:pt modelId="{5A55F53A-1FA0-44F0-A471-6DE2B3FF40DA}">
-      <dgm:prSet phldrT="[Text]" phldr="1"/>
-      <dgm:spPr>
-        <a:solidFill>
-          <a:srgbClr val="EFE3E1">
-            <a:alpha val="89804"/>
-          </a:srgbClr>
-        </a:solidFill>
-        <a:ln>
-          <a:noFill/>
-        </a:ln>
-      </dgm:spPr>
-      <dgm:t>
-        <a:bodyPr/>
-        <a:lstStyle/>
-        <a:p>
-          <a:endParaRPr lang="en-US" dirty="0">
-            <a:solidFill>
-              <a:srgbClr val="972A3A"/>
-            </a:solidFill>
-          </a:endParaRPr>
-        </a:p>
-      </dgm:t>
-    </dgm:pt>
-    <dgm:pt modelId="{D7E4A8CC-582A-41D2-A92D-B79CC64D9F08}" type="parTrans" cxnId="{C2E2F6FD-72DF-48C0-A462-E6688B9CBD1C}">
-      <dgm:prSet/>
-      <dgm:spPr/>
-      <dgm:t>
-        <a:bodyPr/>
-        <a:lstStyle/>
-        <a:p>
-          <a:endParaRPr lang="en-US"/>
-        </a:p>
-      </dgm:t>
-    </dgm:pt>
-    <dgm:pt modelId="{AB93B531-5066-4B8C-A289-577840BBA839}" type="sibTrans" cxnId="{C2E2F6FD-72DF-48C0-A462-E6688B9CBD1C}">
-      <dgm:prSet/>
-      <dgm:spPr/>
-      <dgm:t>
-        <a:bodyPr/>
-        <a:lstStyle/>
-        <a:p>
-          <a:endParaRPr lang="en-US"/>
-        </a:p>
-      </dgm:t>
-    </dgm:pt>
-    <dgm:pt modelId="{D4AE0BEF-8D8D-4274-ACD8-9357F25363F9}">
-      <dgm:prSet phldrT="[Text]" phldr="1"/>
-      <dgm:spPr>
-        <a:solidFill>
-          <a:srgbClr val="EFE3E1">
-            <a:alpha val="89804"/>
-          </a:srgbClr>
-        </a:solidFill>
-        <a:ln>
-          <a:noFill/>
-        </a:ln>
-      </dgm:spPr>
-      <dgm:t>
-        <a:bodyPr/>
-        <a:lstStyle/>
-        <a:p>
-          <a:endParaRPr lang="en-US" dirty="0">
-            <a:solidFill>
-              <a:srgbClr val="972A3A"/>
-            </a:solidFill>
-          </a:endParaRPr>
-        </a:p>
-      </dgm:t>
-    </dgm:pt>
-    <dgm:pt modelId="{FD623DF5-C4A5-41FC-91A1-2A6881EEBF94}" type="parTrans" cxnId="{611E1B3C-0982-4DB1-9137-5A9FD5A38013}">
-      <dgm:prSet/>
-      <dgm:spPr/>
-      <dgm:t>
-        <a:bodyPr/>
-        <a:lstStyle/>
-        <a:p>
-          <a:endParaRPr lang="en-US"/>
-        </a:p>
-      </dgm:t>
-    </dgm:pt>
-    <dgm:pt modelId="{EFECFB5E-A726-4D9E-8A16-E39EC7FFC445}" type="sibTrans" cxnId="{611E1B3C-0982-4DB1-9137-5A9FD5A38013}">
-      <dgm:prSet/>
-      <dgm:spPr/>
-      <dgm:t>
-        <a:bodyPr/>
-        <a:lstStyle/>
-        <a:p>
-          <a:endParaRPr lang="en-US"/>
-        </a:p>
-      </dgm:t>
-    </dgm:pt>
     <dgm:pt modelId="{2ECA8FF7-8452-4993-BE95-C5BF94416935}">
       <dgm:prSet phldrT="[Text]" custT="1"/>
       <dgm:spPr>
@@ -1206,98 +1114,6 @@
           <a:srgbClr val="595959"/>
         </a:solidFill>
       </dgm:spPr>
-      <dgm:t>
-        <a:bodyPr/>
-        <a:lstStyle/>
-        <a:p>
-          <a:endParaRPr lang="en-US"/>
-        </a:p>
-      </dgm:t>
-    </dgm:pt>
-    <dgm:pt modelId="{0A2CF205-6D73-43A4-BB70-BD446720586C}">
-      <dgm:prSet phldrT="[Text]" phldr="1"/>
-      <dgm:spPr>
-        <a:solidFill>
-          <a:srgbClr val="EFE3E1">
-            <a:alpha val="90000"/>
-          </a:srgbClr>
-        </a:solidFill>
-        <a:ln>
-          <a:noFill/>
-        </a:ln>
-      </dgm:spPr>
-      <dgm:t>
-        <a:bodyPr/>
-        <a:lstStyle/>
-        <a:p>
-          <a:endParaRPr lang="en-US" dirty="0">
-            <a:solidFill>
-              <a:srgbClr val="972A3A"/>
-            </a:solidFill>
-          </a:endParaRPr>
-        </a:p>
-      </dgm:t>
-    </dgm:pt>
-    <dgm:pt modelId="{6FA1680D-EB15-4A2D-A515-8848892C3FA6}" type="parTrans" cxnId="{DB1AB310-D9A2-4B9E-B5BE-9A95C99CDCFA}">
-      <dgm:prSet/>
-      <dgm:spPr/>
-      <dgm:t>
-        <a:bodyPr/>
-        <a:lstStyle/>
-        <a:p>
-          <a:endParaRPr lang="en-US"/>
-        </a:p>
-      </dgm:t>
-    </dgm:pt>
-    <dgm:pt modelId="{FB983D3D-5C2E-4782-B54F-95C098506F01}" type="sibTrans" cxnId="{DB1AB310-D9A2-4B9E-B5BE-9A95C99CDCFA}">
-      <dgm:prSet/>
-      <dgm:spPr/>
-      <dgm:t>
-        <a:bodyPr/>
-        <a:lstStyle/>
-        <a:p>
-          <a:endParaRPr lang="en-US"/>
-        </a:p>
-      </dgm:t>
-    </dgm:pt>
-    <dgm:pt modelId="{B39E2D75-7925-4E9B-AE76-DF7335447629}">
-      <dgm:prSet phldrT="[Text]" phldr="1"/>
-      <dgm:spPr>
-        <a:solidFill>
-          <a:srgbClr val="EFE3E1">
-            <a:alpha val="90000"/>
-          </a:srgbClr>
-        </a:solidFill>
-        <a:ln>
-          <a:noFill/>
-        </a:ln>
-      </dgm:spPr>
-      <dgm:t>
-        <a:bodyPr/>
-        <a:lstStyle/>
-        <a:p>
-          <a:endParaRPr lang="en-US" dirty="0">
-            <a:solidFill>
-              <a:srgbClr val="972A3A"/>
-            </a:solidFill>
-          </a:endParaRPr>
-        </a:p>
-      </dgm:t>
-    </dgm:pt>
-    <dgm:pt modelId="{03003D3C-7894-4EF0-BFAF-4FA6AEE88885}" type="parTrans" cxnId="{9C5F735B-0BA7-429E-B937-C05DCFCCE137}">
-      <dgm:prSet/>
-      <dgm:spPr/>
-      <dgm:t>
-        <a:bodyPr/>
-        <a:lstStyle/>
-        <a:p>
-          <a:endParaRPr lang="en-US"/>
-        </a:p>
-      </dgm:t>
-    </dgm:pt>
-    <dgm:pt modelId="{89389DB7-8348-4A4A-A8FD-B48B9FD02663}" type="sibTrans" cxnId="{9C5F735B-0BA7-429E-B937-C05DCFCCE137}">
-      <dgm:prSet/>
-      <dgm:spPr/>
       <dgm:t>
         <a:bodyPr/>
         <a:lstStyle/>
@@ -1361,98 +1177,6 @@
         </a:p>
       </dgm:t>
     </dgm:pt>
-    <dgm:pt modelId="{1D45AC10-2207-4580-9C20-5190C50E6952}">
-      <dgm:prSet phldrT="[Text]" phldr="1"/>
-      <dgm:spPr>
-        <a:solidFill>
-          <a:srgbClr val="EFE3E1">
-            <a:alpha val="90000"/>
-          </a:srgbClr>
-        </a:solidFill>
-        <a:ln>
-          <a:noFill/>
-        </a:ln>
-      </dgm:spPr>
-      <dgm:t>
-        <a:bodyPr/>
-        <a:lstStyle/>
-        <a:p>
-          <a:endParaRPr lang="en-US" dirty="0">
-            <a:solidFill>
-              <a:srgbClr val="972A3A"/>
-            </a:solidFill>
-          </a:endParaRPr>
-        </a:p>
-      </dgm:t>
-    </dgm:pt>
-    <dgm:pt modelId="{116EE3DA-AB78-49ED-8FF3-BA46E73DCE4E}" type="parTrans" cxnId="{0BEEC3A4-97FA-4A0D-8C99-525100BFF2DD}">
-      <dgm:prSet/>
-      <dgm:spPr/>
-      <dgm:t>
-        <a:bodyPr/>
-        <a:lstStyle/>
-        <a:p>
-          <a:endParaRPr lang="en-US"/>
-        </a:p>
-      </dgm:t>
-    </dgm:pt>
-    <dgm:pt modelId="{B1ACBACC-6D14-4419-BE02-B4E21E934C1E}" type="sibTrans" cxnId="{0BEEC3A4-97FA-4A0D-8C99-525100BFF2DD}">
-      <dgm:prSet/>
-      <dgm:spPr/>
-      <dgm:t>
-        <a:bodyPr/>
-        <a:lstStyle/>
-        <a:p>
-          <a:endParaRPr lang="en-US"/>
-        </a:p>
-      </dgm:t>
-    </dgm:pt>
-    <dgm:pt modelId="{2067B8ED-E470-4308-86F3-B1B1E2F00CC5}">
-      <dgm:prSet phldrT="[Text]" phldr="1"/>
-      <dgm:spPr>
-        <a:solidFill>
-          <a:srgbClr val="EFE3E1">
-            <a:alpha val="90000"/>
-          </a:srgbClr>
-        </a:solidFill>
-        <a:ln>
-          <a:noFill/>
-        </a:ln>
-      </dgm:spPr>
-      <dgm:t>
-        <a:bodyPr/>
-        <a:lstStyle/>
-        <a:p>
-          <a:endParaRPr lang="en-US" dirty="0">
-            <a:solidFill>
-              <a:srgbClr val="972A3A"/>
-            </a:solidFill>
-          </a:endParaRPr>
-        </a:p>
-      </dgm:t>
-    </dgm:pt>
-    <dgm:pt modelId="{6FF42023-FEF6-40C1-BD69-AC52ED36F8C5}" type="parTrans" cxnId="{3CA91AC6-BD92-4983-805D-F65B3F68CA3C}">
-      <dgm:prSet/>
-      <dgm:spPr/>
-      <dgm:t>
-        <a:bodyPr/>
-        <a:lstStyle/>
-        <a:p>
-          <a:endParaRPr lang="en-US"/>
-        </a:p>
-      </dgm:t>
-    </dgm:pt>
-    <dgm:pt modelId="{A7EFC671-1A31-47D4-A23F-63A07D62746E}" type="sibTrans" cxnId="{3CA91AC6-BD92-4983-805D-F65B3F68CA3C}">
-      <dgm:prSet/>
-      <dgm:spPr/>
-      <dgm:t>
-        <a:bodyPr/>
-        <a:lstStyle/>
-        <a:p>
-          <a:endParaRPr lang="en-US"/>
-        </a:p>
-      </dgm:t>
-    </dgm:pt>
     <dgm:pt modelId="{565F9BFE-BDB9-432B-98E6-89E646918D46}" type="pres">
       <dgm:prSet presAssocID="{D9BD354B-FC53-4B66-938E-867353189C31}" presName="Name0" presStyleCnt="0">
         <dgm:presLayoutVars>
@@ -1484,7 +1208,7 @@
       <dgm:spPr/>
     </dgm:pt>
     <dgm:pt modelId="{06C436DA-0F0F-47EC-9A59-1748912EAE90}" type="pres">
-      <dgm:prSet presAssocID="{00998F9B-8E30-403B-9364-BEF5F913E0BA}" presName="childNode1" presStyleLbl="bgAcc1" presStyleIdx="0" presStyleCnt="3" custAng="0">
+      <dgm:prSet presAssocID="{00998F9B-8E30-403B-9364-BEF5F913E0BA}" presName="childNode1" presStyleLbl="bgAcc1" presStyleIdx="0" presStyleCnt="3" custAng="0" custFlipHor="1" custScaleX="72750" custScaleY="40582" custLinFactNeighborX="-7706" custLinFactNeighborY="20091">
         <dgm:presLayoutVars>
           <dgm:bulletEnabled val="1"/>
         </dgm:presLayoutVars>
@@ -1525,7 +1249,7 @@
       <dgm:spPr/>
     </dgm:pt>
     <dgm:pt modelId="{5FF5F08C-1ED8-4A78-BE4D-5B990CB2B319}" type="pres">
-      <dgm:prSet presAssocID="{2ECA8FF7-8452-4993-BE95-C5BF94416935}" presName="childNode2" presStyleLbl="bgAcc1" presStyleIdx="1" presStyleCnt="3">
+      <dgm:prSet presAssocID="{2ECA8FF7-8452-4993-BE95-C5BF94416935}" presName="childNode2" presStyleLbl="bgAcc1" presStyleIdx="1" presStyleCnt="3" custFlipVert="1" custScaleX="76687" custScaleY="36875" custLinFactNeighborX="-600" custLinFactNeighborY="-24693">
         <dgm:presLayoutVars>
           <dgm:bulletEnabled val="1"/>
         </dgm:presLayoutVars>
@@ -1566,7 +1290,7 @@
       <dgm:spPr/>
     </dgm:pt>
     <dgm:pt modelId="{8374D416-8259-404A-A853-FE5C4D036E80}" type="pres">
-      <dgm:prSet presAssocID="{C3D21EA0-5807-4CC5-A3AE-69B93C472168}" presName="childNode1" presStyleLbl="bgAcc1" presStyleIdx="2" presStyleCnt="3">
+      <dgm:prSet presAssocID="{C3D21EA0-5807-4CC5-A3AE-69B93C472168}" presName="childNode1" presStyleLbl="bgAcc1" presStyleIdx="2" presStyleCnt="3" custScaleX="79076" custScaleY="46858" custLinFactNeighborX="-5117" custLinFactNeighborY="19918">
         <dgm:presLayoutVars>
           <dgm:bulletEnabled val="1"/>
         </dgm:presLayoutVars>
@@ -1596,33 +1320,15 @@
     </dgm:pt>
   </dgm:ptLst>
   <dgm:cxnLst>
-    <dgm:cxn modelId="{1AD61601-1738-4567-8967-25F1024BF453}" type="presOf" srcId="{B39E2D75-7925-4E9B-AE76-DF7335447629}" destId="{5FF5F08C-1ED8-4A78-BE4D-5B990CB2B319}" srcOrd="0" destOrd="1" presId="urn:microsoft.com/office/officeart/2005/8/layout/hProcess4"/>
-    <dgm:cxn modelId="{E8E7F70B-5129-4D70-8AD1-75573EA3E3C4}" type="presOf" srcId="{0A2CF205-6D73-43A4-BB70-BD446720586C}" destId="{5FF5F08C-1ED8-4A78-BE4D-5B990CB2B319}" srcOrd="0" destOrd="0" presId="urn:microsoft.com/office/officeart/2005/8/layout/hProcess4"/>
-    <dgm:cxn modelId="{D517F00C-2BDB-4BB2-9485-0911D2B91E2A}" type="presOf" srcId="{5A55F53A-1FA0-44F0-A471-6DE2B3FF40DA}" destId="{32D10677-46E0-4588-B7E3-AB885E7226F9}" srcOrd="1" destOrd="0" presId="urn:microsoft.com/office/officeart/2005/8/layout/hProcess4"/>
-    <dgm:cxn modelId="{DB1AB310-D9A2-4B9E-B5BE-9A95C99CDCFA}" srcId="{2ECA8FF7-8452-4993-BE95-C5BF94416935}" destId="{0A2CF205-6D73-43A4-BB70-BD446720586C}" srcOrd="0" destOrd="0" parTransId="{6FA1680D-EB15-4A2D-A515-8848892C3FA6}" sibTransId="{FB983D3D-5C2E-4782-B54F-95C098506F01}"/>
     <dgm:cxn modelId="{7BD4CB18-B625-49AE-BF3A-6865A90E4386}" type="presOf" srcId="{2ECA8FF7-8452-4993-BE95-C5BF94416935}" destId="{260FC800-3B97-4686-86F1-CA2BE36BB76F}" srcOrd="0" destOrd="0" presId="urn:microsoft.com/office/officeart/2005/8/layout/hProcess4"/>
-    <dgm:cxn modelId="{50A0A421-DC11-4459-8C31-ED842BCF2B33}" type="presOf" srcId="{1D45AC10-2207-4580-9C20-5190C50E6952}" destId="{8374D416-8259-404A-A853-FE5C4D036E80}" srcOrd="0" destOrd="0" presId="urn:microsoft.com/office/officeart/2005/8/layout/hProcess4"/>
-    <dgm:cxn modelId="{BA21CA22-44E2-4FC8-AAE9-3D3B323F45A0}" type="presOf" srcId="{5A55F53A-1FA0-44F0-A471-6DE2B3FF40DA}" destId="{06C436DA-0F0F-47EC-9A59-1748912EAE90}" srcOrd="0" destOrd="0" presId="urn:microsoft.com/office/officeart/2005/8/layout/hProcess4"/>
-    <dgm:cxn modelId="{0C1B2234-C7AD-45AA-B96E-37195A23EE4D}" type="presOf" srcId="{2067B8ED-E470-4308-86F3-B1B1E2F00CC5}" destId="{FD569E05-4884-4284-9D47-18C9761413A9}" srcOrd="1" destOrd="1" presId="urn:microsoft.com/office/officeart/2005/8/layout/hProcess4"/>
-    <dgm:cxn modelId="{611E1B3C-0982-4DB1-9137-5A9FD5A38013}" srcId="{00998F9B-8E30-403B-9364-BEF5F913E0BA}" destId="{D4AE0BEF-8D8D-4274-ACD8-9357F25363F9}" srcOrd="1" destOrd="0" parTransId="{FD623DF5-C4A5-41FC-91A1-2A6881EEBF94}" sibTransId="{EFECFB5E-A726-4D9E-8A16-E39EC7FFC445}"/>
-    <dgm:cxn modelId="{9C5F735B-0BA7-429E-B937-C05DCFCCE137}" srcId="{2ECA8FF7-8452-4993-BE95-C5BF94416935}" destId="{B39E2D75-7925-4E9B-AE76-DF7335447629}" srcOrd="1" destOrd="0" parTransId="{03003D3C-7894-4EF0-BFAF-4FA6AEE88885}" sibTransId="{89389DB7-8348-4A4A-A8FD-B48B9FD02663}"/>
     <dgm:cxn modelId="{3654D145-A23B-4B02-9834-0B896EBDDEE7}" type="presOf" srcId="{A5F1C0E4-4FCB-46A8-B9EF-07C5C3EF6B17}" destId="{CC69C9B7-E8B5-468B-8A4F-27EDDDCC0FBA}" srcOrd="0" destOrd="0" presId="urn:microsoft.com/office/officeart/2005/8/layout/hProcess4"/>
-    <dgm:cxn modelId="{79F0CE69-C2AA-4BD5-B647-985740D209A8}" type="presOf" srcId="{0A2CF205-6D73-43A4-BB70-BD446720586C}" destId="{E180D5F5-D7AB-460A-AFC2-C22437E40728}" srcOrd="1" destOrd="0" presId="urn:microsoft.com/office/officeart/2005/8/layout/hProcess4"/>
     <dgm:cxn modelId="{A4A1076E-793E-425F-8090-10E69B315A0D}" srcId="{D9BD354B-FC53-4B66-938E-867353189C31}" destId="{00998F9B-8E30-403B-9364-BEF5F913E0BA}" srcOrd="0" destOrd="0" parTransId="{EE04E4CA-1F9C-4181-ABB5-9EC632DCCD65}" sibTransId="{68E0CDCA-E961-4CE3-ACE4-C45A9A12EF82}"/>
-    <dgm:cxn modelId="{629EE957-FA94-4744-95C7-34881014FB20}" type="presOf" srcId="{1D45AC10-2207-4580-9C20-5190C50E6952}" destId="{FD569E05-4884-4284-9D47-18C9761413A9}" srcOrd="1" destOrd="0" presId="urn:microsoft.com/office/officeart/2005/8/layout/hProcess4"/>
-    <dgm:cxn modelId="{A9D97383-4AEC-4EC2-8904-DDFAE561D23E}" type="presOf" srcId="{2067B8ED-E470-4308-86F3-B1B1E2F00CC5}" destId="{8374D416-8259-404A-A853-FE5C4D036E80}" srcOrd="0" destOrd="1" presId="urn:microsoft.com/office/officeart/2005/8/layout/hProcess4"/>
     <dgm:cxn modelId="{1140DF87-CCFD-464B-BC8B-FA79448A5B59}" srcId="{D9BD354B-FC53-4B66-938E-867353189C31}" destId="{2ECA8FF7-8452-4993-BE95-C5BF94416935}" srcOrd="1" destOrd="0" parTransId="{4FEF76B2-7D3B-404C-931C-43572BDBB423}" sibTransId="{A5F1C0E4-4FCB-46A8-B9EF-07C5C3EF6B17}"/>
     <dgm:cxn modelId="{D6EE3C93-2250-42CA-867E-FB22EFFE9BE9}" type="presOf" srcId="{D9BD354B-FC53-4B66-938E-867353189C31}" destId="{565F9BFE-BDB9-432B-98E6-89E646918D46}" srcOrd="0" destOrd="0" presId="urn:microsoft.com/office/officeart/2005/8/layout/hProcess4"/>
     <dgm:cxn modelId="{184DEF96-F03D-45EE-95A8-DF96B037AB5E}" srcId="{D9BD354B-FC53-4B66-938E-867353189C31}" destId="{C3D21EA0-5807-4CC5-A3AE-69B93C472168}" srcOrd="2" destOrd="0" parTransId="{B163F721-122F-4778-B1B7-45F049AC25F3}" sibTransId="{6F64BBBA-B11B-4EA8-9E31-AD5D82603BDE}"/>
-    <dgm:cxn modelId="{0BEEC3A4-97FA-4A0D-8C99-525100BFF2DD}" srcId="{C3D21EA0-5807-4CC5-A3AE-69B93C472168}" destId="{1D45AC10-2207-4580-9C20-5190C50E6952}" srcOrd="0" destOrd="0" parTransId="{116EE3DA-AB78-49ED-8FF3-BA46E73DCE4E}" sibTransId="{B1ACBACC-6D14-4419-BE02-B4E21E934C1E}"/>
-    <dgm:cxn modelId="{F665CEA9-D86F-4E75-8ACF-EC4D591C2A9A}" type="presOf" srcId="{B39E2D75-7925-4E9B-AE76-DF7335447629}" destId="{E180D5F5-D7AB-460A-AFC2-C22437E40728}" srcOrd="1" destOrd="1" presId="urn:microsoft.com/office/officeart/2005/8/layout/hProcess4"/>
     <dgm:cxn modelId="{CF3DD9AF-E332-4001-BF48-8E22D63647C5}" type="presOf" srcId="{68E0CDCA-E961-4CE3-ACE4-C45A9A12EF82}" destId="{8919B9D8-C7D7-471D-A3AF-D4CDD534FC75}" srcOrd="0" destOrd="0" presId="urn:microsoft.com/office/officeart/2005/8/layout/hProcess4"/>
     <dgm:cxn modelId="{585279B0-ECB1-4119-8034-DB1050A0F52B}" type="presOf" srcId="{C3D21EA0-5807-4CC5-A3AE-69B93C472168}" destId="{A0FBE8DC-93D6-4FD9-B165-B742A8565BB8}" srcOrd="0" destOrd="0" presId="urn:microsoft.com/office/officeart/2005/8/layout/hProcess4"/>
-    <dgm:cxn modelId="{3CA91AC6-BD92-4983-805D-F65B3F68CA3C}" srcId="{C3D21EA0-5807-4CC5-A3AE-69B93C472168}" destId="{2067B8ED-E470-4308-86F3-B1B1E2F00CC5}" srcOrd="1" destOrd="0" parTransId="{6FF42023-FEF6-40C1-BD69-AC52ED36F8C5}" sibTransId="{A7EFC671-1A31-47D4-A23F-63A07D62746E}"/>
-    <dgm:cxn modelId="{617719D5-F302-46B2-96D1-1D768AFE1ED6}" type="presOf" srcId="{D4AE0BEF-8D8D-4274-ACD8-9357F25363F9}" destId="{32D10677-46E0-4588-B7E3-AB885E7226F9}" srcOrd="1" destOrd="1" presId="urn:microsoft.com/office/officeart/2005/8/layout/hProcess4"/>
     <dgm:cxn modelId="{A60A1AEC-C7D5-4148-8C28-8204EA9E5ACE}" type="presOf" srcId="{00998F9B-8E30-403B-9364-BEF5F913E0BA}" destId="{3F3E37A3-1B2E-4526-BC81-09E5FB3FD974}" srcOrd="0" destOrd="0" presId="urn:microsoft.com/office/officeart/2005/8/layout/hProcess4"/>
-    <dgm:cxn modelId="{F581F3F4-246C-4DA9-A8C6-770777194B92}" type="presOf" srcId="{D4AE0BEF-8D8D-4274-ACD8-9357F25363F9}" destId="{06C436DA-0F0F-47EC-9A59-1748912EAE90}" srcOrd="0" destOrd="1" presId="urn:microsoft.com/office/officeart/2005/8/layout/hProcess4"/>
-    <dgm:cxn modelId="{C2E2F6FD-72DF-48C0-A462-E6688B9CBD1C}" srcId="{00998F9B-8E30-403B-9364-BEF5F913E0BA}" destId="{5A55F53A-1FA0-44F0-A471-6DE2B3FF40DA}" srcOrd="0" destOrd="0" parTransId="{D7E4A8CC-582A-41D2-A92D-B79CC64D9F08}" sibTransId="{AB93B531-5066-4B8C-A289-577840BBA839}"/>
     <dgm:cxn modelId="{6D9FA716-DB28-411A-B2FD-F1085CFCC451}" type="presParOf" srcId="{565F9BFE-BDB9-432B-98E6-89E646918D46}" destId="{CCCB7EB1-8186-4CEB-A46F-B91C95CE7CA0}" srcOrd="0" destOrd="0" presId="urn:microsoft.com/office/officeart/2005/8/layout/hProcess4"/>
     <dgm:cxn modelId="{22B34F31-0E75-4FBA-9DE5-7E2A4366962B}" type="presParOf" srcId="{565F9BFE-BDB9-432B-98E6-89E646918D46}" destId="{6570BDD3-F9AE-4472-B81C-AC34106128FC}" srcOrd="1" destOrd="0" presId="urn:microsoft.com/office/officeart/2005/8/layout/hProcess4"/>
     <dgm:cxn modelId="{94663250-CDA4-48D4-A535-B2D719397BB7}" type="presParOf" srcId="{565F9BFE-BDB9-432B-98E6-89E646918D46}" destId="{4A277C93-4D15-4609-939F-C7B7B49E549C}" srcOrd="2" destOrd="0" presId="urn:microsoft.com/office/officeart/2005/8/layout/hProcess4"/>
@@ -1674,9 +1380,9 @@
         <dsp:cNvSpPr/>
       </dsp:nvSpPr>
       <dsp:spPr>
-        <a:xfrm>
-          <a:off x="141" y="1774586"/>
-          <a:ext cx="2266626" cy="1869493"/>
+        <a:xfrm flipH="1">
+          <a:off x="134303" y="2705594"/>
+          <a:ext cx="1648970" cy="758677"/>
         </a:xfrm>
         <a:prstGeom prst="roundRect">
           <a:avLst>
@@ -1684,12 +1390,23 @@
           </a:avLst>
         </a:prstGeom>
         <a:solidFill>
-          <a:srgbClr val="EFE3E1">
-            <a:alpha val="89804"/>
-          </a:srgbClr>
+          <a:schemeClr val="lt1">
+            <a:alpha val="90000"/>
+            <a:hueOff val="0"/>
+            <a:satOff val="0"/>
+            <a:lumOff val="0"/>
+            <a:alphaOff val="0"/>
+          </a:schemeClr>
         </a:solidFill>
         <a:ln w="12700" cap="flat" cmpd="sng" algn="ctr">
-          <a:noFill/>
+          <a:solidFill>
+            <a:schemeClr val="accent1">
+              <a:hueOff val="0"/>
+              <a:satOff val="0"/>
+              <a:lumOff val="0"/>
+              <a:alphaOff val="0"/>
+            </a:schemeClr>
+          </a:solidFill>
           <a:prstDash val="solid"/>
           <a:miter lim="800000"/>
         </a:ln>
@@ -1707,54 +1424,6 @@
         </a:effectRef>
         <a:fontRef idx="minor"/>
       </dsp:style>
-      <dsp:txBody>
-        <a:bodyPr spcFirstLastPara="0" vert="horz" wrap="square" lIns="76200" tIns="76200" rIns="76200" bIns="76200" numCol="1" spcCol="1270" anchor="t" anchorCtr="0">
-          <a:noAutofit/>
-        </a:bodyPr>
-        <a:lstStyle/>
-        <a:p>
-          <a:pPr marL="285750" lvl="1" indent="-285750" algn="l" defTabSz="1778000">
-            <a:lnSpc>
-              <a:spcPct val="90000"/>
-            </a:lnSpc>
-            <a:spcBef>
-              <a:spcPct val="0"/>
-            </a:spcBef>
-            <a:spcAft>
-              <a:spcPct val="15000"/>
-            </a:spcAft>
-            <a:buChar char="•"/>
-          </a:pPr>
-          <a:endParaRPr lang="en-US" sz="4000" kern="1200" dirty="0">
-            <a:solidFill>
-              <a:srgbClr val="972A3A"/>
-            </a:solidFill>
-          </a:endParaRPr>
-        </a:p>
-        <a:p>
-          <a:pPr marL="285750" lvl="1" indent="-285750" algn="l" defTabSz="1778000">
-            <a:lnSpc>
-              <a:spcPct val="90000"/>
-            </a:lnSpc>
-            <a:spcBef>
-              <a:spcPct val="0"/>
-            </a:spcBef>
-            <a:spcAft>
-              <a:spcPct val="15000"/>
-            </a:spcAft>
-            <a:buChar char="•"/>
-          </a:pPr>
-          <a:endParaRPr lang="en-US" sz="4000" kern="1200" dirty="0">
-            <a:solidFill>
-              <a:srgbClr val="972A3A"/>
-            </a:solidFill>
-          </a:endParaRPr>
-        </a:p>
-      </dsp:txBody>
-      <dsp:txXfrm>
-        <a:off x="43163" y="1817608"/>
-        <a:ext cx="2180582" cy="1382843"/>
-      </dsp:txXfrm>
     </dsp:sp>
     <dsp:sp modelId="{8919B9D8-C7D7-471D-A3AF-D4CDD534FC75}">
       <dsp:nvSpPr>
@@ -1763,16 +1432,16 @@
       </dsp:nvSpPr>
       <dsp:spPr>
         <a:xfrm>
-          <a:off x="1300946" y="2316885"/>
-          <a:ext cx="2356306" cy="2356306"/>
+          <a:off x="1135925" y="2060966"/>
+          <a:ext cx="2405805" cy="2405805"/>
         </a:xfrm>
         <a:prstGeom prst="leftCircularArrow">
           <a:avLst>
-            <a:gd name="adj1" fmla="val 2550"/>
-            <a:gd name="adj2" fmla="val 309429"/>
-            <a:gd name="adj3" fmla="val 2084940"/>
-            <a:gd name="adj4" fmla="val 9024489"/>
-            <a:gd name="adj5" fmla="val 2975"/>
+            <a:gd name="adj1" fmla="val 2498"/>
+            <a:gd name="adj2" fmla="val 302694"/>
+            <a:gd name="adj3" fmla="val 1253683"/>
+            <a:gd name="adj4" fmla="val 8199967"/>
+            <a:gd name="adj5" fmla="val 2914"/>
           </a:avLst>
         </a:prstGeom>
         <a:solidFill>
@@ -1884,9 +1553,9 @@
         <dsp:cNvSpPr/>
       </dsp:nvSpPr>
       <dsp:spPr>
-        <a:xfrm>
-          <a:off x="2804762" y="1774586"/>
-          <a:ext cx="2266626" cy="1869493"/>
+        <a:xfrm flipV="1">
+          <a:off x="3055372" y="1903011"/>
+          <a:ext cx="1738208" cy="689375"/>
         </a:xfrm>
         <a:prstGeom prst="roundRect">
           <a:avLst>
@@ -1894,12 +1563,23 @@
           </a:avLst>
         </a:prstGeom>
         <a:solidFill>
-          <a:srgbClr val="EFE3E1">
+          <a:schemeClr val="lt1">
             <a:alpha val="90000"/>
-          </a:srgbClr>
+            <a:hueOff val="0"/>
+            <a:satOff val="0"/>
+            <a:lumOff val="0"/>
+            <a:alphaOff val="0"/>
+          </a:schemeClr>
         </a:solidFill>
         <a:ln w="12700" cap="flat" cmpd="sng" algn="ctr">
-          <a:noFill/>
+          <a:solidFill>
+            <a:schemeClr val="accent1">
+              <a:hueOff val="0"/>
+              <a:satOff val="0"/>
+              <a:lumOff val="0"/>
+              <a:alphaOff val="0"/>
+            </a:schemeClr>
+          </a:solidFill>
           <a:prstDash val="solid"/>
           <a:miter lim="800000"/>
         </a:ln>
@@ -1917,54 +1597,6 @@
         </a:effectRef>
         <a:fontRef idx="minor"/>
       </dsp:style>
-      <dsp:txBody>
-        <a:bodyPr spcFirstLastPara="0" vert="horz" wrap="square" lIns="76200" tIns="76200" rIns="76200" bIns="76200" numCol="1" spcCol="1270" anchor="t" anchorCtr="0">
-          <a:noAutofit/>
-        </a:bodyPr>
-        <a:lstStyle/>
-        <a:p>
-          <a:pPr marL="285750" lvl="1" indent="-285750" algn="l" defTabSz="1778000">
-            <a:lnSpc>
-              <a:spcPct val="90000"/>
-            </a:lnSpc>
-            <a:spcBef>
-              <a:spcPct val="0"/>
-            </a:spcBef>
-            <a:spcAft>
-              <a:spcPct val="15000"/>
-            </a:spcAft>
-            <a:buChar char="•"/>
-          </a:pPr>
-          <a:endParaRPr lang="en-US" sz="4000" kern="1200" dirty="0">
-            <a:solidFill>
-              <a:srgbClr val="972A3A"/>
-            </a:solidFill>
-          </a:endParaRPr>
-        </a:p>
-        <a:p>
-          <a:pPr marL="285750" lvl="1" indent="-285750" algn="l" defTabSz="1778000">
-            <a:lnSpc>
-              <a:spcPct val="90000"/>
-            </a:lnSpc>
-            <a:spcBef>
-              <a:spcPct val="0"/>
-            </a:spcBef>
-            <a:spcAft>
-              <a:spcPct val="15000"/>
-            </a:spcAft>
-            <a:buChar char="•"/>
-          </a:pPr>
-          <a:endParaRPr lang="en-US" sz="4000" kern="1200" dirty="0">
-            <a:solidFill>
-              <a:srgbClr val="972A3A"/>
-            </a:solidFill>
-          </a:endParaRPr>
-        </a:p>
-      </dsp:txBody>
-      <dsp:txXfrm>
-        <a:off x="2847784" y="2218214"/>
-        <a:ext cx="2180582" cy="1382843"/>
-      </dsp:txXfrm>
     </dsp:sp>
     <dsp:sp modelId="{CC69C9B7-E8B5-468B-8A4F-27EDDDCC0FBA}">
       <dsp:nvSpPr>
@@ -1973,16 +1605,16 @@
       </dsp:nvSpPr>
       <dsp:spPr>
         <a:xfrm>
-          <a:off x="4086679" y="672173"/>
-          <a:ext cx="2645930" cy="2645930"/>
+          <a:off x="3967813" y="875843"/>
+          <a:ext cx="2552186" cy="2552186"/>
         </a:xfrm>
         <a:prstGeom prst="circularArrow">
           <a:avLst>
-            <a:gd name="adj1" fmla="val 2271"/>
-            <a:gd name="adj2" fmla="val 273786"/>
-            <a:gd name="adj3" fmla="val 19550703"/>
-            <a:gd name="adj4" fmla="val 12575511"/>
-            <a:gd name="adj5" fmla="val 2650"/>
+            <a:gd name="adj1" fmla="val 2354"/>
+            <a:gd name="adj2" fmla="val 284389"/>
+            <a:gd name="adj3" fmla="val 20162897"/>
+            <a:gd name="adj4" fmla="val 13198307"/>
+            <a:gd name="adj5" fmla="val 2747"/>
           </a:avLst>
         </a:prstGeom>
         <a:solidFill>
@@ -2095,8 +1727,8 @@
       </dsp:nvSpPr>
       <dsp:spPr>
         <a:xfrm>
-          <a:off x="5609383" y="1774586"/>
-          <a:ext cx="2266626" cy="1869493"/>
+          <a:off x="5730535" y="2643695"/>
+          <a:ext cx="1792357" cy="876007"/>
         </a:xfrm>
         <a:prstGeom prst="roundRect">
           <a:avLst>
@@ -2104,12 +1736,23 @@
           </a:avLst>
         </a:prstGeom>
         <a:solidFill>
-          <a:srgbClr val="EFE3E1">
+          <a:schemeClr val="lt1">
             <a:alpha val="90000"/>
-          </a:srgbClr>
+            <a:hueOff val="0"/>
+            <a:satOff val="0"/>
+            <a:lumOff val="0"/>
+            <a:alphaOff val="0"/>
+          </a:schemeClr>
         </a:solidFill>
         <a:ln w="12700" cap="flat" cmpd="sng" algn="ctr">
-          <a:noFill/>
+          <a:solidFill>
+            <a:schemeClr val="accent1">
+              <a:hueOff val="0"/>
+              <a:satOff val="0"/>
+              <a:lumOff val="0"/>
+              <a:alphaOff val="0"/>
+            </a:schemeClr>
+          </a:solidFill>
           <a:prstDash val="solid"/>
           <a:miter lim="800000"/>
         </a:ln>
@@ -2127,54 +1770,6 @@
         </a:effectRef>
         <a:fontRef idx="minor"/>
       </dsp:style>
-      <dsp:txBody>
-        <a:bodyPr spcFirstLastPara="0" vert="horz" wrap="square" lIns="76200" tIns="76200" rIns="76200" bIns="76200" numCol="1" spcCol="1270" anchor="t" anchorCtr="0">
-          <a:noAutofit/>
-        </a:bodyPr>
-        <a:lstStyle/>
-        <a:p>
-          <a:pPr marL="285750" lvl="1" indent="-285750" algn="l" defTabSz="1778000">
-            <a:lnSpc>
-              <a:spcPct val="90000"/>
-            </a:lnSpc>
-            <a:spcBef>
-              <a:spcPct val="0"/>
-            </a:spcBef>
-            <a:spcAft>
-              <a:spcPct val="15000"/>
-            </a:spcAft>
-            <a:buChar char="•"/>
-          </a:pPr>
-          <a:endParaRPr lang="en-US" sz="4000" kern="1200" dirty="0">
-            <a:solidFill>
-              <a:srgbClr val="972A3A"/>
-            </a:solidFill>
-          </a:endParaRPr>
-        </a:p>
-        <a:p>
-          <a:pPr marL="285750" lvl="1" indent="-285750" algn="l" defTabSz="1778000">
-            <a:lnSpc>
-              <a:spcPct val="90000"/>
-            </a:lnSpc>
-            <a:spcBef>
-              <a:spcPct val="0"/>
-            </a:spcBef>
-            <a:spcAft>
-              <a:spcPct val="15000"/>
-            </a:spcAft>
-            <a:buChar char="•"/>
-          </a:pPr>
-          <a:endParaRPr lang="en-US" sz="4000" kern="1200" dirty="0">
-            <a:solidFill>
-              <a:srgbClr val="972A3A"/>
-            </a:solidFill>
-          </a:endParaRPr>
-        </a:p>
-      </dsp:txBody>
-      <dsp:txXfrm>
-        <a:off x="5652405" y="1817608"/>
-        <a:ext cx="2180582" cy="1382843"/>
-      </dsp:txXfrm>
     </dsp:sp>
     <dsp:sp modelId="{A0FBE8DC-93D6-4FD9-B165-B742A8565BB8}">
       <dsp:nvSpPr>
@@ -3994,7 +3589,7 @@
             <a:fld id="{11A6662E-FAF4-44BC-88B5-85A7CBFB6D30}" type="datetime1">
               <a:rPr lang="en-US" smtClean="0"/>
               <a:pPr/>
-              <a:t>2/4/2022</a:t>
+              <a:t>2/14/2022</a:t>
             </a:fld>
             <a:endParaRPr lang="en-US"/>
           </a:p>
@@ -4205,7 +3800,7 @@
           <a:p>
             <a:fld id="{4C559632-1575-4E14-B53B-3DC3D5ED3947}" type="datetime1">
               <a:rPr lang="en-US" smtClean="0"/>
-              <a:t>2/4/2022</a:t>
+              <a:t>2/14/2022</a:t>
             </a:fld>
             <a:endParaRPr lang="en-US"/>
           </a:p>
@@ -4413,7 +4008,7 @@
           <a:p>
             <a:fld id="{CC4A6868-2568-4CC9-B302-F37117B01A6E}" type="datetime1">
               <a:rPr lang="en-US" smtClean="0"/>
-              <a:t>2/4/2022</a:t>
+              <a:t>2/14/2022</a:t>
             </a:fld>
             <a:endParaRPr lang="en-US"/>
           </a:p>
@@ -4616,7 +4211,7 @@
           <a:p>
             <a:fld id="{0055F08A-1E71-4B2B-BB49-E743F2903911}" type="datetime1">
               <a:rPr lang="en-US" smtClean="0"/>
-              <a:t>2/4/2022</a:t>
+              <a:t>2/14/2022</a:t>
             </a:fld>
             <a:endParaRPr lang="en-US" dirty="0"/>
           </a:p>
@@ -4890,7 +4485,7 @@
           <a:p>
             <a:fld id="{15417D9E-721A-44BB-8863-9873FE64DA75}" type="datetime1">
               <a:rPr lang="en-US" smtClean="0"/>
-              <a:t>2/4/2022</a:t>
+              <a:t>2/14/2022</a:t>
             </a:fld>
             <a:endParaRPr lang="en-US"/>
           </a:p>
@@ -5160,7 +4755,7 @@
           <a:p>
             <a:fld id="{5F31DA2F-80B8-49CF-99FB-5ABCA53A607A}" type="datetime1">
               <a:rPr lang="en-US" smtClean="0"/>
-              <a:t>2/4/2022</a:t>
+              <a:t>2/14/2022</a:t>
             </a:fld>
             <a:endParaRPr lang="en-US"/>
           </a:p>
@@ -5573,7 +5168,7 @@
           <a:p>
             <a:fld id="{28852172-E6C9-4B6C-929A-A9DE3837BBF1}" type="datetime1">
               <a:rPr lang="en-US" smtClean="0"/>
-              <a:t>2/4/2022</a:t>
+              <a:t>2/14/2022</a:t>
             </a:fld>
             <a:endParaRPr lang="en-US"/>
           </a:p>
@@ -5719,7 +5314,7 @@
           <a:p>
             <a:fld id="{3AB41CFF-90C9-47B3-9DA1-F2BF8D839F7E}" type="datetime1">
               <a:rPr lang="en-US" smtClean="0"/>
-              <a:t>2/4/2022</a:t>
+              <a:t>2/14/2022</a:t>
             </a:fld>
             <a:endParaRPr lang="en-US"/>
           </a:p>
@@ -5832,7 +5427,7 @@
           <a:p>
             <a:fld id="{F06048FA-06AB-4884-A69B-986B96E68A24}" type="datetime1">
               <a:rPr lang="en-US" smtClean="0"/>
-              <a:t>2/4/2022</a:t>
+              <a:t>2/14/2022</a:t>
             </a:fld>
             <a:endParaRPr lang="en-US"/>
           </a:p>
@@ -6143,7 +5738,7 @@
           <a:p>
             <a:fld id="{50DB7ABA-0172-4F9C-889D-567164F66BCD}" type="datetime1">
               <a:rPr lang="en-US" smtClean="0"/>
-              <a:t>2/4/2022</a:t>
+              <a:t>2/14/2022</a:t>
             </a:fld>
             <a:endParaRPr lang="en-US"/>
           </a:p>
@@ -6434,7 +6029,7 @@
           <a:p>
             <a:fld id="{78AC6A5B-8AE7-4A41-B5A7-9ADC6686DC18}" type="datetime1">
               <a:rPr lang="en-US" smtClean="0"/>
-              <a:t>2/4/2022</a:t>
+              <a:t>2/14/2022</a:t>
             </a:fld>
             <a:endParaRPr lang="en-US"/>
           </a:p>
@@ -6780,7 +6375,7 @@
             <a:fld id="{57E0CF6C-748E-4B7A-BC8B-3011EF78ED13}" type="datetime1">
               <a:rPr lang="en-US" smtClean="0"/>
               <a:pPr/>
-              <a:t>2/4/2022</a:t>
+              <a:t>2/14/2022</a:t>
             </a:fld>
             <a:endParaRPr lang="en-US" dirty="0"/>
           </a:p>
@@ -10112,7 +9707,7 @@
           <p:nvPr>
             <p:extLst>
               <p:ext uri="{D42A27DB-BD31-4B8C-83A1-F6EECF244321}">
-                <p14:modId xmlns:p14="http://schemas.microsoft.com/office/powerpoint/2010/main" val="42063775"/>
+                <p14:modId xmlns:p14="http://schemas.microsoft.com/office/powerpoint/2010/main" val="1715290387"/>
               </p:ext>
             </p:extLst>
           </p:nvPr>
@@ -11011,6 +10606,47 @@
           <a:prstGeom prst="rect">
             <a:avLst/>
           </a:prstGeom>
+        </p:spPr>
+      </p:pic>
+      <p:pic>
+        <p:nvPicPr>
+          <p:cNvPr id="11" name="Picture 10">
+            <a:extLst>
+              <a:ext uri="{FF2B5EF4-FFF2-40B4-BE49-F238E27FC236}">
+                <a16:creationId xmlns:a16="http://schemas.microsoft.com/office/drawing/2014/main" id="{40C4E534-59D2-477B-8A71-48DC1807467D}"/>
+              </a:ext>
+            </a:extLst>
+          </p:cNvPr>
+          <p:cNvPicPr>
+            <a:picLocks noChangeAspect="1"/>
+          </p:cNvPicPr>
+          <p:nvPr/>
+        </p:nvPicPr>
+        <p:blipFill>
+          <a:blip r:embed="rId9">
+            <a:extLst>
+              <a:ext uri="{28A0092B-C50C-407E-A947-70E740481C1C}">
+                <a14:useLocalDpi xmlns:a14="http://schemas.microsoft.com/office/drawing/2010/main" val="0"/>
+              </a:ext>
+            </a:extLst>
+          </a:blip>
+          <a:srcRect/>
+          <a:stretch>
+            <a:fillRect/>
+          </a:stretch>
+        </p:blipFill>
+        <p:spPr bwMode="auto">
+          <a:xfrm>
+            <a:off x="6809444" y="0"/>
+            <a:ext cx="5401433" cy="6858000"/>
+          </a:xfrm>
+          <a:prstGeom prst="rect">
+            <a:avLst/>
+          </a:prstGeom>
+          <a:noFill/>
+          <a:ln>
+            <a:noFill/>
+          </a:ln>
         </p:spPr>
       </p:pic>
     </p:spTree>
